--- a/Emotion From Text.pptx
+++ b/Emotion From Text.pptx
@@ -29,6 +29,8 @@
     <p:sldId id="276" r:id="rId24"/>
     <p:sldId id="277" r:id="rId25"/>
     <p:sldId id="278" r:id="rId26"/>
+    <p:sldId id="279" r:id="rId27"/>
+    <p:sldId id="280" r:id="rId28"/>
   </p:sldIdLst>
   <p:sldSz cx="12192000" cy="6858000"/>
   <p:notesSz cx="7559675" cy="10691812"/>
@@ -2736,7 +2738,7 @@
         <p:spPr>
           <a:xfrm>
             <a:off x="609480" y="273600"/>
-            <a:ext cx="10972080" cy="1144440"/>
+            <a:ext cx="10972440" cy="1144800"/>
           </a:xfrm>
           <a:prstGeom prst="rect">
             <a:avLst/>
@@ -2745,13 +2747,14 @@
         <p:txBody>
           <a:bodyPr lIns="0" rIns="0" tIns="0" bIns="0" anchor="ctr"/>
           <a:p>
+            <a:pPr algn="ctr"/>
             <a:r>
-              <a:rPr b="0" lang="en-IN" sz="1800" spc="-1" strike="noStrike">
+              <a:rPr b="0" lang="en-IN" sz="4400" spc="-1" strike="noStrike">
                 <a:latin typeface="Arial"/>
               </a:rPr>
               <a:t>Click to edit the title text format</a:t>
             </a:r>
-            <a:endParaRPr b="0" lang="en-IN" sz="1800" spc="-1" strike="noStrike">
+            <a:endParaRPr b="0" lang="en-IN" sz="4400" spc="-1" strike="noStrike">
               <a:latin typeface="Arial"/>
             </a:endParaRPr>
           </a:p>
@@ -2770,7 +2773,7 @@
         <p:spPr>
           <a:xfrm>
             <a:off x="609480" y="1604520"/>
-            <a:ext cx="10972080" cy="3976920"/>
+            <a:ext cx="10972440" cy="3977280"/>
           </a:xfrm>
           <a:prstGeom prst="rect">
             <a:avLst/>
@@ -2793,12 +2796,12 @@
               <a:buChar char=""/>
             </a:pPr>
             <a:r>
-              <a:rPr b="0" lang="en-IN" sz="1800" spc="-1" strike="noStrike">
+              <a:rPr b="0" lang="en-IN" sz="3200" spc="-1" strike="noStrike">
                 <a:latin typeface="Arial"/>
               </a:rPr>
               <a:t>Click to edit the outline text format</a:t>
             </a:r>
-            <a:endParaRPr b="0" lang="en-IN" sz="1800" spc="-1" strike="noStrike">
+            <a:endParaRPr b="0" lang="en-IN" sz="3200" spc="-1" strike="noStrike">
               <a:latin typeface="Arial"/>
             </a:endParaRPr>
           </a:p>
@@ -2815,12 +2818,12 @@
               <a:buChar char=""/>
             </a:pPr>
             <a:r>
-              <a:rPr b="0" lang="en-IN" sz="1800" spc="-1" strike="noStrike">
+              <a:rPr b="0" lang="en-IN" sz="2800" spc="-1" strike="noStrike">
                 <a:latin typeface="Arial"/>
               </a:rPr>
               <a:t>Second Outline Level</a:t>
             </a:r>
-            <a:endParaRPr b="0" lang="en-IN" sz="1800" spc="-1" strike="noStrike">
+            <a:endParaRPr b="0" lang="en-IN" sz="2800" spc="-1" strike="noStrike">
               <a:latin typeface="Arial"/>
             </a:endParaRPr>
           </a:p>
@@ -2837,12 +2840,12 @@
               <a:buChar char=""/>
             </a:pPr>
             <a:r>
-              <a:rPr b="0" lang="en-IN" sz="1800" spc="-1" strike="noStrike">
+              <a:rPr b="0" lang="en-IN" sz="2400" spc="-1" strike="noStrike">
                 <a:latin typeface="Arial"/>
               </a:rPr>
               <a:t>Third Outline Level</a:t>
             </a:r>
-            <a:endParaRPr b="0" lang="en-IN" sz="1800" spc="-1" strike="noStrike">
+            <a:endParaRPr b="0" lang="en-IN" sz="2400" spc="-1" strike="noStrike">
               <a:latin typeface="Arial"/>
             </a:endParaRPr>
           </a:p>
@@ -2859,12 +2862,12 @@
               <a:buChar char=""/>
             </a:pPr>
             <a:r>
-              <a:rPr b="0" lang="en-IN" sz="1800" spc="-1" strike="noStrike">
+              <a:rPr b="0" lang="en-IN" sz="2000" spc="-1" strike="noStrike">
                 <a:latin typeface="Arial"/>
               </a:rPr>
               <a:t>Fourth Outline Level</a:t>
             </a:r>
-            <a:endParaRPr b="0" lang="en-IN" sz="1800" spc="-1" strike="noStrike">
+            <a:endParaRPr b="0" lang="en-IN" sz="2000" spc="-1" strike="noStrike">
               <a:latin typeface="Arial"/>
             </a:endParaRPr>
           </a:p>
@@ -2881,12 +2884,12 @@
               <a:buChar char=""/>
             </a:pPr>
             <a:r>
-              <a:rPr b="0" lang="en-IN" sz="1800" spc="-1" strike="noStrike">
+              <a:rPr b="0" lang="en-IN" sz="2000" spc="-1" strike="noStrike">
                 <a:latin typeface="Arial"/>
               </a:rPr>
               <a:t>Fifth Outline Level</a:t>
             </a:r>
-            <a:endParaRPr b="0" lang="en-IN" sz="1800" spc="-1" strike="noStrike">
+            <a:endParaRPr b="0" lang="en-IN" sz="2000" spc="-1" strike="noStrike">
               <a:latin typeface="Arial"/>
             </a:endParaRPr>
           </a:p>
@@ -2903,12 +2906,12 @@
               <a:buChar char=""/>
             </a:pPr>
             <a:r>
-              <a:rPr b="0" lang="en-IN" sz="1800" spc="-1" strike="noStrike">
+              <a:rPr b="0" lang="en-IN" sz="2000" spc="-1" strike="noStrike">
                 <a:latin typeface="Arial"/>
               </a:rPr>
               <a:t>Sixth Outline Level</a:t>
             </a:r>
-            <a:endParaRPr b="0" lang="en-IN" sz="1800" spc="-1" strike="noStrike">
+            <a:endParaRPr b="0" lang="en-IN" sz="2000" spc="-1" strike="noStrike">
               <a:latin typeface="Arial"/>
             </a:endParaRPr>
           </a:p>
@@ -2925,12 +2928,12 @@
               <a:buChar char=""/>
             </a:pPr>
             <a:r>
-              <a:rPr b="0" lang="en-IN" sz="1800" spc="-1" strike="noStrike">
+              <a:rPr b="0" lang="en-IN" sz="2000" spc="-1" strike="noStrike">
                 <a:latin typeface="Arial"/>
               </a:rPr>
               <a:t>Seventh Outline Level</a:t>
             </a:r>
-            <a:endParaRPr b="0" lang="en-IN" sz="1800" spc="-1" strike="noStrike">
+            <a:endParaRPr b="0" lang="en-IN" sz="2000" spc="-1" strike="noStrike">
               <a:latin typeface="Arial"/>
             </a:endParaRPr>
           </a:p>
@@ -3007,25 +3010,7 @@
               <a:rPr b="0" lang="en-IN" sz="4400" spc="-1" strike="noStrike">
                 <a:latin typeface="Arial"/>
               </a:rPr>
-              <a:t>Click to </a:t>
-            </a:r>
-            <a:r>
-              <a:rPr b="0" lang="en-IN" sz="4400" spc="-1" strike="noStrike">
-                <a:latin typeface="Arial"/>
-              </a:rPr>
-              <a:t>edit the </a:t>
-            </a:r>
-            <a:r>
-              <a:rPr b="0" lang="en-IN" sz="4400" spc="-1" strike="noStrike">
-                <a:latin typeface="Arial"/>
-              </a:rPr>
-              <a:t>title text </a:t>
-            </a:r>
-            <a:r>
-              <a:rPr b="0" lang="en-IN" sz="4400" spc="-1" strike="noStrike">
-                <a:latin typeface="Arial"/>
-              </a:rPr>
-              <a:t>format</a:t>
+              <a:t>Click to edit the title text format</a:t>
             </a:r>
             <a:endParaRPr b="0" lang="en-IN" sz="4400" spc="-1" strike="noStrike">
               <a:latin typeface="Arial"/>
@@ -3257,8 +3242,8 @@
         </p:nvSpPr>
         <p:spPr>
           <a:xfrm>
-            <a:off x="1523880" y="1122480"/>
-            <a:ext cx="9142920" cy="2386440"/>
+            <a:off x="1728000" y="1122480"/>
+            <a:ext cx="8938080" cy="1541520"/>
           </a:xfrm>
           <a:prstGeom prst="rect">
             <a:avLst/>
@@ -3300,14 +3285,14 @@
       </p:sp>
       <p:sp>
         <p:nvSpPr>
-          <p:cNvPr id="77" name="CustomShape 2"/>
-          <p:cNvSpPr/>
+          <p:cNvPr id="77" name="TextShape 2"/>
+          <p:cNvSpPr txBox="1"/>
           <p:nvPr/>
         </p:nvSpPr>
         <p:spPr>
           <a:xfrm>
-            <a:off x="0" y="4392000"/>
-            <a:ext cx="9142920" cy="1654560"/>
+            <a:off x="504000" y="4821840"/>
+            <a:ext cx="7992000" cy="1370160"/>
           </a:xfrm>
           <a:prstGeom prst="rect">
             <a:avLst/>
@@ -3317,196 +3302,60 @@
             <a:noFill/>
           </a:ln>
         </p:spPr>
-        <p:style>
-          <a:lnRef idx="0"/>
-          <a:fillRef idx="0"/>
-          <a:effectRef idx="0"/>
-          <a:fontRef idx="minor"/>
-        </p:style>
         <p:txBody>
           <a:bodyPr lIns="90000" rIns="90000" tIns="45000" bIns="45000"/>
           <a:p>
-            <a:pPr algn="ctr">
-              <a:lnSpc>
-                <a:spcPct val="90000"/>
-              </a:lnSpc>
-              <a:spcBef>
-                <a:spcPts val="1001"/>
-              </a:spcBef>
-            </a:pPr>
             <a:r>
-              <a:rPr b="0" lang="en-IN" sz="2400" spc="-1" strike="noStrike">
-                <a:solidFill>
-                  <a:srgbClr val="000000"/>
-                </a:solidFill>
-                <a:latin typeface="Calibri"/>
-                <a:ea typeface="DejaVu Sans"/>
+              <a:rPr b="1" lang="en-IN" sz="1800" spc="-1" strike="noStrike">
+                <a:latin typeface="Arial"/>
               </a:rPr>
-              <a:t>Submitted By:</a:t>
+              <a:t>Submitted By:         </a:t>
             </a:r>
-            <a:endParaRPr b="0" lang="en-IN" sz="2400" spc="-1" strike="noStrike">
-              <a:latin typeface="Arial"/>
-            </a:endParaRPr>
-          </a:p>
-          <a:p>
-            <a:pPr algn="ctr">
-              <a:lnSpc>
-                <a:spcPct val="90000"/>
-              </a:lnSpc>
-              <a:spcBef>
-                <a:spcPts val="1001"/>
-              </a:spcBef>
-            </a:pPr>
+            <a:endParaRPr b="0" lang="en-IN" sz="1800" spc="-1" strike="noStrike">
+              <a:latin typeface="Arial"/>
+            </a:endParaRPr>
+          </a:p>
+          <a:p>
             <a:r>
-              <a:rPr b="0" lang="en-IN" sz="2400" spc="-1" strike="noStrike">
-                <a:solidFill>
-                  <a:srgbClr val="000000"/>
-                </a:solidFill>
-                <a:latin typeface="Calibri"/>
-                <a:ea typeface="DejaVu Sans"/>
-              </a:rPr>
-              <a:t>	</a:t>
-            </a:r>
-            <a:r>
-              <a:rPr b="0" lang="en-IN" sz="2400" spc="-1" strike="noStrike">
-                <a:solidFill>
-                  <a:srgbClr val="000000"/>
-                </a:solidFill>
-                <a:latin typeface="Calibri"/>
-                <a:ea typeface="DejaVu Sans"/>
+              <a:rPr b="0" lang="en-IN" sz="1800" spc="-1" strike="noStrike">
+                <a:latin typeface="Arial"/>
               </a:rPr>
               <a:t>Padma Dhar (2018201011)</a:t>
             </a:r>
-            <a:endParaRPr b="0" lang="en-IN" sz="2400" spc="-1" strike="noStrike">
-              <a:latin typeface="Arial"/>
-            </a:endParaRPr>
-          </a:p>
-          <a:p>
-            <a:pPr algn="ctr">
-              <a:lnSpc>
-                <a:spcPct val="90000"/>
-              </a:lnSpc>
-              <a:spcBef>
-                <a:spcPts val="1001"/>
-              </a:spcBef>
-            </a:pPr>
+            <a:endParaRPr b="0" lang="en-IN" sz="1800" spc="-1" strike="noStrike">
+              <a:latin typeface="Arial"/>
+            </a:endParaRPr>
+          </a:p>
+          <a:p>
             <a:r>
-              <a:rPr b="0" lang="en-IN" sz="2400" spc="-1" strike="noStrike">
-                <a:solidFill>
-                  <a:srgbClr val="000000"/>
-                </a:solidFill>
-                <a:latin typeface="Calibri"/>
-                <a:ea typeface="DejaVu Sans"/>
-              </a:rPr>
-              <a:t>	</a:t>
-            </a:r>
-            <a:r>
-              <a:rPr b="0" lang="en-IN" sz="2400" spc="-1" strike="noStrike">
-                <a:solidFill>
-                  <a:srgbClr val="000000"/>
-                </a:solidFill>
-                <a:latin typeface="Calibri"/>
-                <a:ea typeface="DejaVu Sans"/>
-              </a:rPr>
-              <a:t>	</a:t>
-            </a:r>
-            <a:r>
-              <a:rPr b="0" lang="en-IN" sz="2400" spc="-1" strike="noStrike">
-                <a:solidFill>
-                  <a:srgbClr val="000000"/>
-                </a:solidFill>
-                <a:latin typeface="Calibri"/>
-                <a:ea typeface="DejaVu Sans"/>
+              <a:rPr b="0" lang="en-IN" sz="1800" spc="-1" strike="noStrike">
+                <a:latin typeface="Arial"/>
               </a:rPr>
               <a:t>Divyanshi Kushwaha(2018201046)</a:t>
             </a:r>
-            <a:endParaRPr b="0" lang="en-IN" sz="2400" spc="-1" strike="noStrike">
-              <a:latin typeface="Arial"/>
-            </a:endParaRPr>
-          </a:p>
-          <a:p>
-            <a:pPr algn="ctr">
-              <a:lnSpc>
-                <a:spcPct val="90000"/>
-              </a:lnSpc>
-              <a:spcBef>
-                <a:spcPts val="1001"/>
-              </a:spcBef>
-            </a:pPr>
+            <a:endParaRPr b="0" lang="en-IN" sz="1800" spc="-1" strike="noStrike">
+              <a:latin typeface="Arial"/>
+            </a:endParaRPr>
+          </a:p>
+          <a:p>
             <a:r>
-              <a:rPr b="0" lang="en-IN" sz="2400" spc="-1" strike="noStrike">
-                <a:solidFill>
-                  <a:srgbClr val="000000"/>
-                </a:solidFill>
-                <a:latin typeface="Calibri"/>
-                <a:ea typeface="DejaVu Sans"/>
-              </a:rPr>
-              <a:t>   </a:t>
-            </a:r>
-            <a:r>
-              <a:rPr b="0" lang="en-IN" sz="2400" spc="-1" strike="noStrike">
-                <a:solidFill>
-                  <a:srgbClr val="000000"/>
-                </a:solidFill>
-                <a:latin typeface="Calibri"/>
-                <a:ea typeface="DejaVu Sans"/>
-              </a:rPr>
-              <a:t>	</a:t>
-            </a:r>
-            <a:r>
-              <a:rPr b="0" lang="en-IN" sz="2400" spc="-1" strike="noStrike">
-                <a:solidFill>
-                  <a:srgbClr val="000000"/>
-                </a:solidFill>
-                <a:latin typeface="Calibri"/>
-                <a:ea typeface="DejaVu Sans"/>
-              </a:rPr>
-              <a:t>  </a:t>
-            </a:r>
-            <a:r>
-              <a:rPr b="0" lang="en-IN" sz="2400" spc="-1" strike="noStrike">
-                <a:solidFill>
-                  <a:srgbClr val="000000"/>
-                </a:solidFill>
-                <a:latin typeface="Calibri"/>
-                <a:ea typeface="DejaVu Sans"/>
+              <a:rPr b="0" lang="en-IN" sz="1800" spc="-1" strike="noStrike">
+                <a:latin typeface="Arial"/>
               </a:rPr>
               <a:t>Priya Upadhyay(2018202012)</a:t>
             </a:r>
-            <a:endParaRPr b="0" lang="en-IN" sz="2400" spc="-1" strike="noStrike">
-              <a:latin typeface="Arial"/>
-            </a:endParaRPr>
-          </a:p>
-          <a:p>
-            <a:pPr algn="ctr">
-              <a:lnSpc>
-                <a:spcPct val="90000"/>
-              </a:lnSpc>
-              <a:spcBef>
-                <a:spcPts val="1001"/>
-              </a:spcBef>
-            </a:pPr>
+            <a:endParaRPr b="0" lang="en-IN" sz="1800" spc="-1" strike="noStrike">
+              <a:latin typeface="Arial"/>
+            </a:endParaRPr>
+          </a:p>
+          <a:p>
             <a:r>
-              <a:rPr b="0" lang="en-IN" sz="2400" spc="-1" strike="noStrike">
-                <a:solidFill>
-                  <a:srgbClr val="000000"/>
-                </a:solidFill>
-                <a:latin typeface="Calibri"/>
-                <a:ea typeface="DejaVu Sans"/>
-              </a:rPr>
-              <a:t>     </a:t>
-            </a:r>
-            <a:r>
-              <a:rPr b="0" lang="en-IN" sz="2400" spc="-1" strike="noStrike">
-                <a:solidFill>
-                  <a:srgbClr val="000000"/>
-                </a:solidFill>
-                <a:latin typeface="Calibri"/>
-                <a:ea typeface="DejaVu Sans"/>
+              <a:rPr b="0" lang="en-IN" sz="1800" spc="-1" strike="noStrike">
+                <a:latin typeface="Arial"/>
               </a:rPr>
               <a:t>Himani Gupta(2018202014)</a:t>
             </a:r>
-            <a:endParaRPr b="0" lang="en-IN" sz="2400" spc="-1" strike="noStrike">
+            <a:endParaRPr b="0" lang="en-IN" sz="1800" spc="-1" strike="noStrike">
               <a:latin typeface="Arial"/>
             </a:endParaRPr>
           </a:p>
@@ -3563,14 +3412,14 @@
       </p:grpSpPr>
       <p:sp>
         <p:nvSpPr>
-          <p:cNvPr id="159" name="CustomShape 1"/>
+          <p:cNvPr id="150" name="CustomShape 1"/>
           <p:cNvSpPr/>
           <p:nvPr/>
         </p:nvSpPr>
         <p:spPr>
           <a:xfrm>
             <a:off x="838080" y="365040"/>
-            <a:ext cx="10514520" cy="1324440"/>
+            <a:ext cx="10513800" cy="1323720"/>
           </a:xfrm>
           <a:prstGeom prst="rect">
             <a:avLst/>
@@ -3602,369 +3451,6 @@
                 <a:latin typeface="Calibri Light"/>
                 <a:ea typeface="DejaVu Sans"/>
               </a:rPr>
-              <a:t>Bag of Words</a:t>
-            </a:r>
-            <a:endParaRPr b="0" lang="en-IN" sz="4400" spc="-1" strike="noStrike">
-              <a:latin typeface="Arial"/>
-            </a:endParaRPr>
-          </a:p>
-        </p:txBody>
-      </p:sp>
-      <p:pic>
-        <p:nvPicPr>
-          <p:cNvPr id="160" name="Content Placeholder 4" descr=""/>
-          <p:cNvPicPr/>
-          <p:nvPr/>
-        </p:nvPicPr>
-        <p:blipFill>
-          <a:blip r:embed="rId1"/>
-          <a:stretch/>
-        </p:blipFill>
-        <p:spPr>
-          <a:xfrm>
-            <a:off x="1311840" y="1770120"/>
-            <a:ext cx="9324720" cy="4311360"/>
-          </a:xfrm>
-          <a:prstGeom prst="rect">
-            <a:avLst/>
-          </a:prstGeom>
-          <a:ln>
-            <a:noFill/>
-          </a:ln>
-        </p:spPr>
-      </p:pic>
-    </p:spTree>
-  </p:cSld>
-  <p:timing>
-    <p:tnLst>
-      <p:par>
-        <p:cTn id="19" dur="indefinite" restart="never" nodeType="tmRoot">
-          <p:childTnLst>
-            <p:seq>
-              <p:cTn id="20" dur="indefinite" nodeType="mainSeq"/>
-              <p:prevCondLst>
-                <p:cond delay="0" evt="onPrev">
-                  <p:tgtEl>
-                    <p:sldTgt/>
-                  </p:tgtEl>
-                </p:cond>
-              </p:prevCondLst>
-              <p:nextCondLst>
-                <p:cond delay="0" evt="onNext">
-                  <p:tgtEl>
-                    <p:sldTgt/>
-                  </p:tgtEl>
-                </p:cond>
-              </p:nextCondLst>
-            </p:seq>
-          </p:childTnLst>
-        </p:cTn>
-      </p:par>
-    </p:tnLst>
-  </p:timing>
-</p:sld>
-</file>
-
-<file path=ppt/slides/slide11.xml><?xml version="1.0" encoding="utf-8"?>
-<p:sld xmlns:a="http://schemas.openxmlformats.org/drawingml/2006/main" xmlns:p="http://schemas.openxmlformats.org/presentationml/2006/main" xmlns:r="http://schemas.openxmlformats.org/officeDocument/2006/relationships" xmlns:p14="http://schemas.microsoft.com/office/powerpoint/2010/main" xmlns:p15="http://schemas.microsoft.com/office/powerpoint/2012/main" xmlns:mc="http://schemas.openxmlformats.org/markup-compatibility/2006">
-  <p:cSld>
-    <p:spTree>
-      <p:nvGrpSpPr>
-        <p:cNvPr id="1" name=""/>
-        <p:cNvGrpSpPr/>
-        <p:nvPr/>
-      </p:nvGrpSpPr>
-      <p:grpSpPr>
-        <a:xfrm>
-          <a:off x="0" y="0"/>
-          <a:ext cx="0" cy="0"/>
-          <a:chOff x="0" y="0"/>
-          <a:chExt cx="0" cy="0"/>
-        </a:xfrm>
-      </p:grpSpPr>
-      <p:sp>
-        <p:nvSpPr>
-          <p:cNvPr id="161" name="CustomShape 1"/>
-          <p:cNvSpPr/>
-          <p:nvPr/>
-        </p:nvSpPr>
-        <p:spPr>
-          <a:xfrm>
-            <a:off x="838080" y="365040"/>
-            <a:ext cx="10514520" cy="1324440"/>
-          </a:xfrm>
-          <a:prstGeom prst="rect">
-            <a:avLst/>
-          </a:prstGeom>
-          <a:noFill/>
-          <a:ln>
-            <a:noFill/>
-          </a:ln>
-        </p:spPr>
-        <p:style>
-          <a:lnRef idx="0"/>
-          <a:fillRef idx="0"/>
-          <a:effectRef idx="0"/>
-          <a:fontRef idx="minor"/>
-        </p:style>
-        <p:txBody>
-          <a:bodyPr lIns="90000" rIns="90000" tIns="45000" bIns="45000" anchor="ctr"/>
-          <a:p>
-            <a:pPr>
-              <a:lnSpc>
-                <a:spcPct val="90000"/>
-              </a:lnSpc>
-            </a:pPr>
-            <a:r>
-              <a:rPr b="0" lang="en-IN" sz="4400" spc="-1" strike="noStrike">
-                <a:solidFill>
-                  <a:srgbClr val="000000"/>
-                </a:solidFill>
-                <a:latin typeface="Calibri Light"/>
-                <a:ea typeface="DejaVu Sans"/>
-              </a:rPr>
-              <a:t>Tokenizer API by Keras</a:t>
-            </a:r>
-            <a:endParaRPr b="0" lang="en-IN" sz="4400" spc="-1" strike="noStrike">
-              <a:latin typeface="Arial"/>
-            </a:endParaRPr>
-          </a:p>
-        </p:txBody>
-      </p:sp>
-      <p:pic>
-        <p:nvPicPr>
-          <p:cNvPr id="162" name="Content Placeholder 4" descr=""/>
-          <p:cNvPicPr/>
-          <p:nvPr/>
-        </p:nvPicPr>
-        <p:blipFill>
-          <a:blip r:embed="rId1"/>
-          <a:stretch/>
-        </p:blipFill>
-        <p:spPr>
-          <a:xfrm>
-            <a:off x="1272240" y="1690560"/>
-            <a:ext cx="8361000" cy="4800960"/>
-          </a:xfrm>
-          <a:prstGeom prst="rect">
-            <a:avLst/>
-          </a:prstGeom>
-          <a:ln>
-            <a:noFill/>
-          </a:ln>
-        </p:spPr>
-      </p:pic>
-    </p:spTree>
-  </p:cSld>
-  <p:timing>
-    <p:tnLst>
-      <p:par>
-        <p:cTn id="21" dur="indefinite" restart="never" nodeType="tmRoot">
-          <p:childTnLst>
-            <p:seq>
-              <p:cTn id="22" dur="indefinite" nodeType="mainSeq"/>
-              <p:prevCondLst>
-                <p:cond delay="0" evt="onPrev">
-                  <p:tgtEl>
-                    <p:sldTgt/>
-                  </p:tgtEl>
-                </p:cond>
-              </p:prevCondLst>
-              <p:nextCondLst>
-                <p:cond delay="0" evt="onNext">
-                  <p:tgtEl>
-                    <p:sldTgt/>
-                  </p:tgtEl>
-                </p:cond>
-              </p:nextCondLst>
-            </p:seq>
-          </p:childTnLst>
-        </p:cTn>
-      </p:par>
-    </p:tnLst>
-  </p:timing>
-</p:sld>
-</file>
-
-<file path=ppt/slides/slide12.xml><?xml version="1.0" encoding="utf-8"?>
-<p:sld xmlns:a="http://schemas.openxmlformats.org/drawingml/2006/main" xmlns:p="http://schemas.openxmlformats.org/presentationml/2006/main" xmlns:r="http://schemas.openxmlformats.org/officeDocument/2006/relationships" xmlns:p14="http://schemas.microsoft.com/office/powerpoint/2010/main" xmlns:p15="http://schemas.microsoft.com/office/powerpoint/2012/main" xmlns:mc="http://schemas.openxmlformats.org/markup-compatibility/2006">
-  <p:cSld>
-    <p:spTree>
-      <p:nvGrpSpPr>
-        <p:cNvPr id="1" name=""/>
-        <p:cNvGrpSpPr/>
-        <p:nvPr/>
-      </p:nvGrpSpPr>
-      <p:grpSpPr>
-        <a:xfrm>
-          <a:off x="0" y="0"/>
-          <a:ext cx="0" cy="0"/>
-          <a:chOff x="0" y="0"/>
-          <a:chExt cx="0" cy="0"/>
-        </a:xfrm>
-      </p:grpSpPr>
-      <p:sp>
-        <p:nvSpPr>
-          <p:cNvPr id="163" name="CustomShape 1"/>
-          <p:cNvSpPr/>
-          <p:nvPr/>
-        </p:nvSpPr>
-        <p:spPr>
-          <a:xfrm>
-            <a:off x="838080" y="365040"/>
-            <a:ext cx="10514520" cy="1324440"/>
-          </a:xfrm>
-          <a:prstGeom prst="rect">
-            <a:avLst/>
-          </a:prstGeom>
-          <a:noFill/>
-          <a:ln>
-            <a:noFill/>
-          </a:ln>
-        </p:spPr>
-        <p:style>
-          <a:lnRef idx="0"/>
-          <a:fillRef idx="0"/>
-          <a:effectRef idx="0"/>
-          <a:fontRef idx="minor"/>
-        </p:style>
-        <p:txBody>
-          <a:bodyPr lIns="90000" rIns="90000" tIns="45000" bIns="45000" anchor="ctr"/>
-          <a:p>
-            <a:pPr>
-              <a:lnSpc>
-                <a:spcPct val="90000"/>
-              </a:lnSpc>
-            </a:pPr>
-            <a:r>
-              <a:rPr b="0" lang="en-IN" sz="4400" spc="-1" strike="noStrike">
-                <a:solidFill>
-                  <a:srgbClr val="000000"/>
-                </a:solidFill>
-                <a:latin typeface="Calibri Light"/>
-                <a:ea typeface="DejaVu Sans"/>
-              </a:rPr>
-              <a:t>Vector Space for Words</a:t>
-            </a:r>
-            <a:endParaRPr b="0" lang="en-IN" sz="4400" spc="-1" strike="noStrike">
-              <a:latin typeface="Arial"/>
-            </a:endParaRPr>
-          </a:p>
-        </p:txBody>
-      </p:sp>
-      <p:pic>
-        <p:nvPicPr>
-          <p:cNvPr id="164" name="Content Placeholder 4" descr=""/>
-          <p:cNvPicPr/>
-          <p:nvPr/>
-        </p:nvPicPr>
-        <p:blipFill>
-          <a:blip r:embed="rId1"/>
-          <a:stretch/>
-        </p:blipFill>
-        <p:spPr>
-          <a:xfrm>
-            <a:off x="1285560" y="1783080"/>
-            <a:ext cx="8115480" cy="3980880"/>
-          </a:xfrm>
-          <a:prstGeom prst="rect">
-            <a:avLst/>
-          </a:prstGeom>
-          <a:ln>
-            <a:noFill/>
-          </a:ln>
-        </p:spPr>
-      </p:pic>
-    </p:spTree>
-  </p:cSld>
-  <p:timing>
-    <p:tnLst>
-      <p:par>
-        <p:cTn id="23" dur="indefinite" restart="never" nodeType="tmRoot">
-          <p:childTnLst>
-            <p:seq>
-              <p:cTn id="24" dur="indefinite" nodeType="mainSeq"/>
-              <p:prevCondLst>
-                <p:cond delay="0" evt="onPrev">
-                  <p:tgtEl>
-                    <p:sldTgt/>
-                  </p:tgtEl>
-                </p:cond>
-              </p:prevCondLst>
-              <p:nextCondLst>
-                <p:cond delay="0" evt="onNext">
-                  <p:tgtEl>
-                    <p:sldTgt/>
-                  </p:tgtEl>
-                </p:cond>
-              </p:nextCondLst>
-            </p:seq>
-          </p:childTnLst>
-        </p:cTn>
-      </p:par>
-    </p:tnLst>
-  </p:timing>
-</p:sld>
-</file>
-
-<file path=ppt/slides/slide13.xml><?xml version="1.0" encoding="utf-8"?>
-<p:sld xmlns:a="http://schemas.openxmlformats.org/drawingml/2006/main" xmlns:p="http://schemas.openxmlformats.org/presentationml/2006/main" xmlns:r="http://schemas.openxmlformats.org/officeDocument/2006/relationships" xmlns:p14="http://schemas.microsoft.com/office/powerpoint/2010/main" xmlns:p15="http://schemas.microsoft.com/office/powerpoint/2012/main" xmlns:mc="http://schemas.openxmlformats.org/markup-compatibility/2006">
-  <p:cSld>
-    <p:spTree>
-      <p:nvGrpSpPr>
-        <p:cNvPr id="1" name=""/>
-        <p:cNvGrpSpPr/>
-        <p:nvPr/>
-      </p:nvGrpSpPr>
-      <p:grpSpPr>
-        <a:xfrm>
-          <a:off x="0" y="0"/>
-          <a:ext cx="0" cy="0"/>
-          <a:chOff x="0" y="0"/>
-          <a:chExt cx="0" cy="0"/>
-        </a:xfrm>
-      </p:grpSpPr>
-      <p:sp>
-        <p:nvSpPr>
-          <p:cNvPr id="165" name="CustomShape 1"/>
-          <p:cNvSpPr/>
-          <p:nvPr/>
-        </p:nvSpPr>
-        <p:spPr>
-          <a:xfrm>
-            <a:off x="838080" y="365040"/>
-            <a:ext cx="10514520" cy="1324440"/>
-          </a:xfrm>
-          <a:prstGeom prst="rect">
-            <a:avLst/>
-          </a:prstGeom>
-          <a:noFill/>
-          <a:ln>
-            <a:noFill/>
-          </a:ln>
-        </p:spPr>
-        <p:style>
-          <a:lnRef idx="0"/>
-          <a:fillRef idx="0"/>
-          <a:effectRef idx="0"/>
-          <a:fontRef idx="minor"/>
-        </p:style>
-        <p:txBody>
-          <a:bodyPr lIns="90000" rIns="90000" tIns="45000" bIns="45000" anchor="ctr"/>
-          <a:p>
-            <a:pPr>
-              <a:lnSpc>
-                <a:spcPct val="90000"/>
-              </a:lnSpc>
-            </a:pPr>
-            <a:r>
-              <a:rPr b="0" lang="en-IN" sz="4400" spc="-1" strike="noStrike">
-                <a:solidFill>
-                  <a:srgbClr val="000000"/>
-                </a:solidFill>
-                <a:latin typeface="Calibri Light"/>
-                <a:ea typeface="DejaVu Sans"/>
-              </a:rPr>
               <a:t>Machine Learning approach for text classification</a:t>
             </a:r>
             <a:endParaRPr b="0" lang="en-IN" sz="4400" spc="-1" strike="noStrike">
@@ -3975,28 +3461,28 @@
       </p:sp>
       <p:grpSp>
         <p:nvGrpSpPr>
-          <p:cNvPr id="166" name="Group 2"/>
+          <p:cNvPr id="151" name="Group 2"/>
           <p:cNvGrpSpPr/>
           <p:nvPr/>
         </p:nvGrpSpPr>
         <p:grpSpPr>
           <a:xfrm>
             <a:off x="297360" y="3457440"/>
-            <a:ext cx="11675880" cy="1060560"/>
+            <a:ext cx="11675160" cy="1059840"/>
             <a:chOff x="297360" y="3457440"/>
-            <a:chExt cx="11675880" cy="1060560"/>
+            <a:chExt cx="11675160" cy="1059840"/>
           </a:xfrm>
         </p:grpSpPr>
         <p:sp>
           <p:nvSpPr>
-            <p:cNvPr id="167" name="CustomShape 3"/>
+            <p:cNvPr id="152" name="CustomShape 3"/>
             <p:cNvSpPr/>
             <p:nvPr/>
           </p:nvSpPr>
           <p:spPr>
             <a:xfrm>
               <a:off x="297360" y="3457440"/>
-              <a:ext cx="1768320" cy="1060560"/>
+              <a:ext cx="1767600" cy="1059840"/>
             </a:xfrm>
             <a:prstGeom prst="roundRect">
               <a:avLst>
@@ -4058,14 +3544,14 @@
         </p:sp>
         <p:sp>
           <p:nvSpPr>
-            <p:cNvPr id="168" name="CustomShape 4"/>
+            <p:cNvPr id="153" name="CustomShape 4"/>
             <p:cNvSpPr/>
             <p:nvPr/>
           </p:nvSpPr>
           <p:spPr>
             <a:xfrm>
               <a:off x="2243520" y="3768480"/>
-              <a:ext cx="374040" cy="437760"/>
+              <a:ext cx="373320" cy="437040"/>
             </a:xfrm>
             <a:prstGeom prst="rightArrow">
               <a:avLst>
@@ -4094,14 +3580,14 @@
         </p:sp>
         <p:sp>
           <p:nvSpPr>
-            <p:cNvPr id="169" name="CustomShape 5"/>
+            <p:cNvPr id="154" name="CustomShape 5"/>
             <p:cNvSpPr/>
             <p:nvPr/>
           </p:nvSpPr>
           <p:spPr>
             <a:xfrm>
               <a:off x="2774160" y="3457440"/>
-              <a:ext cx="1768320" cy="1060560"/>
+              <a:ext cx="1767600" cy="1059840"/>
             </a:xfrm>
             <a:prstGeom prst="roundRect">
               <a:avLst>
@@ -4163,14 +3649,14 @@
         </p:sp>
         <p:sp>
           <p:nvSpPr>
-            <p:cNvPr id="170" name="CustomShape 6"/>
+            <p:cNvPr id="155" name="CustomShape 6"/>
             <p:cNvSpPr/>
             <p:nvPr/>
           </p:nvSpPr>
           <p:spPr>
             <a:xfrm>
               <a:off x="4720320" y="3768480"/>
-              <a:ext cx="374040" cy="437760"/>
+              <a:ext cx="373320" cy="437040"/>
             </a:xfrm>
             <a:prstGeom prst="rightArrow">
               <a:avLst>
@@ -4199,14 +3685,14 @@
         </p:sp>
         <p:sp>
           <p:nvSpPr>
-            <p:cNvPr id="171" name="CustomShape 7"/>
+            <p:cNvPr id="156" name="CustomShape 7"/>
             <p:cNvSpPr/>
             <p:nvPr/>
           </p:nvSpPr>
           <p:spPr>
             <a:xfrm>
               <a:off x="5250960" y="3457440"/>
-              <a:ext cx="1768320" cy="1060560"/>
+              <a:ext cx="1767600" cy="1059840"/>
             </a:xfrm>
             <a:prstGeom prst="roundRect">
               <a:avLst>
@@ -4268,14 +3754,14 @@
         </p:sp>
         <p:sp>
           <p:nvSpPr>
-            <p:cNvPr id="172" name="CustomShape 8"/>
+            <p:cNvPr id="157" name="CustomShape 8"/>
             <p:cNvSpPr/>
             <p:nvPr/>
           </p:nvSpPr>
           <p:spPr>
             <a:xfrm>
               <a:off x="7197480" y="3768480"/>
-              <a:ext cx="374040" cy="437760"/>
+              <a:ext cx="373320" cy="437040"/>
             </a:xfrm>
             <a:prstGeom prst="rightArrow">
               <a:avLst>
@@ -4304,14 +3790,14 @@
         </p:sp>
         <p:sp>
           <p:nvSpPr>
-            <p:cNvPr id="173" name="CustomShape 9"/>
+            <p:cNvPr id="158" name="CustomShape 9"/>
             <p:cNvSpPr/>
             <p:nvPr/>
           </p:nvSpPr>
           <p:spPr>
             <a:xfrm>
               <a:off x="7728120" y="3457440"/>
-              <a:ext cx="1768320" cy="1060560"/>
+              <a:ext cx="1767600" cy="1059840"/>
             </a:xfrm>
             <a:prstGeom prst="roundRect">
               <a:avLst>
@@ -4373,14 +3859,14 @@
         </p:sp>
         <p:sp>
           <p:nvSpPr>
-            <p:cNvPr id="174" name="CustomShape 10"/>
+            <p:cNvPr id="159" name="CustomShape 10"/>
             <p:cNvSpPr/>
             <p:nvPr/>
           </p:nvSpPr>
           <p:spPr>
             <a:xfrm>
               <a:off x="9674280" y="3768480"/>
-              <a:ext cx="374040" cy="437760"/>
+              <a:ext cx="373320" cy="437040"/>
             </a:xfrm>
             <a:prstGeom prst="rightArrow">
               <a:avLst>
@@ -4409,14 +3895,14 @@
         </p:sp>
         <p:sp>
           <p:nvSpPr>
-            <p:cNvPr id="175" name="CustomShape 11"/>
+            <p:cNvPr id="160" name="CustomShape 11"/>
             <p:cNvSpPr/>
             <p:nvPr/>
           </p:nvSpPr>
           <p:spPr>
             <a:xfrm>
               <a:off x="10204920" y="3457440"/>
-              <a:ext cx="1768320" cy="1060560"/>
+              <a:ext cx="1767600" cy="1059840"/>
             </a:xfrm>
             <a:prstGeom prst="roundRect">
               <a:avLst>
@@ -4479,7 +3965,7 @@
       </p:grpSp>
       <p:grpSp>
         <p:nvGrpSpPr>
-          <p:cNvPr id="176" name="Group 12"/>
+          <p:cNvPr id="161" name="Group 12"/>
           <p:cNvGrpSpPr/>
           <p:nvPr/>
         </p:nvGrpSpPr>
@@ -4494,14 +3980,14 @@
       </p:grpSp>
       <p:sp>
         <p:nvSpPr>
-          <p:cNvPr id="177" name="CustomShape 13"/>
+          <p:cNvPr id="162" name="CustomShape 13"/>
           <p:cNvSpPr/>
           <p:nvPr/>
         </p:nvSpPr>
         <p:spPr>
           <a:xfrm>
-            <a:off x="7646400" y="3332160"/>
-            <a:ext cx="1960200" cy="1310760"/>
+            <a:off x="5155200" y="3332160"/>
+            <a:ext cx="1959480" cy="1310040"/>
           </a:xfrm>
           <a:prstGeom prst="rect">
             <a:avLst/>
@@ -4529,6 +4015,668 @@
           <a:fontRef idx="minor"/>
         </p:style>
       </p:sp>
+    </p:spTree>
+  </p:cSld>
+  <p:timing>
+    <p:tnLst>
+      <p:par>
+        <p:cTn id="19" dur="indefinite" restart="never" nodeType="tmRoot">
+          <p:childTnLst>
+            <p:seq>
+              <p:cTn id="20" dur="indefinite" nodeType="mainSeq"/>
+              <p:prevCondLst>
+                <p:cond delay="0" evt="onPrev">
+                  <p:tgtEl>
+                    <p:sldTgt/>
+                  </p:tgtEl>
+                </p:cond>
+              </p:prevCondLst>
+              <p:nextCondLst>
+                <p:cond delay="0" evt="onNext">
+                  <p:tgtEl>
+                    <p:sldTgt/>
+                  </p:tgtEl>
+                </p:cond>
+              </p:nextCondLst>
+            </p:seq>
+          </p:childTnLst>
+        </p:cTn>
+      </p:par>
+    </p:tnLst>
+  </p:timing>
+</p:sld>
+</file>
+
+<file path=ppt/slides/slide11.xml><?xml version="1.0" encoding="utf-8"?>
+<p:sld xmlns:a="http://schemas.openxmlformats.org/drawingml/2006/main" xmlns:p="http://schemas.openxmlformats.org/presentationml/2006/main" xmlns:r="http://schemas.openxmlformats.org/officeDocument/2006/relationships" xmlns:p14="http://schemas.microsoft.com/office/powerpoint/2010/main" xmlns:p15="http://schemas.microsoft.com/office/powerpoint/2012/main" xmlns:mc="http://schemas.openxmlformats.org/markup-compatibility/2006">
+  <p:cSld>
+    <p:spTree>
+      <p:nvGrpSpPr>
+        <p:cNvPr id="1" name=""/>
+        <p:cNvGrpSpPr/>
+        <p:nvPr/>
+      </p:nvGrpSpPr>
+      <p:grpSpPr>
+        <a:xfrm>
+          <a:off x="0" y="0"/>
+          <a:ext cx="0" cy="0"/>
+          <a:chOff x="0" y="0"/>
+          <a:chExt cx="0" cy="0"/>
+        </a:xfrm>
+      </p:grpSpPr>
+      <p:sp>
+        <p:nvSpPr>
+          <p:cNvPr id="163" name="CustomShape 1"/>
+          <p:cNvSpPr/>
+          <p:nvPr/>
+        </p:nvSpPr>
+        <p:spPr>
+          <a:xfrm>
+            <a:off x="838080" y="365040"/>
+            <a:ext cx="10513800" cy="1323720"/>
+          </a:xfrm>
+          <a:prstGeom prst="rect">
+            <a:avLst/>
+          </a:prstGeom>
+          <a:noFill/>
+          <a:ln>
+            <a:noFill/>
+          </a:ln>
+        </p:spPr>
+        <p:style>
+          <a:lnRef idx="0"/>
+          <a:fillRef idx="0"/>
+          <a:effectRef idx="0"/>
+          <a:fontRef idx="minor"/>
+        </p:style>
+        <p:txBody>
+          <a:bodyPr lIns="90000" rIns="90000" tIns="45000" bIns="45000" anchor="ctr"/>
+          <a:p>
+            <a:pPr>
+              <a:lnSpc>
+                <a:spcPct val="90000"/>
+              </a:lnSpc>
+            </a:pPr>
+            <a:r>
+              <a:rPr b="0" lang="en-IN" sz="4400" spc="-1" strike="noStrike">
+                <a:solidFill>
+                  <a:srgbClr val="000000"/>
+                </a:solidFill>
+                <a:latin typeface="Calibri Light"/>
+                <a:ea typeface="DejaVu Sans"/>
+              </a:rPr>
+              <a:t>Word Embedding</a:t>
+            </a:r>
+            <a:endParaRPr b="0" lang="en-IN" sz="4400" spc="-1" strike="noStrike">
+              <a:latin typeface="Arial"/>
+            </a:endParaRPr>
+          </a:p>
+        </p:txBody>
+      </p:sp>
+      <p:sp>
+        <p:nvSpPr>
+          <p:cNvPr id="164" name="CustomShape 2"/>
+          <p:cNvSpPr/>
+          <p:nvPr/>
+        </p:nvSpPr>
+        <p:spPr>
+          <a:xfrm>
+            <a:off x="838080" y="1825560"/>
+            <a:ext cx="10513800" cy="4349520"/>
+          </a:xfrm>
+          <a:prstGeom prst="rect">
+            <a:avLst/>
+          </a:prstGeom>
+          <a:noFill/>
+          <a:ln>
+            <a:noFill/>
+          </a:ln>
+        </p:spPr>
+        <p:style>
+          <a:lnRef idx="0"/>
+          <a:fillRef idx="0"/>
+          <a:effectRef idx="0"/>
+          <a:fontRef idx="minor"/>
+        </p:style>
+        <p:txBody>
+          <a:bodyPr lIns="90000" rIns="90000" tIns="45000" bIns="45000"/>
+          <a:p>
+            <a:pPr marL="228600" indent="-226800">
+              <a:lnSpc>
+                <a:spcPct val="90000"/>
+              </a:lnSpc>
+              <a:spcBef>
+                <a:spcPts val="1001"/>
+              </a:spcBef>
+              <a:buClr>
+                <a:srgbClr val="000000"/>
+              </a:buClr>
+              <a:buFont typeface="Arial"/>
+              <a:buChar char="•"/>
+            </a:pPr>
+            <a:r>
+              <a:rPr b="0" lang="en-IN" sz="2800" spc="-1" strike="noStrike">
+                <a:solidFill>
+                  <a:srgbClr val="000000"/>
+                </a:solidFill>
+                <a:latin typeface="Calibri"/>
+                <a:ea typeface="DejaVu Sans"/>
+              </a:rPr>
+              <a:t>Word Representation</a:t>
+            </a:r>
+            <a:endParaRPr b="0" lang="en-IN" sz="2800" spc="-1" strike="noStrike">
+              <a:latin typeface="Arial"/>
+            </a:endParaRPr>
+          </a:p>
+          <a:p>
+            <a:pPr marL="228600" indent="-226800">
+              <a:lnSpc>
+                <a:spcPct val="90000"/>
+              </a:lnSpc>
+              <a:spcBef>
+                <a:spcPts val="1001"/>
+              </a:spcBef>
+              <a:buClr>
+                <a:srgbClr val="000000"/>
+              </a:buClr>
+              <a:buFont typeface="Arial"/>
+              <a:buChar char="•"/>
+            </a:pPr>
+            <a:r>
+              <a:rPr b="0" lang="en-IN" sz="2800" spc="-1" strike="noStrike">
+                <a:solidFill>
+                  <a:srgbClr val="000000"/>
+                </a:solidFill>
+                <a:latin typeface="Calibri"/>
+                <a:ea typeface="DejaVu Sans"/>
+              </a:rPr>
+              <a:t>Similar representation for similar words</a:t>
+            </a:r>
+            <a:endParaRPr b="0" lang="en-IN" sz="2800" spc="-1" strike="noStrike">
+              <a:latin typeface="Arial"/>
+            </a:endParaRPr>
+          </a:p>
+          <a:p>
+            <a:pPr marL="228600" indent="-226800">
+              <a:lnSpc>
+                <a:spcPct val="90000"/>
+              </a:lnSpc>
+              <a:spcBef>
+                <a:spcPts val="1001"/>
+              </a:spcBef>
+              <a:buClr>
+                <a:srgbClr val="000000"/>
+              </a:buClr>
+              <a:buFont typeface="Arial"/>
+              <a:buChar char="•"/>
+            </a:pPr>
+            <a:r>
+              <a:rPr b="0" lang="en-IN" sz="2800" spc="-1" strike="noStrike">
+                <a:solidFill>
+                  <a:srgbClr val="000000"/>
+                </a:solidFill>
+                <a:latin typeface="Calibri"/>
+                <a:ea typeface="DejaVu Sans"/>
+              </a:rPr>
+              <a:t>Words represented as a vector in predefined vector space</a:t>
+            </a:r>
+            <a:endParaRPr b="0" lang="en-IN" sz="2800" spc="-1" strike="noStrike">
+              <a:latin typeface="Arial"/>
+            </a:endParaRPr>
+          </a:p>
+          <a:p>
+            <a:pPr marL="228600" indent="-226800">
+              <a:lnSpc>
+                <a:spcPct val="90000"/>
+              </a:lnSpc>
+              <a:spcBef>
+                <a:spcPts val="1001"/>
+              </a:spcBef>
+              <a:buClr>
+                <a:srgbClr val="000000"/>
+              </a:buClr>
+              <a:buFont typeface="Arial"/>
+              <a:buChar char="•"/>
+            </a:pPr>
+            <a:r>
+              <a:rPr b="0" lang="en-IN" sz="2800" spc="-1" strike="noStrike">
+                <a:solidFill>
+                  <a:srgbClr val="000000"/>
+                </a:solidFill>
+                <a:latin typeface="Calibri"/>
+                <a:ea typeface="DejaVu Sans"/>
+              </a:rPr>
+              <a:t>Types of word embedding</a:t>
+            </a:r>
+            <a:endParaRPr b="0" lang="en-IN" sz="2800" spc="-1" strike="noStrike">
+              <a:latin typeface="Arial"/>
+            </a:endParaRPr>
+          </a:p>
+          <a:p>
+            <a:pPr lvl="1" marL="685800" indent="-226800">
+              <a:lnSpc>
+                <a:spcPct val="90000"/>
+              </a:lnSpc>
+              <a:spcBef>
+                <a:spcPts val="499"/>
+              </a:spcBef>
+              <a:buClr>
+                <a:srgbClr val="000000"/>
+              </a:buClr>
+              <a:buFont typeface="Arial"/>
+              <a:buChar char="•"/>
+            </a:pPr>
+            <a:r>
+              <a:rPr b="0" lang="en-IN" sz="2400" spc="-1" strike="noStrike">
+                <a:solidFill>
+                  <a:srgbClr val="000000"/>
+                </a:solidFill>
+                <a:latin typeface="Calibri"/>
+                <a:ea typeface="DejaVu Sans"/>
+              </a:rPr>
+              <a:t>Sparse: </a:t>
+            </a:r>
+            <a:endParaRPr b="0" lang="en-IN" sz="2400" spc="-1" strike="noStrike">
+              <a:latin typeface="Arial"/>
+            </a:endParaRPr>
+          </a:p>
+          <a:p>
+            <a:pPr lvl="2" marL="1143000" indent="-226800">
+              <a:lnSpc>
+                <a:spcPct val="90000"/>
+              </a:lnSpc>
+              <a:spcBef>
+                <a:spcPts val="499"/>
+              </a:spcBef>
+              <a:buClr>
+                <a:srgbClr val="000000"/>
+              </a:buClr>
+              <a:buFont typeface="Arial"/>
+              <a:buChar char="•"/>
+            </a:pPr>
+            <a:r>
+              <a:rPr b="0" lang="en-IN" sz="2000" spc="-1" strike="noStrike">
+                <a:solidFill>
+                  <a:srgbClr val="000000"/>
+                </a:solidFill>
+                <a:latin typeface="Calibri"/>
+                <a:ea typeface="DejaVu Sans"/>
+              </a:rPr>
+              <a:t>Bag of words(TF-IDF)</a:t>
+            </a:r>
+            <a:endParaRPr b="0" lang="en-IN" sz="2000" spc="-1" strike="noStrike">
+              <a:latin typeface="Arial"/>
+            </a:endParaRPr>
+          </a:p>
+          <a:p>
+            <a:pPr lvl="1" marL="685800" indent="-226800">
+              <a:lnSpc>
+                <a:spcPct val="90000"/>
+              </a:lnSpc>
+              <a:spcBef>
+                <a:spcPts val="499"/>
+              </a:spcBef>
+              <a:buClr>
+                <a:srgbClr val="000000"/>
+              </a:buClr>
+              <a:buFont typeface="Arial"/>
+              <a:buChar char="•"/>
+            </a:pPr>
+            <a:r>
+              <a:rPr b="0" lang="en-IN" sz="2400" spc="-1" strike="noStrike">
+                <a:solidFill>
+                  <a:srgbClr val="000000"/>
+                </a:solidFill>
+                <a:latin typeface="Calibri"/>
+                <a:ea typeface="DejaVu Sans"/>
+              </a:rPr>
+              <a:t>Dense: </a:t>
+            </a:r>
+            <a:endParaRPr b="0" lang="en-IN" sz="2400" spc="-1" strike="noStrike">
+              <a:latin typeface="Arial"/>
+            </a:endParaRPr>
+          </a:p>
+          <a:p>
+            <a:pPr lvl="2" marL="1143000" indent="-226800">
+              <a:lnSpc>
+                <a:spcPct val="90000"/>
+              </a:lnSpc>
+              <a:spcBef>
+                <a:spcPts val="499"/>
+              </a:spcBef>
+              <a:buClr>
+                <a:srgbClr val="000000"/>
+              </a:buClr>
+              <a:buFont typeface="Arial"/>
+              <a:buChar char="•"/>
+            </a:pPr>
+            <a:r>
+              <a:rPr b="0" lang="en-IN" sz="2000" spc="-1" strike="noStrike">
+                <a:solidFill>
+                  <a:srgbClr val="000000"/>
+                </a:solidFill>
+                <a:latin typeface="Calibri"/>
+                <a:ea typeface="DejaVu Sans"/>
+              </a:rPr>
+              <a:t>Tokenizer API by Keras</a:t>
+            </a:r>
+            <a:endParaRPr b="0" lang="en-IN" sz="2000" spc="-1" strike="noStrike">
+              <a:latin typeface="Arial"/>
+            </a:endParaRPr>
+          </a:p>
+          <a:p>
+            <a:pPr lvl="2" marL="1143000" indent="-226800">
+              <a:lnSpc>
+                <a:spcPct val="90000"/>
+              </a:lnSpc>
+              <a:spcBef>
+                <a:spcPts val="499"/>
+              </a:spcBef>
+              <a:buClr>
+                <a:srgbClr val="000000"/>
+              </a:buClr>
+              <a:buFont typeface="Arial"/>
+              <a:buChar char="•"/>
+            </a:pPr>
+            <a:r>
+              <a:rPr b="0" lang="en-IN" sz="2000" spc="-1" strike="noStrike">
+                <a:solidFill>
+                  <a:srgbClr val="000000"/>
+                </a:solidFill>
+                <a:latin typeface="Calibri"/>
+                <a:ea typeface="DejaVu Sans"/>
+              </a:rPr>
+              <a:t>GloVe(Global Vectors for Word Representation)</a:t>
+            </a:r>
+            <a:endParaRPr b="0" lang="en-IN" sz="2000" spc="-1" strike="noStrike">
+              <a:latin typeface="Arial"/>
+            </a:endParaRPr>
+          </a:p>
+          <a:p>
+            <a:pPr lvl="2" marL="1143000" indent="-226800">
+              <a:lnSpc>
+                <a:spcPct val="90000"/>
+              </a:lnSpc>
+              <a:spcBef>
+                <a:spcPts val="499"/>
+              </a:spcBef>
+              <a:buClr>
+                <a:srgbClr val="000000"/>
+              </a:buClr>
+              <a:buFont typeface="Arial"/>
+              <a:buChar char="•"/>
+            </a:pPr>
+            <a:r>
+              <a:rPr b="0" lang="en-IN" sz="2000" spc="-1" strike="noStrike">
+                <a:solidFill>
+                  <a:srgbClr val="000000"/>
+                </a:solidFill>
+                <a:latin typeface="Calibri"/>
+                <a:ea typeface="DejaVu Sans"/>
+              </a:rPr>
+              <a:t>etc </a:t>
+            </a:r>
+            <a:endParaRPr b="0" lang="en-IN" sz="2000" spc="-1" strike="noStrike">
+              <a:latin typeface="Arial"/>
+            </a:endParaRPr>
+          </a:p>
+          <a:p>
+            <a:pPr marL="457200">
+              <a:lnSpc>
+                <a:spcPct val="90000"/>
+              </a:lnSpc>
+              <a:spcBef>
+                <a:spcPts val="499"/>
+              </a:spcBef>
+            </a:pPr>
+            <a:endParaRPr b="0" lang="en-IN" sz="2000" spc="-1" strike="noStrike">
+              <a:latin typeface="Arial"/>
+            </a:endParaRPr>
+          </a:p>
+        </p:txBody>
+      </p:sp>
+    </p:spTree>
+  </p:cSld>
+  <p:timing>
+    <p:tnLst>
+      <p:par>
+        <p:cTn id="21" dur="indefinite" restart="never" nodeType="tmRoot">
+          <p:childTnLst>
+            <p:seq>
+              <p:cTn id="22" dur="indefinite" nodeType="mainSeq"/>
+              <p:prevCondLst>
+                <p:cond delay="0" evt="onPrev">
+                  <p:tgtEl>
+                    <p:sldTgt/>
+                  </p:tgtEl>
+                </p:cond>
+              </p:prevCondLst>
+              <p:nextCondLst>
+                <p:cond delay="0" evt="onNext">
+                  <p:tgtEl>
+                    <p:sldTgt/>
+                  </p:tgtEl>
+                </p:cond>
+              </p:nextCondLst>
+            </p:seq>
+          </p:childTnLst>
+        </p:cTn>
+      </p:par>
+    </p:tnLst>
+  </p:timing>
+</p:sld>
+</file>
+
+<file path=ppt/slides/slide12.xml><?xml version="1.0" encoding="utf-8"?>
+<p:sld xmlns:a="http://schemas.openxmlformats.org/drawingml/2006/main" xmlns:p="http://schemas.openxmlformats.org/presentationml/2006/main" xmlns:r="http://schemas.openxmlformats.org/officeDocument/2006/relationships" xmlns:p14="http://schemas.microsoft.com/office/powerpoint/2010/main" xmlns:p15="http://schemas.microsoft.com/office/powerpoint/2012/main" xmlns:mc="http://schemas.openxmlformats.org/markup-compatibility/2006">
+  <p:cSld>
+    <p:spTree>
+      <p:nvGrpSpPr>
+        <p:cNvPr id="1" name=""/>
+        <p:cNvGrpSpPr/>
+        <p:nvPr/>
+      </p:nvGrpSpPr>
+      <p:grpSpPr>
+        <a:xfrm>
+          <a:off x="0" y="0"/>
+          <a:ext cx="0" cy="0"/>
+          <a:chOff x="0" y="0"/>
+          <a:chExt cx="0" cy="0"/>
+        </a:xfrm>
+      </p:grpSpPr>
+      <p:sp>
+        <p:nvSpPr>
+          <p:cNvPr id="165" name="CustomShape 1"/>
+          <p:cNvSpPr/>
+          <p:nvPr/>
+        </p:nvSpPr>
+        <p:spPr>
+          <a:xfrm>
+            <a:off x="838080" y="365040"/>
+            <a:ext cx="10513800" cy="1323720"/>
+          </a:xfrm>
+          <a:prstGeom prst="rect">
+            <a:avLst/>
+          </a:prstGeom>
+          <a:noFill/>
+          <a:ln>
+            <a:noFill/>
+          </a:ln>
+        </p:spPr>
+        <p:style>
+          <a:lnRef idx="0"/>
+          <a:fillRef idx="0"/>
+          <a:effectRef idx="0"/>
+          <a:fontRef idx="minor"/>
+        </p:style>
+        <p:txBody>
+          <a:bodyPr lIns="90000" rIns="90000" tIns="45000" bIns="45000" anchor="ctr"/>
+          <a:p>
+            <a:pPr>
+              <a:lnSpc>
+                <a:spcPct val="90000"/>
+              </a:lnSpc>
+            </a:pPr>
+            <a:r>
+              <a:rPr b="0" lang="en-IN" sz="4400" spc="-1" strike="noStrike">
+                <a:solidFill>
+                  <a:srgbClr val="000000"/>
+                </a:solidFill>
+                <a:latin typeface="Calibri Light"/>
+                <a:ea typeface="DejaVu Sans"/>
+              </a:rPr>
+              <a:t>Bag of Words</a:t>
+            </a:r>
+            <a:endParaRPr b="0" lang="en-IN" sz="4400" spc="-1" strike="noStrike">
+              <a:latin typeface="Arial"/>
+            </a:endParaRPr>
+          </a:p>
+        </p:txBody>
+      </p:sp>
+      <p:pic>
+        <p:nvPicPr>
+          <p:cNvPr id="166" name="Content Placeholder 4" descr=""/>
+          <p:cNvPicPr/>
+          <p:nvPr/>
+        </p:nvPicPr>
+        <p:blipFill>
+          <a:blip r:embed="rId1"/>
+          <a:stretch/>
+        </p:blipFill>
+        <p:spPr>
+          <a:xfrm>
+            <a:off x="1311840" y="1770120"/>
+            <a:ext cx="9324000" cy="4310640"/>
+          </a:xfrm>
+          <a:prstGeom prst="rect">
+            <a:avLst/>
+          </a:prstGeom>
+          <a:ln>
+            <a:noFill/>
+          </a:ln>
+        </p:spPr>
+      </p:pic>
+    </p:spTree>
+  </p:cSld>
+  <p:timing>
+    <p:tnLst>
+      <p:par>
+        <p:cTn id="23" dur="indefinite" restart="never" nodeType="tmRoot">
+          <p:childTnLst>
+            <p:seq>
+              <p:cTn id="24" dur="indefinite" nodeType="mainSeq"/>
+              <p:prevCondLst>
+                <p:cond delay="0" evt="onPrev">
+                  <p:tgtEl>
+                    <p:sldTgt/>
+                  </p:tgtEl>
+                </p:cond>
+              </p:prevCondLst>
+              <p:nextCondLst>
+                <p:cond delay="0" evt="onNext">
+                  <p:tgtEl>
+                    <p:sldTgt/>
+                  </p:tgtEl>
+                </p:cond>
+              </p:nextCondLst>
+            </p:seq>
+          </p:childTnLst>
+        </p:cTn>
+      </p:par>
+    </p:tnLst>
+  </p:timing>
+</p:sld>
+</file>
+
+<file path=ppt/slides/slide13.xml><?xml version="1.0" encoding="utf-8"?>
+<p:sld xmlns:a="http://schemas.openxmlformats.org/drawingml/2006/main" xmlns:p="http://schemas.openxmlformats.org/presentationml/2006/main" xmlns:r="http://schemas.openxmlformats.org/officeDocument/2006/relationships" xmlns:p14="http://schemas.microsoft.com/office/powerpoint/2010/main" xmlns:p15="http://schemas.microsoft.com/office/powerpoint/2012/main" xmlns:mc="http://schemas.openxmlformats.org/markup-compatibility/2006">
+  <p:cSld>
+    <p:spTree>
+      <p:nvGrpSpPr>
+        <p:cNvPr id="1" name=""/>
+        <p:cNvGrpSpPr/>
+        <p:nvPr/>
+      </p:nvGrpSpPr>
+      <p:grpSpPr>
+        <a:xfrm>
+          <a:off x="0" y="0"/>
+          <a:ext cx="0" cy="0"/>
+          <a:chOff x="0" y="0"/>
+          <a:chExt cx="0" cy="0"/>
+        </a:xfrm>
+      </p:grpSpPr>
+      <p:sp>
+        <p:nvSpPr>
+          <p:cNvPr id="167" name="CustomShape 1"/>
+          <p:cNvSpPr/>
+          <p:nvPr/>
+        </p:nvSpPr>
+        <p:spPr>
+          <a:xfrm>
+            <a:off x="838080" y="365040"/>
+            <a:ext cx="10513800" cy="1323720"/>
+          </a:xfrm>
+          <a:prstGeom prst="rect">
+            <a:avLst/>
+          </a:prstGeom>
+          <a:noFill/>
+          <a:ln>
+            <a:noFill/>
+          </a:ln>
+        </p:spPr>
+        <p:style>
+          <a:lnRef idx="0"/>
+          <a:fillRef idx="0"/>
+          <a:effectRef idx="0"/>
+          <a:fontRef idx="minor"/>
+        </p:style>
+        <p:txBody>
+          <a:bodyPr lIns="90000" rIns="90000" tIns="45000" bIns="45000" anchor="ctr"/>
+          <a:p>
+            <a:pPr>
+              <a:lnSpc>
+                <a:spcPct val="90000"/>
+              </a:lnSpc>
+            </a:pPr>
+            <a:r>
+              <a:rPr b="0" lang="en-IN" sz="4400" spc="-1" strike="noStrike">
+                <a:solidFill>
+                  <a:srgbClr val="000000"/>
+                </a:solidFill>
+                <a:latin typeface="Calibri Light"/>
+                <a:ea typeface="DejaVu Sans"/>
+              </a:rPr>
+              <a:t>Tokenizer API by Keras</a:t>
+            </a:r>
+            <a:endParaRPr b="0" lang="en-IN" sz="4400" spc="-1" strike="noStrike">
+              <a:latin typeface="Arial"/>
+            </a:endParaRPr>
+          </a:p>
+        </p:txBody>
+      </p:sp>
+      <p:pic>
+        <p:nvPicPr>
+          <p:cNvPr id="168" name="Content Placeholder 4" descr=""/>
+          <p:cNvPicPr/>
+          <p:nvPr/>
+        </p:nvPicPr>
+        <p:blipFill>
+          <a:blip r:embed="rId1"/>
+          <a:stretch/>
+        </p:blipFill>
+        <p:spPr>
+          <a:xfrm>
+            <a:off x="1272240" y="1690560"/>
+            <a:ext cx="8360280" cy="4800240"/>
+          </a:xfrm>
+          <a:prstGeom prst="rect">
+            <a:avLst/>
+          </a:prstGeom>
+          <a:ln>
+            <a:noFill/>
+          </a:ln>
+        </p:spPr>
+      </p:pic>
     </p:spTree>
   </p:cSld>
   <p:timing>
@@ -4580,14 +4728,14 @@
       </p:grpSpPr>
       <p:sp>
         <p:nvSpPr>
-          <p:cNvPr id="178" name="CustomShape 1"/>
+          <p:cNvPr id="169" name="CustomShape 1"/>
           <p:cNvSpPr/>
           <p:nvPr/>
         </p:nvSpPr>
         <p:spPr>
           <a:xfrm>
             <a:off x="838080" y="365040"/>
-            <a:ext cx="10514520" cy="1324440"/>
+            <a:ext cx="10513800" cy="1323720"/>
           </a:xfrm>
           <a:prstGeom prst="rect">
             <a:avLst/>
@@ -4619,6 +4767,781 @@
                 <a:latin typeface="Calibri Light"/>
                 <a:ea typeface="DejaVu Sans"/>
               </a:rPr>
+              <a:t>Vector Space for Words</a:t>
+            </a:r>
+            <a:endParaRPr b="0" lang="en-IN" sz="4400" spc="-1" strike="noStrike">
+              <a:latin typeface="Arial"/>
+            </a:endParaRPr>
+          </a:p>
+        </p:txBody>
+      </p:sp>
+      <p:pic>
+        <p:nvPicPr>
+          <p:cNvPr id="170" name="Content Placeholder 4" descr=""/>
+          <p:cNvPicPr/>
+          <p:nvPr/>
+        </p:nvPicPr>
+        <p:blipFill>
+          <a:blip r:embed="rId1"/>
+          <a:stretch/>
+        </p:blipFill>
+        <p:spPr>
+          <a:xfrm>
+            <a:off x="1285560" y="1783080"/>
+            <a:ext cx="8114760" cy="3980160"/>
+          </a:xfrm>
+          <a:prstGeom prst="rect">
+            <a:avLst/>
+          </a:prstGeom>
+          <a:ln>
+            <a:noFill/>
+          </a:ln>
+        </p:spPr>
+      </p:pic>
+    </p:spTree>
+  </p:cSld>
+  <p:timing>
+    <p:tnLst>
+      <p:par>
+        <p:cTn id="27" dur="indefinite" restart="never" nodeType="tmRoot">
+          <p:childTnLst>
+            <p:seq>
+              <p:cTn id="28" dur="indefinite" nodeType="mainSeq"/>
+              <p:prevCondLst>
+                <p:cond delay="0" evt="onPrev">
+                  <p:tgtEl>
+                    <p:sldTgt/>
+                  </p:tgtEl>
+                </p:cond>
+              </p:prevCondLst>
+              <p:nextCondLst>
+                <p:cond delay="0" evt="onNext">
+                  <p:tgtEl>
+                    <p:sldTgt/>
+                  </p:tgtEl>
+                </p:cond>
+              </p:nextCondLst>
+            </p:seq>
+          </p:childTnLst>
+        </p:cTn>
+      </p:par>
+    </p:tnLst>
+  </p:timing>
+</p:sld>
+</file>
+
+<file path=ppt/slides/slide15.xml><?xml version="1.0" encoding="utf-8"?>
+<p:sld xmlns:a="http://schemas.openxmlformats.org/drawingml/2006/main" xmlns:p="http://schemas.openxmlformats.org/presentationml/2006/main" xmlns:r="http://schemas.openxmlformats.org/officeDocument/2006/relationships" xmlns:p14="http://schemas.microsoft.com/office/powerpoint/2010/main" xmlns:p15="http://schemas.microsoft.com/office/powerpoint/2012/main" xmlns:mc="http://schemas.openxmlformats.org/markup-compatibility/2006">
+  <p:cSld>
+    <p:spTree>
+      <p:nvGrpSpPr>
+        <p:cNvPr id="1" name=""/>
+        <p:cNvGrpSpPr/>
+        <p:nvPr/>
+      </p:nvGrpSpPr>
+      <p:grpSpPr>
+        <a:xfrm>
+          <a:off x="0" y="0"/>
+          <a:ext cx="0" cy="0"/>
+          <a:chOff x="0" y="0"/>
+          <a:chExt cx="0" cy="0"/>
+        </a:xfrm>
+      </p:grpSpPr>
+      <p:sp>
+        <p:nvSpPr>
+          <p:cNvPr id="171" name="CustomShape 1"/>
+          <p:cNvSpPr/>
+          <p:nvPr/>
+        </p:nvSpPr>
+        <p:spPr>
+          <a:xfrm>
+            <a:off x="838080" y="365040"/>
+            <a:ext cx="10513800" cy="1323720"/>
+          </a:xfrm>
+          <a:prstGeom prst="rect">
+            <a:avLst/>
+          </a:prstGeom>
+          <a:noFill/>
+          <a:ln>
+            <a:noFill/>
+          </a:ln>
+        </p:spPr>
+        <p:style>
+          <a:lnRef idx="0"/>
+          <a:fillRef idx="0"/>
+          <a:effectRef idx="0"/>
+          <a:fontRef idx="minor"/>
+        </p:style>
+        <p:txBody>
+          <a:bodyPr lIns="90000" rIns="90000" tIns="45000" bIns="45000" anchor="ctr"/>
+          <a:p>
+            <a:pPr>
+              <a:lnSpc>
+                <a:spcPct val="90000"/>
+              </a:lnSpc>
+            </a:pPr>
+            <a:r>
+              <a:rPr b="0" lang="en-IN" sz="4400" spc="-1" strike="noStrike">
+                <a:solidFill>
+                  <a:srgbClr val="000000"/>
+                </a:solidFill>
+                <a:latin typeface="Calibri Light"/>
+                <a:ea typeface="DejaVu Sans"/>
+              </a:rPr>
+              <a:t>Machine Learning approach for text classification</a:t>
+            </a:r>
+            <a:endParaRPr b="0" lang="en-IN" sz="4400" spc="-1" strike="noStrike">
+              <a:latin typeface="Arial"/>
+            </a:endParaRPr>
+          </a:p>
+        </p:txBody>
+      </p:sp>
+      <p:grpSp>
+        <p:nvGrpSpPr>
+          <p:cNvPr id="172" name="Group 2"/>
+          <p:cNvGrpSpPr/>
+          <p:nvPr/>
+        </p:nvGrpSpPr>
+        <p:grpSpPr>
+          <a:xfrm>
+            <a:off x="297360" y="3457440"/>
+            <a:ext cx="11675160" cy="1059840"/>
+            <a:chOff x="297360" y="3457440"/>
+            <a:chExt cx="11675160" cy="1059840"/>
+          </a:xfrm>
+        </p:grpSpPr>
+        <p:sp>
+          <p:nvSpPr>
+            <p:cNvPr id="173" name="CustomShape 3"/>
+            <p:cNvSpPr/>
+            <p:nvPr/>
+          </p:nvSpPr>
+          <p:spPr>
+            <a:xfrm>
+              <a:off x="297360" y="3457440"/>
+              <a:ext cx="1767600" cy="1059840"/>
+            </a:xfrm>
+            <a:prstGeom prst="roundRect">
+              <a:avLst>
+                <a:gd name="adj" fmla="val 10000"/>
+              </a:avLst>
+            </a:prstGeom>
+            <a:solidFill>
+              <a:schemeClr val="accent2">
+                <a:hueOff val="0"/>
+                <a:satOff val="0"/>
+                <a:lumOff val="0"/>
+                <a:alphaOff val="0"/>
+              </a:schemeClr>
+            </a:solidFill>
+            <a:ln>
+              <a:solidFill>
+                <a:schemeClr val="lt1">
+                  <a:hueOff val="0"/>
+                  <a:satOff val="0"/>
+                  <a:lumOff val="0"/>
+                  <a:alphaOff val="0"/>
+                </a:schemeClr>
+              </a:solidFill>
+              <a:round/>
+            </a:ln>
+          </p:spPr>
+          <p:style>
+            <a:lnRef idx="2"/>
+            <a:fillRef idx="0"/>
+            <a:effectRef idx="0"/>
+            <a:fontRef idx="minor"/>
+          </p:style>
+          <p:txBody>
+            <a:bodyPr lIns="107280" rIns="76320" tIns="107280" bIns="107640" anchor="ctr"/>
+            <a:p>
+              <a:pPr algn="ctr">
+                <a:lnSpc>
+                  <a:spcPct val="90000"/>
+                </a:lnSpc>
+                <a:spcAft>
+                  <a:spcPts val="700"/>
+                </a:spcAft>
+              </a:pPr>
+              <a:r>
+                <a:rPr b="0" lang="en-IN" sz="2000" spc="-1" strike="noStrike">
+                  <a:solidFill>
+                    <a:srgbClr val="ffffff"/>
+                  </a:solidFill>
+                  <a:latin typeface="Calibri"/>
+                  <a:ea typeface="DejaVu Sans"/>
+                </a:rPr>
+                <a:t>Input Text</a:t>
+              </a:r>
+              <a:endParaRPr b="0" lang="en-IN" sz="2000" spc="-1" strike="noStrike">
+                <a:latin typeface="Arial"/>
+              </a:endParaRPr>
+            </a:p>
+          </p:txBody>
+        </p:sp>
+        <p:sp>
+          <p:nvSpPr>
+            <p:cNvPr id="174" name="CustomShape 4"/>
+            <p:cNvSpPr/>
+            <p:nvPr/>
+          </p:nvSpPr>
+          <p:spPr>
+            <a:xfrm>
+              <a:off x="2243520" y="3768480"/>
+              <a:ext cx="373320" cy="437040"/>
+            </a:xfrm>
+            <a:prstGeom prst="rightArrow">
+              <a:avLst>
+                <a:gd name="adj1" fmla="val 60000"/>
+                <a:gd name="adj2" fmla="val 50000"/>
+              </a:avLst>
+            </a:prstGeom>
+            <a:solidFill>
+              <a:schemeClr val="accent2">
+                <a:hueOff val="0"/>
+                <a:satOff val="0"/>
+                <a:lumOff val="0"/>
+                <a:alphaOff val="0"/>
+              </a:schemeClr>
+            </a:solidFill>
+            <a:ln>
+              <a:noFill/>
+            </a:ln>
+          </p:spPr>
+          <p:style>
+            <a:lnRef idx="0"/>
+            <a:fillRef idx="0"/>
+            <a:effectRef idx="0"/>
+            <a:fontRef idx="minor"/>
+          </p:style>
+        </p:sp>
+        <p:sp>
+          <p:nvSpPr>
+            <p:cNvPr id="175" name="CustomShape 5"/>
+            <p:cNvSpPr/>
+            <p:nvPr/>
+          </p:nvSpPr>
+          <p:spPr>
+            <a:xfrm>
+              <a:off x="2774160" y="3457440"/>
+              <a:ext cx="1767600" cy="1059840"/>
+            </a:xfrm>
+            <a:prstGeom prst="roundRect">
+              <a:avLst>
+                <a:gd name="adj" fmla="val 10000"/>
+              </a:avLst>
+            </a:prstGeom>
+            <a:solidFill>
+              <a:schemeClr val="accent3">
+                <a:hueOff val="0"/>
+                <a:satOff val="0"/>
+                <a:lumOff val="0"/>
+                <a:alphaOff val="0"/>
+              </a:schemeClr>
+            </a:solidFill>
+            <a:ln>
+              <a:solidFill>
+                <a:schemeClr val="lt1">
+                  <a:hueOff val="0"/>
+                  <a:satOff val="0"/>
+                  <a:lumOff val="0"/>
+                  <a:alphaOff val="0"/>
+                </a:schemeClr>
+              </a:solidFill>
+              <a:round/>
+            </a:ln>
+          </p:spPr>
+          <p:style>
+            <a:lnRef idx="2"/>
+            <a:fillRef idx="0"/>
+            <a:effectRef idx="0"/>
+            <a:fontRef idx="minor"/>
+          </p:style>
+          <p:txBody>
+            <a:bodyPr lIns="107280" rIns="76320" tIns="107280" bIns="107640" anchor="ctr"/>
+            <a:p>
+              <a:pPr algn="ctr">
+                <a:lnSpc>
+                  <a:spcPct val="90000"/>
+                </a:lnSpc>
+                <a:spcAft>
+                  <a:spcPts val="700"/>
+                </a:spcAft>
+              </a:pPr>
+              <a:r>
+                <a:rPr b="0" lang="en-IN" sz="2000" spc="-1" strike="noStrike">
+                  <a:solidFill>
+                    <a:srgbClr val="ffffff"/>
+                  </a:solidFill>
+                  <a:latin typeface="Calibri"/>
+                  <a:ea typeface="DejaVu Sans"/>
+                </a:rPr>
+                <a:t>Pre-processing</a:t>
+              </a:r>
+              <a:endParaRPr b="0" lang="en-IN" sz="2000" spc="-1" strike="noStrike">
+                <a:latin typeface="Arial"/>
+              </a:endParaRPr>
+            </a:p>
+          </p:txBody>
+        </p:sp>
+        <p:sp>
+          <p:nvSpPr>
+            <p:cNvPr id="176" name="CustomShape 6"/>
+            <p:cNvSpPr/>
+            <p:nvPr/>
+          </p:nvSpPr>
+          <p:spPr>
+            <a:xfrm>
+              <a:off x="4720320" y="3768480"/>
+              <a:ext cx="373320" cy="437040"/>
+            </a:xfrm>
+            <a:prstGeom prst="rightArrow">
+              <a:avLst>
+                <a:gd name="adj1" fmla="val 60000"/>
+                <a:gd name="adj2" fmla="val 50000"/>
+              </a:avLst>
+            </a:prstGeom>
+            <a:solidFill>
+              <a:schemeClr val="accent3">
+                <a:hueOff val="0"/>
+                <a:satOff val="0"/>
+                <a:lumOff val="0"/>
+                <a:alphaOff val="0"/>
+              </a:schemeClr>
+            </a:solidFill>
+            <a:ln>
+              <a:noFill/>
+            </a:ln>
+          </p:spPr>
+          <p:style>
+            <a:lnRef idx="0"/>
+            <a:fillRef idx="0"/>
+            <a:effectRef idx="0"/>
+            <a:fontRef idx="minor"/>
+          </p:style>
+        </p:sp>
+        <p:sp>
+          <p:nvSpPr>
+            <p:cNvPr id="177" name="CustomShape 7"/>
+            <p:cNvSpPr/>
+            <p:nvPr/>
+          </p:nvSpPr>
+          <p:spPr>
+            <a:xfrm>
+              <a:off x="5250960" y="3457440"/>
+              <a:ext cx="1767600" cy="1059840"/>
+            </a:xfrm>
+            <a:prstGeom prst="roundRect">
+              <a:avLst>
+                <a:gd name="adj" fmla="val 10000"/>
+              </a:avLst>
+            </a:prstGeom>
+            <a:solidFill>
+              <a:schemeClr val="accent4">
+                <a:hueOff val="0"/>
+                <a:satOff val="0"/>
+                <a:lumOff val="0"/>
+                <a:alphaOff val="0"/>
+              </a:schemeClr>
+            </a:solidFill>
+            <a:ln>
+              <a:solidFill>
+                <a:schemeClr val="lt1">
+                  <a:hueOff val="0"/>
+                  <a:satOff val="0"/>
+                  <a:lumOff val="0"/>
+                  <a:alphaOff val="0"/>
+                </a:schemeClr>
+              </a:solidFill>
+              <a:round/>
+            </a:ln>
+          </p:spPr>
+          <p:style>
+            <a:lnRef idx="2"/>
+            <a:fillRef idx="0"/>
+            <a:effectRef idx="0"/>
+            <a:fontRef idx="minor"/>
+          </p:style>
+          <p:txBody>
+            <a:bodyPr lIns="107280" rIns="76320" tIns="107280" bIns="107640" anchor="ctr"/>
+            <a:p>
+              <a:pPr algn="ctr">
+                <a:lnSpc>
+                  <a:spcPct val="90000"/>
+                </a:lnSpc>
+                <a:spcAft>
+                  <a:spcPts val="700"/>
+                </a:spcAft>
+              </a:pPr>
+              <a:r>
+                <a:rPr b="0" lang="en-IN" sz="2000" spc="-1" strike="noStrike">
+                  <a:solidFill>
+                    <a:srgbClr val="ffffff"/>
+                  </a:solidFill>
+                  <a:latin typeface="Calibri"/>
+                  <a:ea typeface="DejaVu Sans"/>
+                </a:rPr>
+                <a:t>Word Embedding</a:t>
+              </a:r>
+              <a:endParaRPr b="0" lang="en-IN" sz="2000" spc="-1" strike="noStrike">
+                <a:latin typeface="Arial"/>
+              </a:endParaRPr>
+            </a:p>
+          </p:txBody>
+        </p:sp>
+        <p:sp>
+          <p:nvSpPr>
+            <p:cNvPr id="178" name="CustomShape 8"/>
+            <p:cNvSpPr/>
+            <p:nvPr/>
+          </p:nvSpPr>
+          <p:spPr>
+            <a:xfrm>
+              <a:off x="7197480" y="3768480"/>
+              <a:ext cx="373320" cy="437040"/>
+            </a:xfrm>
+            <a:prstGeom prst="rightArrow">
+              <a:avLst>
+                <a:gd name="adj1" fmla="val 60000"/>
+                <a:gd name="adj2" fmla="val 50000"/>
+              </a:avLst>
+            </a:prstGeom>
+            <a:solidFill>
+              <a:schemeClr val="accent4">
+                <a:hueOff val="0"/>
+                <a:satOff val="0"/>
+                <a:lumOff val="0"/>
+                <a:alphaOff val="0"/>
+              </a:schemeClr>
+            </a:solidFill>
+            <a:ln>
+              <a:noFill/>
+            </a:ln>
+          </p:spPr>
+          <p:style>
+            <a:lnRef idx="0"/>
+            <a:fillRef idx="0"/>
+            <a:effectRef idx="0"/>
+            <a:fontRef idx="minor"/>
+          </p:style>
+        </p:sp>
+        <p:sp>
+          <p:nvSpPr>
+            <p:cNvPr id="179" name="CustomShape 9"/>
+            <p:cNvSpPr/>
+            <p:nvPr/>
+          </p:nvSpPr>
+          <p:spPr>
+            <a:xfrm>
+              <a:off x="7728120" y="3457440"/>
+              <a:ext cx="1767600" cy="1059840"/>
+            </a:xfrm>
+            <a:prstGeom prst="roundRect">
+              <a:avLst>
+                <a:gd name="adj" fmla="val 10000"/>
+              </a:avLst>
+            </a:prstGeom>
+            <a:solidFill>
+              <a:schemeClr val="accent5">
+                <a:hueOff val="0"/>
+                <a:satOff val="0"/>
+                <a:lumOff val="0"/>
+                <a:alphaOff val="0"/>
+              </a:schemeClr>
+            </a:solidFill>
+            <a:ln>
+              <a:solidFill>
+                <a:schemeClr val="lt1">
+                  <a:hueOff val="0"/>
+                  <a:satOff val="0"/>
+                  <a:lumOff val="0"/>
+                  <a:alphaOff val="0"/>
+                </a:schemeClr>
+              </a:solidFill>
+              <a:round/>
+            </a:ln>
+          </p:spPr>
+          <p:style>
+            <a:lnRef idx="2"/>
+            <a:fillRef idx="0"/>
+            <a:effectRef idx="0"/>
+            <a:fontRef idx="minor"/>
+          </p:style>
+          <p:txBody>
+            <a:bodyPr lIns="107280" rIns="76320" tIns="107280" bIns="107640" anchor="ctr"/>
+            <a:p>
+              <a:pPr algn="ctr">
+                <a:lnSpc>
+                  <a:spcPct val="90000"/>
+                </a:lnSpc>
+                <a:spcAft>
+                  <a:spcPts val="700"/>
+                </a:spcAft>
+              </a:pPr>
+              <a:r>
+                <a:rPr b="0" lang="en-IN" sz="2000" spc="-1" strike="noStrike">
+                  <a:solidFill>
+                    <a:srgbClr val="ffffff"/>
+                  </a:solidFill>
+                  <a:latin typeface="Calibri"/>
+                  <a:ea typeface="DejaVu Sans"/>
+                </a:rPr>
+                <a:t>Machine Learning Model</a:t>
+              </a:r>
+              <a:endParaRPr b="0" lang="en-IN" sz="2000" spc="-1" strike="noStrike">
+                <a:latin typeface="Arial"/>
+              </a:endParaRPr>
+            </a:p>
+          </p:txBody>
+        </p:sp>
+        <p:sp>
+          <p:nvSpPr>
+            <p:cNvPr id="180" name="CustomShape 10"/>
+            <p:cNvSpPr/>
+            <p:nvPr/>
+          </p:nvSpPr>
+          <p:spPr>
+            <a:xfrm>
+              <a:off x="9674280" y="3768480"/>
+              <a:ext cx="373320" cy="437040"/>
+            </a:xfrm>
+            <a:prstGeom prst="rightArrow">
+              <a:avLst>
+                <a:gd name="adj1" fmla="val 60000"/>
+                <a:gd name="adj2" fmla="val 50000"/>
+              </a:avLst>
+            </a:prstGeom>
+            <a:solidFill>
+              <a:schemeClr val="accent5">
+                <a:hueOff val="0"/>
+                <a:satOff val="0"/>
+                <a:lumOff val="0"/>
+                <a:alphaOff val="0"/>
+              </a:schemeClr>
+            </a:solidFill>
+            <a:ln>
+              <a:noFill/>
+            </a:ln>
+          </p:spPr>
+          <p:style>
+            <a:lnRef idx="0"/>
+            <a:fillRef idx="0"/>
+            <a:effectRef idx="0"/>
+            <a:fontRef idx="minor"/>
+          </p:style>
+        </p:sp>
+        <p:sp>
+          <p:nvSpPr>
+            <p:cNvPr id="181" name="CustomShape 11"/>
+            <p:cNvSpPr/>
+            <p:nvPr/>
+          </p:nvSpPr>
+          <p:spPr>
+            <a:xfrm>
+              <a:off x="10204920" y="3457440"/>
+              <a:ext cx="1767600" cy="1059840"/>
+            </a:xfrm>
+            <a:prstGeom prst="roundRect">
+              <a:avLst>
+                <a:gd name="adj" fmla="val 10000"/>
+              </a:avLst>
+            </a:prstGeom>
+            <a:solidFill>
+              <a:schemeClr val="accent6">
+                <a:hueOff val="0"/>
+                <a:satOff val="0"/>
+                <a:lumOff val="0"/>
+                <a:alphaOff val="0"/>
+              </a:schemeClr>
+            </a:solidFill>
+            <a:ln>
+              <a:solidFill>
+                <a:schemeClr val="lt1">
+                  <a:hueOff val="0"/>
+                  <a:satOff val="0"/>
+                  <a:lumOff val="0"/>
+                  <a:alphaOff val="0"/>
+                </a:schemeClr>
+              </a:solidFill>
+              <a:round/>
+            </a:ln>
+          </p:spPr>
+          <p:style>
+            <a:lnRef idx="2"/>
+            <a:fillRef idx="0"/>
+            <a:effectRef idx="0"/>
+            <a:fontRef idx="minor"/>
+          </p:style>
+          <p:txBody>
+            <a:bodyPr lIns="107280" rIns="76320" tIns="107280" bIns="107640" anchor="ctr"/>
+            <a:p>
+              <a:pPr algn="ctr">
+                <a:lnSpc>
+                  <a:spcPct val="90000"/>
+                </a:lnSpc>
+                <a:spcAft>
+                  <a:spcPts val="700"/>
+                </a:spcAft>
+              </a:pPr>
+              <a:r>
+                <a:rPr b="0" lang="en-IN" sz="2000" spc="-1" strike="noStrike">
+                  <a:solidFill>
+                    <a:srgbClr val="ffffff"/>
+                  </a:solidFill>
+                  <a:latin typeface="Calibri"/>
+                  <a:ea typeface="DejaVu Sans"/>
+                </a:rPr>
+                <a:t>Emotion</a:t>
+              </a:r>
+              <a:endParaRPr b="0" lang="en-IN" sz="2000" spc="-1" strike="noStrike">
+                <a:latin typeface="Arial"/>
+              </a:endParaRPr>
+            </a:p>
+          </p:txBody>
+        </p:sp>
+      </p:grpSp>
+      <p:grpSp>
+        <p:nvGrpSpPr>
+          <p:cNvPr id="182" name="Group 12"/>
+          <p:cNvGrpSpPr/>
+          <p:nvPr/>
+        </p:nvGrpSpPr>
+        <p:grpSpPr>
+          <a:xfrm>
+            <a:off x="0" y="0"/>
+            <a:ext cx="36000" cy="36000"/>
+            <a:chOff x="0" y="0"/>
+            <a:chExt cx="36000" cy="36000"/>
+          </a:xfrm>
+        </p:grpSpPr>
+      </p:grpSp>
+      <p:sp>
+        <p:nvSpPr>
+          <p:cNvPr id="183" name="CustomShape 13"/>
+          <p:cNvSpPr/>
+          <p:nvPr/>
+        </p:nvSpPr>
+        <p:spPr>
+          <a:xfrm>
+            <a:off x="7646400" y="3332160"/>
+            <a:ext cx="1959480" cy="1310040"/>
+          </a:xfrm>
+          <a:prstGeom prst="rect">
+            <a:avLst/>
+          </a:prstGeom>
+          <a:noFill/>
+          <a:ln w="76320">
+            <a:solidFill>
+              <a:srgbClr val="ff0000"/>
+            </a:solidFill>
+            <a:round/>
+          </a:ln>
+        </p:spPr>
+        <p:style>
+          <a:lnRef idx="2">
+            <a:schemeClr val="accent1">
+              <a:shade val="50000"/>
+            </a:schemeClr>
+          </a:lnRef>
+          <a:fillRef idx="1">
+            <a:schemeClr val="accent1"/>
+          </a:fillRef>
+          <a:effectRef idx="0">
+            <a:schemeClr val="accent1"/>
+          </a:effectRef>
+          <a:fontRef idx="minor"/>
+        </p:style>
+      </p:sp>
+    </p:spTree>
+  </p:cSld>
+  <p:timing>
+    <p:tnLst>
+      <p:par>
+        <p:cTn id="29" dur="indefinite" restart="never" nodeType="tmRoot">
+          <p:childTnLst>
+            <p:seq>
+              <p:cTn id="30" dur="indefinite" nodeType="mainSeq"/>
+              <p:prevCondLst>
+                <p:cond delay="0" evt="onPrev">
+                  <p:tgtEl>
+                    <p:sldTgt/>
+                  </p:tgtEl>
+                </p:cond>
+              </p:prevCondLst>
+              <p:nextCondLst>
+                <p:cond delay="0" evt="onNext">
+                  <p:tgtEl>
+                    <p:sldTgt/>
+                  </p:tgtEl>
+                </p:cond>
+              </p:nextCondLst>
+            </p:seq>
+          </p:childTnLst>
+        </p:cTn>
+      </p:par>
+    </p:tnLst>
+  </p:timing>
+</p:sld>
+</file>
+
+<file path=ppt/slides/slide16.xml><?xml version="1.0" encoding="utf-8"?>
+<p:sld xmlns:a="http://schemas.openxmlformats.org/drawingml/2006/main" xmlns:p="http://schemas.openxmlformats.org/presentationml/2006/main" xmlns:r="http://schemas.openxmlformats.org/officeDocument/2006/relationships" xmlns:p14="http://schemas.microsoft.com/office/powerpoint/2010/main" xmlns:p15="http://schemas.microsoft.com/office/powerpoint/2012/main" xmlns:mc="http://schemas.openxmlformats.org/markup-compatibility/2006">
+  <p:cSld>
+    <p:spTree>
+      <p:nvGrpSpPr>
+        <p:cNvPr id="1" name=""/>
+        <p:cNvGrpSpPr/>
+        <p:nvPr/>
+      </p:nvGrpSpPr>
+      <p:grpSpPr>
+        <a:xfrm>
+          <a:off x="0" y="0"/>
+          <a:ext cx="0" cy="0"/>
+          <a:chOff x="0" y="0"/>
+          <a:chExt cx="0" cy="0"/>
+        </a:xfrm>
+      </p:grpSpPr>
+      <p:sp>
+        <p:nvSpPr>
+          <p:cNvPr id="184" name="CustomShape 1"/>
+          <p:cNvSpPr/>
+          <p:nvPr/>
+        </p:nvSpPr>
+        <p:spPr>
+          <a:xfrm>
+            <a:off x="838080" y="365040"/>
+            <a:ext cx="10513800" cy="1323720"/>
+          </a:xfrm>
+          <a:prstGeom prst="rect">
+            <a:avLst/>
+          </a:prstGeom>
+          <a:noFill/>
+          <a:ln>
+            <a:noFill/>
+          </a:ln>
+        </p:spPr>
+        <p:style>
+          <a:lnRef idx="0"/>
+          <a:fillRef idx="0"/>
+          <a:effectRef idx="0"/>
+          <a:fontRef idx="minor"/>
+        </p:style>
+        <p:txBody>
+          <a:bodyPr lIns="90000" rIns="90000" tIns="45000" bIns="45000" anchor="ctr"/>
+          <a:p>
+            <a:pPr>
+              <a:lnSpc>
+                <a:spcPct val="90000"/>
+              </a:lnSpc>
+            </a:pPr>
+            <a:r>
+              <a:rPr b="0" lang="en-IN" sz="4400" spc="-1" strike="noStrike">
+                <a:solidFill>
+                  <a:srgbClr val="000000"/>
+                </a:solidFill>
+                <a:latin typeface="Calibri Light"/>
+                <a:ea typeface="DejaVu Sans"/>
+              </a:rPr>
               <a:t>Machine Learning Models</a:t>
             </a:r>
             <a:endParaRPr b="0" lang="en-IN" sz="4400" spc="-1" strike="noStrike">
@@ -4629,14 +5552,14 @@
       </p:sp>
       <p:sp>
         <p:nvSpPr>
-          <p:cNvPr id="179" name="CustomShape 2"/>
+          <p:cNvPr id="185" name="CustomShape 2"/>
           <p:cNvSpPr/>
           <p:nvPr/>
         </p:nvSpPr>
         <p:spPr>
           <a:xfrm>
             <a:off x="838080" y="1825560"/>
-            <a:ext cx="10514520" cy="4350240"/>
+            <a:ext cx="10513800" cy="4349520"/>
           </a:xfrm>
           <a:prstGeom prst="rect">
             <a:avLst/>
@@ -4655,28 +5578,28 @@
       </p:sp>
       <p:grpSp>
         <p:nvGrpSpPr>
-          <p:cNvPr id="180" name="Group 3"/>
+          <p:cNvPr id="186" name="Group 3"/>
           <p:cNvGrpSpPr/>
           <p:nvPr/>
         </p:nvGrpSpPr>
         <p:grpSpPr>
           <a:xfrm>
             <a:off x="-5080680" y="478080"/>
-            <a:ext cx="16787160" cy="7045200"/>
+            <a:ext cx="16786440" cy="7044480"/>
             <a:chOff x="-5080680" y="478080"/>
-            <a:chExt cx="16787160" cy="7045200"/>
+            <a:chExt cx="16786440" cy="7044480"/>
           </a:xfrm>
         </p:grpSpPr>
         <p:sp>
           <p:nvSpPr>
-            <p:cNvPr id="181" name="CustomShape 4"/>
+            <p:cNvPr id="187" name="CustomShape 4"/>
             <p:cNvSpPr/>
             <p:nvPr/>
           </p:nvSpPr>
           <p:spPr>
             <a:xfrm>
               <a:off x="-5080680" y="478080"/>
-              <a:ext cx="7045200" cy="7045200"/>
+              <a:ext cx="7044480" cy="7044480"/>
             </a:xfrm>
             <a:prstGeom prst="blockArc">
               <a:avLst>
@@ -4708,14 +5631,14 @@
         </p:sp>
         <p:sp>
           <p:nvSpPr>
-            <p:cNvPr id="182" name="CustomShape 5"/>
+            <p:cNvPr id="188" name="CustomShape 5"/>
             <p:cNvSpPr/>
             <p:nvPr/>
           </p:nvSpPr>
           <p:spPr>
             <a:xfrm>
               <a:off x="1330920" y="1711080"/>
-              <a:ext cx="10375560" cy="653400"/>
+              <a:ext cx="10374840" cy="652680"/>
             </a:xfrm>
             <a:prstGeom prst="rect">
               <a:avLst/>
@@ -4775,14 +5698,14 @@
         </p:sp>
         <p:sp>
           <p:nvSpPr>
-            <p:cNvPr id="183" name="CustomShape 6"/>
+            <p:cNvPr id="189" name="CustomShape 6"/>
             <p:cNvSpPr/>
             <p:nvPr/>
           </p:nvSpPr>
           <p:spPr>
             <a:xfrm>
               <a:off x="921960" y="1629360"/>
-              <a:ext cx="817200" cy="817200"/>
+              <a:ext cx="816480" cy="816480"/>
             </a:xfrm>
             <a:prstGeom prst="ellipse">
               <a:avLst/>
@@ -4816,14 +5739,14 @@
         </p:sp>
         <p:sp>
           <p:nvSpPr>
-            <p:cNvPr id="184" name="CustomShape 7"/>
+            <p:cNvPr id="190" name="CustomShape 7"/>
             <p:cNvSpPr/>
             <p:nvPr/>
           </p:nvSpPr>
           <p:spPr>
             <a:xfrm>
               <a:off x="1800000" y="2692440"/>
-              <a:ext cx="9906480" cy="653400"/>
+              <a:ext cx="9905760" cy="652680"/>
             </a:xfrm>
             <a:prstGeom prst="rect">
               <a:avLst/>
@@ -4883,14 +5806,14 @@
         </p:sp>
         <p:sp>
           <p:nvSpPr>
-            <p:cNvPr id="185" name="CustomShape 8"/>
+            <p:cNvPr id="191" name="CustomShape 8"/>
             <p:cNvSpPr/>
             <p:nvPr/>
           </p:nvSpPr>
           <p:spPr>
             <a:xfrm>
               <a:off x="1390680" y="2610720"/>
-              <a:ext cx="817200" cy="817200"/>
+              <a:ext cx="816480" cy="816480"/>
             </a:xfrm>
             <a:prstGeom prst="ellipse">
               <a:avLst/>
@@ -4924,14 +5847,14 @@
         </p:sp>
         <p:sp>
           <p:nvSpPr>
-            <p:cNvPr id="186" name="CustomShape 9"/>
+            <p:cNvPr id="192" name="CustomShape 9"/>
             <p:cNvSpPr/>
             <p:nvPr/>
           </p:nvSpPr>
           <p:spPr>
             <a:xfrm>
               <a:off x="1944000" y="3674160"/>
-              <a:ext cx="9762480" cy="653400"/>
+              <a:ext cx="9761760" cy="652680"/>
             </a:xfrm>
             <a:prstGeom prst="rect">
               <a:avLst/>
@@ -4991,14 +5914,14 @@
         </p:sp>
         <p:sp>
           <p:nvSpPr>
-            <p:cNvPr id="187" name="CustomShape 10"/>
+            <p:cNvPr id="193" name="CustomShape 10"/>
             <p:cNvSpPr/>
             <p:nvPr/>
           </p:nvSpPr>
           <p:spPr>
             <a:xfrm>
               <a:off x="1534680" y="3592080"/>
-              <a:ext cx="817200" cy="817200"/>
+              <a:ext cx="816480" cy="816480"/>
             </a:xfrm>
             <a:prstGeom prst="ellipse">
               <a:avLst/>
@@ -5032,14 +5955,14 @@
         </p:sp>
         <p:sp>
           <p:nvSpPr>
-            <p:cNvPr id="188" name="CustomShape 11"/>
+            <p:cNvPr id="194" name="CustomShape 11"/>
             <p:cNvSpPr/>
             <p:nvPr/>
           </p:nvSpPr>
           <p:spPr>
             <a:xfrm>
               <a:off x="1800000" y="4655520"/>
-              <a:ext cx="9906480" cy="653400"/>
+              <a:ext cx="9905760" cy="652680"/>
             </a:xfrm>
             <a:prstGeom prst="rect">
               <a:avLst/>
@@ -5099,14 +6022,14 @@
         </p:sp>
         <p:sp>
           <p:nvSpPr>
-            <p:cNvPr id="189" name="CustomShape 12"/>
+            <p:cNvPr id="195" name="CustomShape 12"/>
             <p:cNvSpPr/>
             <p:nvPr/>
           </p:nvSpPr>
           <p:spPr>
             <a:xfrm>
               <a:off x="1390680" y="4573800"/>
-              <a:ext cx="817200" cy="817200"/>
+              <a:ext cx="816480" cy="816480"/>
             </a:xfrm>
             <a:prstGeom prst="ellipse">
               <a:avLst/>
@@ -5140,14 +6063,14 @@
         </p:sp>
         <p:sp>
           <p:nvSpPr>
-            <p:cNvPr id="190" name="CustomShape 13"/>
+            <p:cNvPr id="196" name="CustomShape 13"/>
             <p:cNvSpPr/>
             <p:nvPr/>
           </p:nvSpPr>
           <p:spPr>
             <a:xfrm>
               <a:off x="1330920" y="5636880"/>
-              <a:ext cx="10375560" cy="653400"/>
+              <a:ext cx="10374840" cy="652680"/>
             </a:xfrm>
             <a:prstGeom prst="rect">
               <a:avLst/>
@@ -5207,14 +6130,14 @@
         </p:sp>
         <p:sp>
           <p:nvSpPr>
-            <p:cNvPr id="191" name="CustomShape 14"/>
+            <p:cNvPr id="197" name="CustomShape 14"/>
             <p:cNvSpPr/>
             <p:nvPr/>
           </p:nvSpPr>
           <p:spPr>
             <a:xfrm>
               <a:off x="921960" y="5555160"/>
-              <a:ext cx="817200" cy="817200"/>
+              <a:ext cx="816480" cy="816480"/>
             </a:xfrm>
             <a:prstGeom prst="ellipse">
               <a:avLst/>
@@ -5249,7 +6172,7 @@
       </p:grpSp>
       <p:grpSp>
         <p:nvGrpSpPr>
-          <p:cNvPr id="192" name="Group 15"/>
+          <p:cNvPr id="198" name="Group 15"/>
           <p:cNvGrpSpPr/>
           <p:nvPr/>
         </p:nvGrpSpPr>
@@ -5262,583 +6185,6 @@
           </a:xfrm>
         </p:grpSpPr>
       </p:grpSp>
-    </p:spTree>
-  </p:cSld>
-  <p:timing>
-    <p:tnLst>
-      <p:par>
-        <p:cTn id="27" dur="indefinite" restart="never" nodeType="tmRoot">
-          <p:childTnLst>
-            <p:seq>
-              <p:cTn id="28" dur="indefinite" nodeType="mainSeq"/>
-              <p:prevCondLst>
-                <p:cond delay="0" evt="onPrev">
-                  <p:tgtEl>
-                    <p:sldTgt/>
-                  </p:tgtEl>
-                </p:cond>
-              </p:prevCondLst>
-              <p:nextCondLst>
-                <p:cond delay="0" evt="onNext">
-                  <p:tgtEl>
-                    <p:sldTgt/>
-                  </p:tgtEl>
-                </p:cond>
-              </p:nextCondLst>
-            </p:seq>
-          </p:childTnLst>
-        </p:cTn>
-      </p:par>
-    </p:tnLst>
-  </p:timing>
-</p:sld>
-</file>
-
-<file path=ppt/slides/slide15.xml><?xml version="1.0" encoding="utf-8"?>
-<p:sld xmlns:a="http://schemas.openxmlformats.org/drawingml/2006/main" xmlns:p="http://schemas.openxmlformats.org/presentationml/2006/main" xmlns:r="http://schemas.openxmlformats.org/officeDocument/2006/relationships" xmlns:p14="http://schemas.microsoft.com/office/powerpoint/2010/main" xmlns:p15="http://schemas.microsoft.com/office/powerpoint/2012/main" xmlns:mc="http://schemas.openxmlformats.org/markup-compatibility/2006">
-  <p:cSld>
-    <p:spTree>
-      <p:nvGrpSpPr>
-        <p:cNvPr id="1" name=""/>
-        <p:cNvGrpSpPr/>
-        <p:nvPr/>
-      </p:nvGrpSpPr>
-      <p:grpSpPr>
-        <a:xfrm>
-          <a:off x="0" y="0"/>
-          <a:ext cx="0" cy="0"/>
-          <a:chOff x="0" y="0"/>
-          <a:chExt cx="0" cy="0"/>
-        </a:xfrm>
-      </p:grpSpPr>
-      <p:sp>
-        <p:nvSpPr>
-          <p:cNvPr id="193" name="CustomShape 1"/>
-          <p:cNvSpPr/>
-          <p:nvPr/>
-        </p:nvSpPr>
-        <p:spPr>
-          <a:xfrm>
-            <a:off x="838080" y="365040"/>
-            <a:ext cx="10514520" cy="1324440"/>
-          </a:xfrm>
-          <a:prstGeom prst="rect">
-            <a:avLst/>
-          </a:prstGeom>
-          <a:noFill/>
-          <a:ln>
-            <a:noFill/>
-          </a:ln>
-        </p:spPr>
-        <p:style>
-          <a:lnRef idx="0"/>
-          <a:fillRef idx="0"/>
-          <a:effectRef idx="0"/>
-          <a:fontRef idx="minor"/>
-        </p:style>
-        <p:txBody>
-          <a:bodyPr lIns="90000" rIns="90000" tIns="45000" bIns="45000" anchor="ctr"/>
-          <a:p>
-            <a:pPr>
-              <a:lnSpc>
-                <a:spcPct val="90000"/>
-              </a:lnSpc>
-            </a:pPr>
-            <a:r>
-              <a:rPr b="0" lang="en-IN" sz="4400" spc="-1" strike="noStrike">
-                <a:solidFill>
-                  <a:srgbClr val="000000"/>
-                </a:solidFill>
-                <a:latin typeface="Calibri Light"/>
-                <a:ea typeface="DejaVu Sans"/>
-              </a:rPr>
-              <a:t>KNN using TFIDF</a:t>
-            </a:r>
-            <a:endParaRPr b="0" lang="en-IN" sz="4400" spc="-1" strike="noStrike">
-              <a:latin typeface="Arial"/>
-            </a:endParaRPr>
-          </a:p>
-        </p:txBody>
-      </p:sp>
-      <p:sp>
-        <p:nvSpPr>
-          <p:cNvPr id="194" name="CustomShape 2"/>
-          <p:cNvSpPr/>
-          <p:nvPr/>
-        </p:nvSpPr>
-        <p:spPr>
-          <a:xfrm>
-            <a:off x="838080" y="1825560"/>
-            <a:ext cx="10514520" cy="4350240"/>
-          </a:xfrm>
-          <a:prstGeom prst="rect">
-            <a:avLst/>
-          </a:prstGeom>
-          <a:noFill/>
-          <a:ln>
-            <a:noFill/>
-          </a:ln>
-        </p:spPr>
-        <p:style>
-          <a:lnRef idx="0"/>
-          <a:fillRef idx="0"/>
-          <a:effectRef idx="0"/>
-          <a:fontRef idx="minor"/>
-        </p:style>
-        <p:txBody>
-          <a:bodyPr lIns="90000" rIns="90000" tIns="45000" bIns="45000"/>
-          <a:p>
-            <a:pPr marL="228600" indent="-227520">
-              <a:lnSpc>
-                <a:spcPct val="90000"/>
-              </a:lnSpc>
-              <a:spcBef>
-                <a:spcPts val="1001"/>
-              </a:spcBef>
-              <a:buClr>
-                <a:srgbClr val="000000"/>
-              </a:buClr>
-              <a:buFont typeface="Arial"/>
-              <a:buChar char="•"/>
-            </a:pPr>
-            <a:r>
-              <a:rPr b="0" lang="en-IN" sz="2800" spc="-1" strike="noStrike">
-                <a:solidFill>
-                  <a:srgbClr val="000000"/>
-                </a:solidFill>
-                <a:latin typeface="Calibri"/>
-                <a:ea typeface="DejaVu Sans"/>
-              </a:rPr>
-              <a:t>Can be used for clustering text with similar emotions.</a:t>
-            </a:r>
-            <a:endParaRPr b="0" lang="en-IN" sz="2800" spc="-1" strike="noStrike">
-              <a:latin typeface="Arial"/>
-            </a:endParaRPr>
-          </a:p>
-          <a:p>
-            <a:pPr>
-              <a:lnSpc>
-                <a:spcPct val="90000"/>
-              </a:lnSpc>
-              <a:spcBef>
-                <a:spcPts val="1001"/>
-              </a:spcBef>
-            </a:pPr>
-            <a:endParaRPr b="0" lang="en-IN" sz="2800" spc="-1" strike="noStrike">
-              <a:latin typeface="Arial"/>
-            </a:endParaRPr>
-          </a:p>
-          <a:p>
-            <a:pPr marL="228600" indent="-227520">
-              <a:lnSpc>
-                <a:spcPct val="90000"/>
-              </a:lnSpc>
-              <a:spcBef>
-                <a:spcPts val="1001"/>
-              </a:spcBef>
-              <a:buClr>
-                <a:srgbClr val="000000"/>
-              </a:buClr>
-              <a:buFont typeface="Arial"/>
-              <a:buChar char="•"/>
-            </a:pPr>
-            <a:r>
-              <a:rPr b="0" lang="en-IN" sz="2800" spc="-1" strike="noStrike">
-                <a:solidFill>
-                  <a:srgbClr val="000000"/>
-                </a:solidFill>
-                <a:latin typeface="Calibri"/>
-                <a:ea typeface="DejaVu Sans"/>
-              </a:rPr>
-              <a:t>Before applying KNN we pre-processed the text with the technique of TFIDF(Term frequency inverse document frequency)</a:t>
-            </a:r>
-            <a:endParaRPr b="0" lang="en-IN" sz="2800" spc="-1" strike="noStrike">
-              <a:latin typeface="Arial"/>
-            </a:endParaRPr>
-          </a:p>
-          <a:p>
-            <a:pPr>
-              <a:lnSpc>
-                <a:spcPct val="90000"/>
-              </a:lnSpc>
-              <a:spcBef>
-                <a:spcPts val="1001"/>
-              </a:spcBef>
-            </a:pPr>
-            <a:endParaRPr b="0" lang="en-IN" sz="2800" spc="-1" strike="noStrike">
-              <a:latin typeface="Arial"/>
-            </a:endParaRPr>
-          </a:p>
-          <a:p>
-            <a:pPr marL="228600" indent="-227520">
-              <a:lnSpc>
-                <a:spcPct val="90000"/>
-              </a:lnSpc>
-              <a:spcBef>
-                <a:spcPts val="1001"/>
-              </a:spcBef>
-              <a:buClr>
-                <a:srgbClr val="000000"/>
-              </a:buClr>
-              <a:buFont typeface="Arial"/>
-              <a:buChar char="•"/>
-            </a:pPr>
-            <a:r>
-              <a:rPr b="0" lang="en-IN" sz="2800" spc="-1" strike="noStrike">
-                <a:solidFill>
-                  <a:srgbClr val="000000"/>
-                </a:solidFill>
-                <a:latin typeface="Calibri"/>
-                <a:ea typeface="DejaVu Sans"/>
-              </a:rPr>
-              <a:t>Using TFIDF, a text can be represented as vector in a vector space</a:t>
-            </a:r>
-            <a:endParaRPr b="0" lang="en-IN" sz="2800" spc="-1" strike="noStrike">
-              <a:latin typeface="Arial"/>
-            </a:endParaRPr>
-          </a:p>
-          <a:p>
-            <a:pPr>
-              <a:lnSpc>
-                <a:spcPct val="90000"/>
-              </a:lnSpc>
-              <a:spcBef>
-                <a:spcPts val="1001"/>
-              </a:spcBef>
-            </a:pPr>
-            <a:endParaRPr b="0" lang="en-IN" sz="2800" spc="-1" strike="noStrike">
-              <a:latin typeface="Arial"/>
-            </a:endParaRPr>
-          </a:p>
-          <a:p>
-            <a:pPr marL="228600" indent="-227520">
-              <a:lnSpc>
-                <a:spcPct val="90000"/>
-              </a:lnSpc>
-              <a:spcBef>
-                <a:spcPts val="1001"/>
-              </a:spcBef>
-              <a:buClr>
-                <a:srgbClr val="000000"/>
-              </a:buClr>
-              <a:buFont typeface="Arial"/>
-              <a:buChar char="•"/>
-            </a:pPr>
-            <a:r>
-              <a:rPr b="0" lang="en-IN" sz="2800" spc="-1" strike="noStrike">
-                <a:solidFill>
-                  <a:srgbClr val="000000"/>
-                </a:solidFill>
-                <a:latin typeface="Calibri"/>
-                <a:ea typeface="DejaVu Sans"/>
-              </a:rPr>
-              <a:t>Similarity metric used in KNN is the distance  between the two points in the vector space.</a:t>
-            </a:r>
-            <a:endParaRPr b="0" lang="en-IN" sz="2800" spc="-1" strike="noStrike">
-              <a:latin typeface="Arial"/>
-            </a:endParaRPr>
-          </a:p>
-          <a:p>
-            <a:pPr>
-              <a:lnSpc>
-                <a:spcPct val="90000"/>
-              </a:lnSpc>
-              <a:spcBef>
-                <a:spcPts val="1001"/>
-              </a:spcBef>
-            </a:pPr>
-            <a:endParaRPr b="0" lang="en-IN" sz="2800" spc="-1" strike="noStrike">
-              <a:latin typeface="Arial"/>
-            </a:endParaRPr>
-          </a:p>
-          <a:p>
-            <a:pPr>
-              <a:lnSpc>
-                <a:spcPct val="90000"/>
-              </a:lnSpc>
-              <a:spcBef>
-                <a:spcPts val="1001"/>
-              </a:spcBef>
-            </a:pPr>
-            <a:endParaRPr b="0" lang="en-IN" sz="2800" spc="-1" strike="noStrike">
-              <a:latin typeface="Arial"/>
-            </a:endParaRPr>
-          </a:p>
-        </p:txBody>
-      </p:sp>
-    </p:spTree>
-  </p:cSld>
-  <p:timing>
-    <p:tnLst>
-      <p:par>
-        <p:cTn id="29" dur="indefinite" restart="never" nodeType="tmRoot">
-          <p:childTnLst>
-            <p:seq>
-              <p:cTn id="30" dur="indefinite" nodeType="mainSeq"/>
-              <p:prevCondLst>
-                <p:cond delay="0" evt="onPrev">
-                  <p:tgtEl>
-                    <p:sldTgt/>
-                  </p:tgtEl>
-                </p:cond>
-              </p:prevCondLst>
-              <p:nextCondLst>
-                <p:cond delay="0" evt="onNext">
-                  <p:tgtEl>
-                    <p:sldTgt/>
-                  </p:tgtEl>
-                </p:cond>
-              </p:nextCondLst>
-            </p:seq>
-          </p:childTnLst>
-        </p:cTn>
-      </p:par>
-    </p:tnLst>
-  </p:timing>
-</p:sld>
-</file>
-
-<file path=ppt/slides/slide16.xml><?xml version="1.0" encoding="utf-8"?>
-<p:sld xmlns:a="http://schemas.openxmlformats.org/drawingml/2006/main" xmlns:p="http://schemas.openxmlformats.org/presentationml/2006/main" xmlns:r="http://schemas.openxmlformats.org/officeDocument/2006/relationships" xmlns:p14="http://schemas.microsoft.com/office/powerpoint/2010/main" xmlns:p15="http://schemas.microsoft.com/office/powerpoint/2012/main" xmlns:mc="http://schemas.openxmlformats.org/markup-compatibility/2006">
-  <p:cSld>
-    <p:spTree>
-      <p:nvGrpSpPr>
-        <p:cNvPr id="1" name=""/>
-        <p:cNvGrpSpPr/>
-        <p:nvPr/>
-      </p:nvGrpSpPr>
-      <p:grpSpPr>
-        <a:xfrm>
-          <a:off x="0" y="0"/>
-          <a:ext cx="0" cy="0"/>
-          <a:chOff x="0" y="0"/>
-          <a:chExt cx="0" cy="0"/>
-        </a:xfrm>
-      </p:grpSpPr>
-      <p:sp>
-        <p:nvSpPr>
-          <p:cNvPr id="195" name="CustomShape 1"/>
-          <p:cNvSpPr/>
-          <p:nvPr/>
-        </p:nvSpPr>
-        <p:spPr>
-          <a:xfrm>
-            <a:off x="838080" y="365040"/>
-            <a:ext cx="10514520" cy="1324440"/>
-          </a:xfrm>
-          <a:prstGeom prst="rect">
-            <a:avLst/>
-          </a:prstGeom>
-          <a:noFill/>
-          <a:ln>
-            <a:noFill/>
-          </a:ln>
-        </p:spPr>
-        <p:style>
-          <a:lnRef idx="0"/>
-          <a:fillRef idx="0"/>
-          <a:effectRef idx="0"/>
-          <a:fontRef idx="minor"/>
-        </p:style>
-        <p:txBody>
-          <a:bodyPr lIns="90000" rIns="90000" tIns="45000" bIns="45000" anchor="ctr"/>
-          <a:p>
-            <a:pPr>
-              <a:lnSpc>
-                <a:spcPct val="90000"/>
-              </a:lnSpc>
-            </a:pPr>
-            <a:r>
-              <a:rPr b="0" lang="en-IN" sz="4400" spc="-1" strike="noStrike">
-                <a:solidFill>
-                  <a:srgbClr val="000000"/>
-                </a:solidFill>
-                <a:latin typeface="Calibri Light"/>
-                <a:ea typeface="DejaVu Sans"/>
-              </a:rPr>
-              <a:t>Naïve Bayes </a:t>
-            </a:r>
-            <a:endParaRPr b="0" lang="en-IN" sz="4400" spc="-1" strike="noStrike">
-              <a:latin typeface="Arial"/>
-            </a:endParaRPr>
-          </a:p>
-        </p:txBody>
-      </p:sp>
-      <p:sp>
-        <p:nvSpPr>
-          <p:cNvPr id="196" name="CustomShape 2"/>
-          <p:cNvSpPr/>
-          <p:nvPr/>
-        </p:nvSpPr>
-        <p:spPr>
-          <a:xfrm>
-            <a:off x="838080" y="1825560"/>
-            <a:ext cx="4169880" cy="4350240"/>
-          </a:xfrm>
-          <a:prstGeom prst="rect">
-            <a:avLst/>
-          </a:prstGeom>
-          <a:noFill/>
-          <a:ln>
-            <a:noFill/>
-          </a:ln>
-        </p:spPr>
-        <p:style>
-          <a:lnRef idx="0"/>
-          <a:fillRef idx="0"/>
-          <a:effectRef idx="0"/>
-          <a:fontRef idx="minor"/>
-        </p:style>
-        <p:txBody>
-          <a:bodyPr lIns="90000" rIns="90000" tIns="45000" bIns="45000"/>
-          <a:p>
-            <a:pPr marL="228600" indent="-227520">
-              <a:lnSpc>
-                <a:spcPct val="90000"/>
-              </a:lnSpc>
-              <a:spcBef>
-                <a:spcPts val="1001"/>
-              </a:spcBef>
-              <a:buClr>
-                <a:srgbClr val="000000"/>
-              </a:buClr>
-              <a:buFont typeface="Arial"/>
-              <a:buChar char="•"/>
-            </a:pPr>
-            <a:r>
-              <a:rPr b="0" lang="en-IN" sz="2800" spc="-1" strike="noStrike">
-                <a:solidFill>
-                  <a:srgbClr val="000000"/>
-                </a:solidFill>
-                <a:latin typeface="Calibri"/>
-                <a:ea typeface="DejaVu Sans"/>
-              </a:rPr>
-              <a:t>For every emotion, we calculate the prior probability.</a:t>
-            </a:r>
-            <a:endParaRPr b="0" lang="en-IN" sz="2800" spc="-1" strike="noStrike">
-              <a:latin typeface="Arial"/>
-            </a:endParaRPr>
-          </a:p>
-          <a:p>
-            <a:pPr marL="228600" indent="-227520">
-              <a:lnSpc>
-                <a:spcPct val="90000"/>
-              </a:lnSpc>
-              <a:spcBef>
-                <a:spcPts val="1001"/>
-              </a:spcBef>
-              <a:buClr>
-                <a:srgbClr val="000000"/>
-              </a:buClr>
-              <a:buFont typeface="Arial"/>
-              <a:buChar char="•"/>
-            </a:pPr>
-            <a:r>
-              <a:rPr b="0" lang="en-IN" sz="2800" spc="-1" strike="noStrike">
-                <a:solidFill>
-                  <a:srgbClr val="000000"/>
-                </a:solidFill>
-                <a:latin typeface="Calibri"/>
-                <a:ea typeface="DejaVu Sans"/>
-              </a:rPr>
-              <a:t>Find the likelihood probability with each phrase for each emotion.</a:t>
-            </a:r>
-            <a:endParaRPr b="0" lang="en-IN" sz="2800" spc="-1" strike="noStrike">
-              <a:latin typeface="Arial"/>
-            </a:endParaRPr>
-          </a:p>
-          <a:p>
-            <a:pPr marL="228600" indent="-227520">
-              <a:lnSpc>
-                <a:spcPct val="90000"/>
-              </a:lnSpc>
-              <a:spcBef>
-                <a:spcPts val="1001"/>
-              </a:spcBef>
-              <a:buClr>
-                <a:srgbClr val="000000"/>
-              </a:buClr>
-              <a:buFont typeface="Arial"/>
-              <a:buChar char="•"/>
-            </a:pPr>
-            <a:r>
-              <a:rPr b="0" lang="en-IN" sz="2800" spc="-1" strike="noStrike">
-                <a:solidFill>
-                  <a:srgbClr val="000000"/>
-                </a:solidFill>
-                <a:latin typeface="Calibri"/>
-                <a:ea typeface="DejaVu Sans"/>
-              </a:rPr>
-              <a:t>Put this in Bayes formula and calculate posterior probability.</a:t>
-            </a:r>
-            <a:endParaRPr b="0" lang="en-IN" sz="2800" spc="-1" strike="noStrike">
-              <a:latin typeface="Arial"/>
-            </a:endParaRPr>
-          </a:p>
-          <a:p>
-            <a:pPr>
-              <a:lnSpc>
-                <a:spcPct val="90000"/>
-              </a:lnSpc>
-              <a:spcBef>
-                <a:spcPts val="1001"/>
-              </a:spcBef>
-            </a:pPr>
-            <a:endParaRPr b="0" lang="en-IN" sz="2800" spc="-1" strike="noStrike">
-              <a:latin typeface="Arial"/>
-            </a:endParaRPr>
-          </a:p>
-          <a:p>
-            <a:pPr>
-              <a:lnSpc>
-                <a:spcPct val="90000"/>
-              </a:lnSpc>
-              <a:spcBef>
-                <a:spcPts val="1001"/>
-              </a:spcBef>
-            </a:pPr>
-            <a:endParaRPr b="0" lang="en-IN" sz="2800" spc="-1" strike="noStrike">
-              <a:latin typeface="Arial"/>
-            </a:endParaRPr>
-          </a:p>
-          <a:p>
-            <a:pPr>
-              <a:lnSpc>
-                <a:spcPct val="90000"/>
-              </a:lnSpc>
-              <a:spcBef>
-                <a:spcPts val="1001"/>
-              </a:spcBef>
-            </a:pPr>
-            <a:endParaRPr b="0" lang="en-IN" sz="2800" spc="-1" strike="noStrike">
-              <a:latin typeface="Arial"/>
-            </a:endParaRPr>
-          </a:p>
-        </p:txBody>
-      </p:sp>
-      <p:pic>
-        <p:nvPicPr>
-          <p:cNvPr id="197" name="Picture 4" descr=""/>
-          <p:cNvPicPr/>
-          <p:nvPr/>
-        </p:nvPicPr>
-        <p:blipFill>
-          <a:blip r:embed="rId1"/>
-          <a:stretch/>
-        </p:blipFill>
-        <p:spPr>
-          <a:xfrm>
-            <a:off x="5103720" y="1690560"/>
-            <a:ext cx="6834240" cy="4073040"/>
-          </a:xfrm>
-          <a:prstGeom prst="rect">
-            <a:avLst/>
-          </a:prstGeom>
-          <a:ln>
-            <a:noFill/>
-          </a:ln>
-        </p:spPr>
-      </p:pic>
     </p:spTree>
   </p:cSld>
   <p:timing>
@@ -5890,14 +6236,14 @@
       </p:grpSpPr>
       <p:sp>
         <p:nvSpPr>
-          <p:cNvPr id="198" name="CustomShape 1"/>
+          <p:cNvPr id="199" name="CustomShape 1"/>
           <p:cNvSpPr/>
           <p:nvPr/>
         </p:nvSpPr>
         <p:spPr>
           <a:xfrm>
             <a:off x="838080" y="365040"/>
-            <a:ext cx="10514520" cy="1324440"/>
+            <a:ext cx="10513800" cy="1323720"/>
           </a:xfrm>
           <a:prstGeom prst="rect">
             <a:avLst/>
@@ -5929,7 +6275,7 @@
                 <a:latin typeface="Calibri Light"/>
                 <a:ea typeface="DejaVu Sans"/>
               </a:rPr>
-              <a:t>LSTM(Long Short Term Memory)</a:t>
+              <a:t>KNN using TFIDF</a:t>
             </a:r>
             <a:endParaRPr b="0" lang="en-IN" sz="4400" spc="-1" strike="noStrike">
               <a:latin typeface="Arial"/>
@@ -5939,14 +6285,14 @@
       </p:sp>
       <p:sp>
         <p:nvSpPr>
-          <p:cNvPr id="199" name="CustomShape 2"/>
+          <p:cNvPr id="200" name="CustomShape 2"/>
           <p:cNvSpPr/>
           <p:nvPr/>
         </p:nvSpPr>
         <p:spPr>
           <a:xfrm>
             <a:off x="838080" y="1825560"/>
-            <a:ext cx="10514520" cy="4350240"/>
+            <a:ext cx="10513800" cy="4349520"/>
           </a:xfrm>
           <a:prstGeom prst="rect">
             <a:avLst/>
@@ -5965,7 +6311,7 @@
         <p:txBody>
           <a:bodyPr lIns="90000" rIns="90000" tIns="45000" bIns="45000"/>
           <a:p>
-            <a:pPr marL="228600" indent="-227520">
+            <a:pPr marL="228600" indent="-226800">
               <a:lnSpc>
                 <a:spcPct val="90000"/>
               </a:lnSpc>
@@ -5986,7 +6332,7 @@
                 <a:latin typeface="Calibri"/>
                 <a:ea typeface="DejaVu Sans"/>
               </a:rPr>
-              <a:t>LSTM has a memory that remembers previous data from input and makes decision based on that knowledge.</a:t>
+              <a:t>Can be used for clustering text with similar emotions.</a:t>
             </a:r>
             <a:endParaRPr b="0" lang="en-IN" sz="2800" spc="-1" strike="noStrike">
               <a:latin typeface="Arial"/>
@@ -6006,7 +6352,7 @@
             </a:endParaRPr>
           </a:p>
           <a:p>
-            <a:pPr marL="228600" indent="-227520">
+            <a:pPr marL="228600" indent="-226800">
               <a:lnSpc>
                 <a:spcPct val="90000"/>
               </a:lnSpc>
@@ -6027,7 +6373,7 @@
                 <a:latin typeface="Calibri"/>
                 <a:ea typeface="DejaVu Sans"/>
               </a:rPr>
-              <a:t>This property of LSTM makes it a good candidate for extracting emotion from text.</a:t>
+              <a:t>Before applying KNN we pre-processed the text with the technique of TFIDF(Term frequency inverse document frequency)</a:t>
             </a:r>
             <a:endParaRPr b="0" lang="en-IN" sz="2800" spc="-1" strike="noStrike">
               <a:latin typeface="Arial"/>
@@ -6047,7 +6393,7 @@
             </a:endParaRPr>
           </a:p>
           <a:p>
-            <a:pPr marL="228600" indent="-227520">
+            <a:pPr marL="228600" indent="-226800">
               <a:lnSpc>
                 <a:spcPct val="90000"/>
               </a:lnSpc>
@@ -6068,8 +6414,62 @@
                 <a:latin typeface="Calibri"/>
                 <a:ea typeface="DejaVu Sans"/>
               </a:rPr>
-              <a:t>In data pre-processing, we cleaned the data, and embedded it using tokenizer API of keras.</a:t>
+              <a:t>Using TFIDF, a text can be represented as vector in a vector space</a:t>
             </a:r>
+            <a:endParaRPr b="0" lang="en-IN" sz="2800" spc="-1" strike="noStrike">
+              <a:latin typeface="Arial"/>
+            </a:endParaRPr>
+          </a:p>
+          <a:p>
+            <a:pPr>
+              <a:lnSpc>
+                <a:spcPct val="90000"/>
+              </a:lnSpc>
+              <a:spcBef>
+                <a:spcPts val="1001"/>
+              </a:spcBef>
+            </a:pPr>
+            <a:endParaRPr b="0" lang="en-IN" sz="2800" spc="-1" strike="noStrike">
+              <a:latin typeface="Arial"/>
+            </a:endParaRPr>
+          </a:p>
+          <a:p>
+            <a:pPr marL="228600" indent="-226800">
+              <a:lnSpc>
+                <a:spcPct val="90000"/>
+              </a:lnSpc>
+              <a:spcBef>
+                <a:spcPts val="1001"/>
+              </a:spcBef>
+              <a:buClr>
+                <a:srgbClr val="000000"/>
+              </a:buClr>
+              <a:buFont typeface="Arial"/>
+              <a:buChar char="•"/>
+            </a:pPr>
+            <a:r>
+              <a:rPr b="0" lang="en-IN" sz="2800" spc="-1" strike="noStrike">
+                <a:solidFill>
+                  <a:srgbClr val="000000"/>
+                </a:solidFill>
+                <a:latin typeface="Calibri"/>
+                <a:ea typeface="DejaVu Sans"/>
+              </a:rPr>
+              <a:t>Similarity metric used in KNN is the distance  between the two points in the vector space.</a:t>
+            </a:r>
+            <a:endParaRPr b="0" lang="en-IN" sz="2800" spc="-1" strike="noStrike">
+              <a:latin typeface="Arial"/>
+            </a:endParaRPr>
+          </a:p>
+          <a:p>
+            <a:pPr>
+              <a:lnSpc>
+                <a:spcPct val="90000"/>
+              </a:lnSpc>
+              <a:spcBef>
+                <a:spcPts val="1001"/>
+              </a:spcBef>
+            </a:pPr>
             <a:endParaRPr b="0" lang="en-IN" sz="2800" spc="-1" strike="noStrike">
               <a:latin typeface="Arial"/>
             </a:endParaRPr>
@@ -6140,14 +6540,14 @@
       </p:grpSpPr>
       <p:sp>
         <p:nvSpPr>
-          <p:cNvPr id="200" name="CustomShape 1"/>
+          <p:cNvPr id="201" name="CustomShape 1"/>
           <p:cNvSpPr/>
           <p:nvPr/>
         </p:nvSpPr>
         <p:spPr>
           <a:xfrm>
             <a:off x="838080" y="365040"/>
-            <a:ext cx="10514520" cy="1324440"/>
+            <a:ext cx="10513800" cy="1323720"/>
           </a:xfrm>
           <a:prstGeom prst="rect">
             <a:avLst/>
@@ -6179,9 +6579,161 @@
                 <a:latin typeface="Calibri Light"/>
                 <a:ea typeface="DejaVu Sans"/>
               </a:rPr>
-              <a:t>CNN LSTM</a:t>
+              <a:t>Naïve Bayes </a:t>
             </a:r>
             <a:endParaRPr b="0" lang="en-IN" sz="4400" spc="-1" strike="noStrike">
+              <a:latin typeface="Arial"/>
+            </a:endParaRPr>
+          </a:p>
+        </p:txBody>
+      </p:sp>
+      <p:sp>
+        <p:nvSpPr>
+          <p:cNvPr id="202" name="CustomShape 2"/>
+          <p:cNvSpPr/>
+          <p:nvPr/>
+        </p:nvSpPr>
+        <p:spPr>
+          <a:xfrm>
+            <a:off x="838080" y="1825560"/>
+            <a:ext cx="4169160" cy="4349520"/>
+          </a:xfrm>
+          <a:prstGeom prst="rect">
+            <a:avLst/>
+          </a:prstGeom>
+          <a:noFill/>
+          <a:ln>
+            <a:noFill/>
+          </a:ln>
+        </p:spPr>
+        <p:style>
+          <a:lnRef idx="0"/>
+          <a:fillRef idx="0"/>
+          <a:effectRef idx="0"/>
+          <a:fontRef idx="minor"/>
+        </p:style>
+        <p:txBody>
+          <a:bodyPr lIns="90000" rIns="90000" tIns="45000" bIns="45000"/>
+          <a:p>
+            <a:pPr marL="228600" indent="-226800">
+              <a:lnSpc>
+                <a:spcPct val="90000"/>
+              </a:lnSpc>
+              <a:spcBef>
+                <a:spcPts val="1001"/>
+              </a:spcBef>
+              <a:buClr>
+                <a:srgbClr val="000000"/>
+              </a:buClr>
+              <a:buFont typeface="Arial"/>
+              <a:buChar char="•"/>
+            </a:pPr>
+            <a:r>
+              <a:rPr b="0" lang="en-IN" sz="2800" spc="-1" strike="noStrike">
+                <a:solidFill>
+                  <a:srgbClr val="000000"/>
+                </a:solidFill>
+                <a:latin typeface="Calibri"/>
+                <a:ea typeface="DejaVu Sans"/>
+              </a:rPr>
+              <a:t>For every emotion, we calculate the prior probability.</a:t>
+            </a:r>
+            <a:endParaRPr b="0" lang="en-IN" sz="2800" spc="-1" strike="noStrike">
+              <a:latin typeface="Arial"/>
+            </a:endParaRPr>
+          </a:p>
+          <a:p>
+            <a:pPr marL="228600" indent="-226800">
+              <a:lnSpc>
+                <a:spcPct val="90000"/>
+              </a:lnSpc>
+              <a:spcBef>
+                <a:spcPts val="1001"/>
+              </a:spcBef>
+              <a:buClr>
+                <a:srgbClr val="000000"/>
+              </a:buClr>
+              <a:buFont typeface="Arial"/>
+              <a:buChar char="•"/>
+            </a:pPr>
+            <a:r>
+              <a:rPr b="0" lang="en-IN" sz="2800" spc="-1" strike="noStrike">
+                <a:solidFill>
+                  <a:srgbClr val="000000"/>
+                </a:solidFill>
+                <a:latin typeface="Calibri"/>
+                <a:ea typeface="DejaVu Sans"/>
+              </a:rPr>
+              <a:t>Find the likelihood probability with each phrase for each emotion.</a:t>
+            </a:r>
+            <a:endParaRPr b="0" lang="en-IN" sz="2800" spc="-1" strike="noStrike">
+              <a:latin typeface="Arial"/>
+            </a:endParaRPr>
+          </a:p>
+          <a:p>
+            <a:pPr marL="228600" indent="-226800">
+              <a:lnSpc>
+                <a:spcPct val="90000"/>
+              </a:lnSpc>
+              <a:spcBef>
+                <a:spcPts val="1001"/>
+              </a:spcBef>
+              <a:buClr>
+                <a:srgbClr val="000000"/>
+              </a:buClr>
+              <a:buFont typeface="Arial"/>
+              <a:buChar char="•"/>
+            </a:pPr>
+            <a:r>
+              <a:rPr b="0" lang="en-IN" sz="2800" spc="-1" strike="noStrike">
+                <a:solidFill>
+                  <a:srgbClr val="000000"/>
+                </a:solidFill>
+                <a:latin typeface="Calibri"/>
+                <a:ea typeface="DejaVu Sans"/>
+              </a:rPr>
+              <a:t>Put this in Bayes formula and calculate posterior probability.</a:t>
+            </a:r>
+            <a:endParaRPr b="0" lang="en-IN" sz="2800" spc="-1" strike="noStrike">
+              <a:latin typeface="Arial"/>
+            </a:endParaRPr>
+          </a:p>
+          <a:p>
+            <a:pPr>
+              <a:lnSpc>
+                <a:spcPct val="90000"/>
+              </a:lnSpc>
+              <a:spcBef>
+                <a:spcPts val="1001"/>
+              </a:spcBef>
+            </a:pPr>
+            <a:endParaRPr b="0" lang="en-IN" sz="2800" spc="-1" strike="noStrike">
+              <a:latin typeface="Arial"/>
+            </a:endParaRPr>
+          </a:p>
+          <a:p>
+            <a:pPr>
+              <a:lnSpc>
+                <a:spcPct val="90000"/>
+              </a:lnSpc>
+              <a:spcBef>
+                <a:spcPts val="1001"/>
+              </a:spcBef>
+            </a:pPr>
+            <a:endParaRPr b="0" lang="en-IN" sz="2800" spc="-1" strike="noStrike">
+              <a:latin typeface="Arial"/>
+            </a:endParaRPr>
+          </a:p>
+          <a:p>
+            <a:pPr>
+              <a:lnSpc>
+                <a:spcPct val="90000"/>
+              </a:lnSpc>
+              <a:spcBef>
+                <a:spcPts val="1001"/>
+              </a:spcBef>
+            </a:pPr>
+            <a:endParaRPr b="0" lang="en-IN" sz="2800" spc="-1" strike="noStrike">
               <a:latin typeface="Arial"/>
             </a:endParaRPr>
           </a:p>
@@ -6189,7 +6741,7 @@
       </p:sp>
       <p:pic>
         <p:nvPicPr>
-          <p:cNvPr id="201" name="Content Placeholder 4" descr=""/>
+          <p:cNvPr id="203" name="Picture 4" descr=""/>
           <p:cNvPicPr/>
           <p:nvPr/>
         </p:nvPicPr>
@@ -6199,8 +6751,8 @@
         </p:blipFill>
         <p:spPr>
           <a:xfrm>
-            <a:off x="1508400" y="1690560"/>
-            <a:ext cx="8806680" cy="5141880"/>
+            <a:off x="5103720" y="1690560"/>
+            <a:ext cx="6833520" cy="4072320"/>
           </a:xfrm>
           <a:prstGeom prst="rect">
             <a:avLst/>
@@ -6261,14 +6813,14 @@
       </p:grpSpPr>
       <p:sp>
         <p:nvSpPr>
-          <p:cNvPr id="202" name="CustomShape 1"/>
+          <p:cNvPr id="204" name="CustomShape 1"/>
           <p:cNvSpPr/>
           <p:nvPr/>
         </p:nvSpPr>
         <p:spPr>
           <a:xfrm>
             <a:off x="838080" y="365040"/>
-            <a:ext cx="10514520" cy="1324440"/>
+            <a:ext cx="10513800" cy="1323720"/>
           </a:xfrm>
           <a:prstGeom prst="rect">
             <a:avLst/>
@@ -6300,7 +6852,7 @@
                 <a:latin typeface="Calibri Light"/>
                 <a:ea typeface="DejaVu Sans"/>
               </a:rPr>
-              <a:t>LSTM CNN</a:t>
+              <a:t>LSTM(Long Short Term Memory)</a:t>
             </a:r>
             <a:endParaRPr b="0" lang="en-IN" sz="4400" spc="-1" strike="noStrike">
               <a:latin typeface="Arial"/>
@@ -6308,29 +6860,158 @@
           </a:p>
         </p:txBody>
       </p:sp>
-      <p:pic>
-        <p:nvPicPr>
-          <p:cNvPr id="203" name="Content Placeholder 4" descr=""/>
-          <p:cNvPicPr/>
+      <p:sp>
+        <p:nvSpPr>
+          <p:cNvPr id="205" name="CustomShape 2"/>
+          <p:cNvSpPr/>
           <p:nvPr/>
-        </p:nvPicPr>
-        <p:blipFill>
-          <a:blip r:embed="rId1"/>
-          <a:stretch/>
-        </p:blipFill>
+        </p:nvSpPr>
         <p:spPr>
           <a:xfrm>
-            <a:off x="1169640" y="1521360"/>
-            <a:ext cx="9219240" cy="5465520"/>
+            <a:off x="838080" y="1825560"/>
+            <a:ext cx="10513800" cy="4349520"/>
           </a:xfrm>
           <a:prstGeom prst="rect">
             <a:avLst/>
           </a:prstGeom>
+          <a:noFill/>
           <a:ln>
             <a:noFill/>
           </a:ln>
         </p:spPr>
-      </p:pic>
+        <p:style>
+          <a:lnRef idx="0"/>
+          <a:fillRef idx="0"/>
+          <a:effectRef idx="0"/>
+          <a:fontRef idx="minor"/>
+        </p:style>
+        <p:txBody>
+          <a:bodyPr lIns="90000" rIns="90000" tIns="45000" bIns="45000"/>
+          <a:p>
+            <a:pPr marL="228600" indent="-226800">
+              <a:lnSpc>
+                <a:spcPct val="90000"/>
+              </a:lnSpc>
+              <a:spcBef>
+                <a:spcPts val="1001"/>
+              </a:spcBef>
+              <a:buClr>
+                <a:srgbClr val="000000"/>
+              </a:buClr>
+              <a:buFont typeface="Arial"/>
+              <a:buChar char="•"/>
+            </a:pPr>
+            <a:r>
+              <a:rPr b="0" lang="en-IN" sz="2800" spc="-1" strike="noStrike">
+                <a:solidFill>
+                  <a:srgbClr val="000000"/>
+                </a:solidFill>
+                <a:latin typeface="Calibri"/>
+                <a:ea typeface="DejaVu Sans"/>
+              </a:rPr>
+              <a:t>LSTM has a memory that remembers previous data from input and makes decision based on that knowledge.</a:t>
+            </a:r>
+            <a:endParaRPr b="0" lang="en-IN" sz="2800" spc="-1" strike="noStrike">
+              <a:latin typeface="Arial"/>
+            </a:endParaRPr>
+          </a:p>
+          <a:p>
+            <a:pPr>
+              <a:lnSpc>
+                <a:spcPct val="90000"/>
+              </a:lnSpc>
+              <a:spcBef>
+                <a:spcPts val="1001"/>
+              </a:spcBef>
+            </a:pPr>
+            <a:endParaRPr b="0" lang="en-IN" sz="2800" spc="-1" strike="noStrike">
+              <a:latin typeface="Arial"/>
+            </a:endParaRPr>
+          </a:p>
+          <a:p>
+            <a:pPr marL="228600" indent="-226800">
+              <a:lnSpc>
+                <a:spcPct val="90000"/>
+              </a:lnSpc>
+              <a:spcBef>
+                <a:spcPts val="1001"/>
+              </a:spcBef>
+              <a:buClr>
+                <a:srgbClr val="000000"/>
+              </a:buClr>
+              <a:buFont typeface="Arial"/>
+              <a:buChar char="•"/>
+            </a:pPr>
+            <a:r>
+              <a:rPr b="0" lang="en-IN" sz="2800" spc="-1" strike="noStrike">
+                <a:solidFill>
+                  <a:srgbClr val="000000"/>
+                </a:solidFill>
+                <a:latin typeface="Calibri"/>
+                <a:ea typeface="DejaVu Sans"/>
+              </a:rPr>
+              <a:t>This property of LSTM makes it a good candidate for extracting emotion from text.</a:t>
+            </a:r>
+            <a:endParaRPr b="0" lang="en-IN" sz="2800" spc="-1" strike="noStrike">
+              <a:latin typeface="Arial"/>
+            </a:endParaRPr>
+          </a:p>
+          <a:p>
+            <a:pPr>
+              <a:lnSpc>
+                <a:spcPct val="90000"/>
+              </a:lnSpc>
+              <a:spcBef>
+                <a:spcPts val="1001"/>
+              </a:spcBef>
+            </a:pPr>
+            <a:endParaRPr b="0" lang="en-IN" sz="2800" spc="-1" strike="noStrike">
+              <a:latin typeface="Arial"/>
+            </a:endParaRPr>
+          </a:p>
+          <a:p>
+            <a:pPr marL="228600" indent="-226800">
+              <a:lnSpc>
+                <a:spcPct val="90000"/>
+              </a:lnSpc>
+              <a:spcBef>
+                <a:spcPts val="1001"/>
+              </a:spcBef>
+              <a:buClr>
+                <a:srgbClr val="000000"/>
+              </a:buClr>
+              <a:buFont typeface="Arial"/>
+              <a:buChar char="•"/>
+            </a:pPr>
+            <a:r>
+              <a:rPr b="0" lang="en-IN" sz="2800" spc="-1" strike="noStrike">
+                <a:solidFill>
+                  <a:srgbClr val="000000"/>
+                </a:solidFill>
+                <a:latin typeface="Calibri"/>
+                <a:ea typeface="DejaVu Sans"/>
+              </a:rPr>
+              <a:t>In data pre-processing, we cleaned the data, and embedded it using tokenizer API of keras.</a:t>
+            </a:r>
+            <a:endParaRPr b="0" lang="en-IN" sz="2800" spc="-1" strike="noStrike">
+              <a:latin typeface="Arial"/>
+            </a:endParaRPr>
+          </a:p>
+          <a:p>
+            <a:pPr>
+              <a:lnSpc>
+                <a:spcPct val="90000"/>
+              </a:lnSpc>
+              <a:spcBef>
+                <a:spcPts val="1001"/>
+              </a:spcBef>
+            </a:pPr>
+            <a:endParaRPr b="0" lang="en-IN" sz="2800" spc="-1" strike="noStrike">
+              <a:latin typeface="Arial"/>
+            </a:endParaRPr>
+          </a:p>
+        </p:txBody>
+      </p:sp>
     </p:spTree>
   </p:cSld>
   <p:timing>
@@ -6393,7 +7074,7 @@
         <p:spPr>
           <a:xfrm>
             <a:off x="1947960" y="451440"/>
-            <a:ext cx="8526600" cy="6140160"/>
+            <a:ext cx="8525880" cy="6139440"/>
           </a:xfrm>
           <a:prstGeom prst="rect">
             <a:avLst/>
@@ -6454,14 +7135,14 @@
       </p:grpSpPr>
       <p:sp>
         <p:nvSpPr>
-          <p:cNvPr id="204" name="CustomShape 1"/>
+          <p:cNvPr id="206" name="CustomShape 1"/>
           <p:cNvSpPr/>
           <p:nvPr/>
         </p:nvSpPr>
         <p:spPr>
           <a:xfrm>
             <a:off x="838080" y="365040"/>
-            <a:ext cx="10514520" cy="1324440"/>
+            <a:ext cx="10513800" cy="1323720"/>
           </a:xfrm>
           <a:prstGeom prst="rect">
             <a:avLst/>
@@ -6486,14 +7167,14 @@
               </a:lnSpc>
             </a:pPr>
             <a:r>
-              <a:rPr b="1" lang="en-IN" sz="4400" spc="-1" strike="noStrike">
+              <a:rPr b="0" lang="en-IN" sz="4400" spc="-1" strike="noStrike">
                 <a:solidFill>
                   <a:srgbClr val="000000"/>
                 </a:solidFill>
                 <a:latin typeface="Calibri Light"/>
                 <a:ea typeface="DejaVu Sans"/>
               </a:rPr>
-              <a:t>Multi-label Classification</a:t>
+              <a:t>CNN LSTM</a:t>
             </a:r>
             <a:endParaRPr b="0" lang="en-IN" sz="4400" spc="-1" strike="noStrike">
               <a:latin typeface="Arial"/>
@@ -6501,186 +7182,29 @@
           </a:p>
         </p:txBody>
       </p:sp>
-      <p:sp>
-        <p:nvSpPr>
-          <p:cNvPr id="205" name="CustomShape 2"/>
-          <p:cNvSpPr/>
+      <p:pic>
+        <p:nvPicPr>
+          <p:cNvPr id="207" name="Content Placeholder 4" descr=""/>
+          <p:cNvPicPr/>
           <p:nvPr/>
-        </p:nvSpPr>
+        </p:nvPicPr>
+        <p:blipFill>
+          <a:blip r:embed="rId1"/>
+          <a:stretch/>
+        </p:blipFill>
         <p:spPr>
           <a:xfrm>
-            <a:off x="838080" y="1825560"/>
-            <a:ext cx="10514520" cy="4350240"/>
+            <a:off x="1508400" y="1690560"/>
+            <a:ext cx="8805960" cy="5141160"/>
           </a:xfrm>
           <a:prstGeom prst="rect">
             <a:avLst/>
           </a:prstGeom>
-          <a:noFill/>
           <a:ln>
             <a:noFill/>
           </a:ln>
         </p:spPr>
-        <p:style>
-          <a:lnRef idx="0"/>
-          <a:fillRef idx="0"/>
-          <a:effectRef idx="0"/>
-          <a:fontRef idx="minor"/>
-        </p:style>
-        <p:txBody>
-          <a:bodyPr lIns="90000" rIns="90000" tIns="45000" bIns="45000"/>
-          <a:p>
-            <a:pPr marL="457200">
-              <a:lnSpc>
-                <a:spcPct val="90000"/>
-              </a:lnSpc>
-              <a:spcBef>
-                <a:spcPts val="499"/>
-              </a:spcBef>
-            </a:pPr>
-            <a:endParaRPr b="0" lang="en-IN" sz="1800" spc="-1" strike="noStrike">
-              <a:latin typeface="Arial"/>
-            </a:endParaRPr>
-          </a:p>
-          <a:p>
-            <a:pPr marL="228600" indent="-227520">
-              <a:lnSpc>
-                <a:spcPct val="90000"/>
-              </a:lnSpc>
-              <a:spcBef>
-                <a:spcPts val="1001"/>
-              </a:spcBef>
-              <a:buClr>
-                <a:srgbClr val="000000"/>
-              </a:buClr>
-              <a:buFont typeface="Arial"/>
-              <a:buChar char="•"/>
-            </a:pPr>
-            <a:r>
-              <a:rPr b="0" lang="en-IN" sz="2800" spc="-1" strike="noStrike">
-                <a:solidFill>
-                  <a:srgbClr val="000000"/>
-                </a:solidFill>
-                <a:latin typeface="Calibri"/>
-                <a:ea typeface="DejaVu Sans"/>
-              </a:rPr>
-              <a:t>Naïve Bayes</a:t>
-            </a:r>
-            <a:endParaRPr b="0" lang="en-IN" sz="2800" spc="-1" strike="noStrike">
-              <a:latin typeface="Arial"/>
-            </a:endParaRPr>
-          </a:p>
-          <a:p>
-            <a:pPr lvl="1" marL="685800" indent="-227520">
-              <a:lnSpc>
-                <a:spcPct val="90000"/>
-              </a:lnSpc>
-              <a:spcBef>
-                <a:spcPts val="499"/>
-              </a:spcBef>
-              <a:buClr>
-                <a:srgbClr val="000000"/>
-              </a:buClr>
-              <a:buFont typeface="Arial"/>
-              <a:buChar char="•"/>
-            </a:pPr>
-            <a:r>
-              <a:rPr b="0" lang="en-IN" sz="2400" spc="-1" strike="noStrike">
-                <a:solidFill>
-                  <a:srgbClr val="000000"/>
-                </a:solidFill>
-                <a:latin typeface="Calibri"/>
-                <a:ea typeface="DejaVu Sans"/>
-              </a:rPr>
-              <a:t>Combined One vs Rest approach with Naïve Bayes, to classify text into multiple emotion classes.</a:t>
-            </a:r>
-            <a:endParaRPr b="0" lang="en-IN" sz="2400" spc="-1" strike="noStrike">
-              <a:latin typeface="Arial"/>
-            </a:endParaRPr>
-          </a:p>
-          <a:p>
-            <a:pPr marL="457200">
-              <a:lnSpc>
-                <a:spcPct val="90000"/>
-              </a:lnSpc>
-              <a:spcBef>
-                <a:spcPts val="499"/>
-              </a:spcBef>
-            </a:pPr>
-            <a:endParaRPr b="0" lang="en-IN" sz="2400" spc="-1" strike="noStrike">
-              <a:latin typeface="Arial"/>
-            </a:endParaRPr>
-          </a:p>
-          <a:p>
-            <a:pPr marL="228600" indent="-227520">
-              <a:lnSpc>
-                <a:spcPct val="90000"/>
-              </a:lnSpc>
-              <a:spcBef>
-                <a:spcPts val="1001"/>
-              </a:spcBef>
-              <a:buClr>
-                <a:srgbClr val="000000"/>
-              </a:buClr>
-              <a:buFont typeface="Arial"/>
-              <a:buChar char="•"/>
-            </a:pPr>
-            <a:r>
-              <a:rPr b="0" lang="en-IN" sz="2800" spc="-1" strike="noStrike">
-                <a:solidFill>
-                  <a:srgbClr val="000000"/>
-                </a:solidFill>
-                <a:latin typeface="Calibri"/>
-                <a:ea typeface="DejaVu Sans"/>
-              </a:rPr>
-              <a:t>K-nearest neighbour</a:t>
-            </a:r>
-            <a:endParaRPr b="0" lang="en-IN" sz="2800" spc="-1" strike="noStrike">
-              <a:latin typeface="Arial"/>
-            </a:endParaRPr>
-          </a:p>
-          <a:p>
-            <a:pPr lvl="1" marL="685800" indent="-227520">
-              <a:lnSpc>
-                <a:spcPct val="90000"/>
-              </a:lnSpc>
-              <a:spcBef>
-                <a:spcPts val="499"/>
-              </a:spcBef>
-              <a:buClr>
-                <a:srgbClr val="000000"/>
-              </a:buClr>
-              <a:buFont typeface="Arial"/>
-              <a:buChar char="•"/>
-            </a:pPr>
-            <a:r>
-              <a:rPr b="0" lang="en-IN" sz="2400" spc="-1" strike="noStrike">
-                <a:solidFill>
-                  <a:srgbClr val="000000"/>
-                </a:solidFill>
-                <a:latin typeface="Calibri"/>
-                <a:ea typeface="DejaVu Sans"/>
-              </a:rPr>
-              <a:t>Predicts multiple emotion for a given text based on its neighbours.</a:t>
-            </a:r>
-            <a:endParaRPr b="0" lang="en-IN" sz="2400" spc="-1" strike="noStrike">
-              <a:latin typeface="Arial"/>
-            </a:endParaRPr>
-          </a:p>
-          <a:p>
-            <a:pPr marL="457200">
-              <a:lnSpc>
-                <a:spcPct val="90000"/>
-              </a:lnSpc>
-              <a:spcBef>
-                <a:spcPts val="499"/>
-              </a:spcBef>
-            </a:pPr>
-            <a:endParaRPr b="0" lang="en-IN" sz="2400" spc="-1" strike="noStrike">
-              <a:latin typeface="Arial"/>
-            </a:endParaRPr>
-          </a:p>
-        </p:txBody>
-      </p:sp>
+      </p:pic>
     </p:spTree>
   </p:cSld>
   <p:timing>
@@ -6730,9 +7254,408 @@
           <a:chExt cx="0" cy="0"/>
         </a:xfrm>
       </p:grpSpPr>
+      <p:sp>
+        <p:nvSpPr>
+          <p:cNvPr id="208" name="CustomShape 1"/>
+          <p:cNvSpPr/>
+          <p:nvPr/>
+        </p:nvSpPr>
+        <p:spPr>
+          <a:xfrm>
+            <a:off x="838080" y="365040"/>
+            <a:ext cx="10513800" cy="1323720"/>
+          </a:xfrm>
+          <a:prstGeom prst="rect">
+            <a:avLst/>
+          </a:prstGeom>
+          <a:noFill/>
+          <a:ln>
+            <a:noFill/>
+          </a:ln>
+        </p:spPr>
+        <p:style>
+          <a:lnRef idx="0"/>
+          <a:fillRef idx="0"/>
+          <a:effectRef idx="0"/>
+          <a:fontRef idx="minor"/>
+        </p:style>
+        <p:txBody>
+          <a:bodyPr lIns="90000" rIns="90000" tIns="45000" bIns="45000" anchor="ctr"/>
+          <a:p>
+            <a:pPr>
+              <a:lnSpc>
+                <a:spcPct val="90000"/>
+              </a:lnSpc>
+            </a:pPr>
+            <a:r>
+              <a:rPr b="0" lang="en-IN" sz="4400" spc="-1" strike="noStrike">
+                <a:solidFill>
+                  <a:srgbClr val="000000"/>
+                </a:solidFill>
+                <a:latin typeface="Calibri Light"/>
+                <a:ea typeface="DejaVu Sans"/>
+              </a:rPr>
+              <a:t>LSTM CNN</a:t>
+            </a:r>
+            <a:endParaRPr b="0" lang="en-IN" sz="4400" spc="-1" strike="noStrike">
+              <a:latin typeface="Arial"/>
+            </a:endParaRPr>
+          </a:p>
+        </p:txBody>
+      </p:sp>
+      <p:pic>
+        <p:nvPicPr>
+          <p:cNvPr id="209" name="Content Placeholder 4" descr=""/>
+          <p:cNvPicPr/>
+          <p:nvPr/>
+        </p:nvPicPr>
+        <p:blipFill>
+          <a:blip r:embed="rId1"/>
+          <a:stretch/>
+        </p:blipFill>
+        <p:spPr>
+          <a:xfrm>
+            <a:off x="1169640" y="1521360"/>
+            <a:ext cx="9218520" cy="5464800"/>
+          </a:xfrm>
+          <a:prstGeom prst="rect">
+            <a:avLst/>
+          </a:prstGeom>
+          <a:ln>
+            <a:noFill/>
+          </a:ln>
+        </p:spPr>
+      </p:pic>
+    </p:spTree>
+  </p:cSld>
+  <p:timing>
+    <p:tnLst>
+      <p:par>
+        <p:cTn id="41" dur="indefinite" restart="never" nodeType="tmRoot">
+          <p:childTnLst>
+            <p:seq>
+              <p:cTn id="42" dur="indefinite" nodeType="mainSeq"/>
+              <p:prevCondLst>
+                <p:cond delay="0" evt="onPrev">
+                  <p:tgtEl>
+                    <p:sldTgt/>
+                  </p:tgtEl>
+                </p:cond>
+              </p:prevCondLst>
+              <p:nextCondLst>
+                <p:cond delay="0" evt="onNext">
+                  <p:tgtEl>
+                    <p:sldTgt/>
+                  </p:tgtEl>
+                </p:cond>
+              </p:nextCondLst>
+            </p:seq>
+          </p:childTnLst>
+        </p:cTn>
+      </p:par>
+    </p:tnLst>
+  </p:timing>
+</p:sld>
+</file>
+
+<file path=ppt/slides/slide22.xml><?xml version="1.0" encoding="utf-8"?>
+<p:sld xmlns:a="http://schemas.openxmlformats.org/drawingml/2006/main" xmlns:p="http://schemas.openxmlformats.org/presentationml/2006/main" xmlns:r="http://schemas.openxmlformats.org/officeDocument/2006/relationships" xmlns:p14="http://schemas.microsoft.com/office/powerpoint/2010/main" xmlns:p15="http://schemas.microsoft.com/office/powerpoint/2012/main" xmlns:mc="http://schemas.openxmlformats.org/markup-compatibility/2006">
+  <p:cSld>
+    <p:spTree>
+      <p:nvGrpSpPr>
+        <p:cNvPr id="1" name=""/>
+        <p:cNvGrpSpPr/>
+        <p:nvPr/>
+      </p:nvGrpSpPr>
+      <p:grpSpPr>
+        <a:xfrm>
+          <a:off x="0" y="0"/>
+          <a:ext cx="0" cy="0"/>
+          <a:chOff x="0" y="0"/>
+          <a:chExt cx="0" cy="0"/>
+        </a:xfrm>
+      </p:grpSpPr>
+      <p:sp>
+        <p:nvSpPr>
+          <p:cNvPr id="210" name="CustomShape 1"/>
+          <p:cNvSpPr/>
+          <p:nvPr/>
+        </p:nvSpPr>
+        <p:spPr>
+          <a:xfrm>
+            <a:off x="838080" y="365040"/>
+            <a:ext cx="10513800" cy="1323720"/>
+          </a:xfrm>
+          <a:prstGeom prst="rect">
+            <a:avLst/>
+          </a:prstGeom>
+          <a:noFill/>
+          <a:ln>
+            <a:noFill/>
+          </a:ln>
+        </p:spPr>
+        <p:style>
+          <a:lnRef idx="0"/>
+          <a:fillRef idx="0"/>
+          <a:effectRef idx="0"/>
+          <a:fontRef idx="minor"/>
+        </p:style>
+        <p:txBody>
+          <a:bodyPr lIns="90000" rIns="90000" tIns="45000" bIns="45000" anchor="ctr"/>
+          <a:p>
+            <a:pPr>
+              <a:lnSpc>
+                <a:spcPct val="90000"/>
+              </a:lnSpc>
+            </a:pPr>
+            <a:r>
+              <a:rPr b="1" lang="en-IN" sz="4400" spc="-1" strike="noStrike">
+                <a:solidFill>
+                  <a:srgbClr val="000000"/>
+                </a:solidFill>
+                <a:latin typeface="Calibri Light"/>
+                <a:ea typeface="DejaVu Sans"/>
+              </a:rPr>
+              <a:t>Multi-label Classification</a:t>
+            </a:r>
+            <a:endParaRPr b="0" lang="en-IN" sz="4400" spc="-1" strike="noStrike">
+              <a:latin typeface="Arial"/>
+            </a:endParaRPr>
+          </a:p>
+        </p:txBody>
+      </p:sp>
+      <p:sp>
+        <p:nvSpPr>
+          <p:cNvPr id="211" name="CustomShape 2"/>
+          <p:cNvSpPr/>
+          <p:nvPr/>
+        </p:nvSpPr>
+        <p:spPr>
+          <a:xfrm>
+            <a:off x="838080" y="1825560"/>
+            <a:ext cx="10513800" cy="4349520"/>
+          </a:xfrm>
+          <a:prstGeom prst="rect">
+            <a:avLst/>
+          </a:prstGeom>
+          <a:noFill/>
+          <a:ln>
+            <a:noFill/>
+          </a:ln>
+        </p:spPr>
+        <p:style>
+          <a:lnRef idx="0"/>
+          <a:fillRef idx="0"/>
+          <a:effectRef idx="0"/>
+          <a:fontRef idx="minor"/>
+        </p:style>
+        <p:txBody>
+          <a:bodyPr lIns="90000" rIns="90000" tIns="45000" bIns="45000"/>
+          <a:p>
+            <a:pPr marL="457200">
+              <a:lnSpc>
+                <a:spcPct val="90000"/>
+              </a:lnSpc>
+              <a:spcBef>
+                <a:spcPts val="499"/>
+              </a:spcBef>
+            </a:pPr>
+            <a:endParaRPr b="0" lang="en-IN" sz="1800" spc="-1" strike="noStrike">
+              <a:latin typeface="Arial"/>
+            </a:endParaRPr>
+          </a:p>
+          <a:p>
+            <a:pPr marL="228600" indent="-226800">
+              <a:lnSpc>
+                <a:spcPct val="90000"/>
+              </a:lnSpc>
+              <a:spcBef>
+                <a:spcPts val="1001"/>
+              </a:spcBef>
+              <a:buClr>
+                <a:srgbClr val="000000"/>
+              </a:buClr>
+              <a:buFont typeface="Arial"/>
+              <a:buChar char="•"/>
+            </a:pPr>
+            <a:r>
+              <a:rPr b="0" lang="en-IN" sz="2800" spc="-1" strike="noStrike">
+                <a:solidFill>
+                  <a:srgbClr val="000000"/>
+                </a:solidFill>
+                <a:latin typeface="Calibri"/>
+                <a:ea typeface="DejaVu Sans"/>
+              </a:rPr>
+              <a:t>Naïve Bayes</a:t>
+            </a:r>
+            <a:endParaRPr b="0" lang="en-IN" sz="2800" spc="-1" strike="noStrike">
+              <a:latin typeface="Arial"/>
+            </a:endParaRPr>
+          </a:p>
+          <a:p>
+            <a:pPr lvl="1" marL="685800" indent="-226800">
+              <a:lnSpc>
+                <a:spcPct val="90000"/>
+              </a:lnSpc>
+              <a:spcBef>
+                <a:spcPts val="499"/>
+              </a:spcBef>
+              <a:buClr>
+                <a:srgbClr val="000000"/>
+              </a:buClr>
+              <a:buFont typeface="Arial"/>
+              <a:buChar char="•"/>
+            </a:pPr>
+            <a:r>
+              <a:rPr b="0" lang="en-IN" sz="2400" spc="-1" strike="noStrike">
+                <a:solidFill>
+                  <a:srgbClr val="000000"/>
+                </a:solidFill>
+                <a:latin typeface="Calibri"/>
+                <a:ea typeface="DejaVu Sans"/>
+              </a:rPr>
+              <a:t>Combined One vs Rest approach with Naïve Bayes, to classify text into multiple emotion classes.</a:t>
+            </a:r>
+            <a:endParaRPr b="0" lang="en-IN" sz="2400" spc="-1" strike="noStrike">
+              <a:latin typeface="Arial"/>
+            </a:endParaRPr>
+          </a:p>
+          <a:p>
+            <a:pPr marL="457200">
+              <a:lnSpc>
+                <a:spcPct val="90000"/>
+              </a:lnSpc>
+              <a:spcBef>
+                <a:spcPts val="499"/>
+              </a:spcBef>
+            </a:pPr>
+            <a:endParaRPr b="0" lang="en-IN" sz="2400" spc="-1" strike="noStrike">
+              <a:latin typeface="Arial"/>
+            </a:endParaRPr>
+          </a:p>
+          <a:p>
+            <a:pPr marL="228600" indent="-226800">
+              <a:lnSpc>
+                <a:spcPct val="90000"/>
+              </a:lnSpc>
+              <a:spcBef>
+                <a:spcPts val="1001"/>
+              </a:spcBef>
+              <a:buClr>
+                <a:srgbClr val="000000"/>
+              </a:buClr>
+              <a:buFont typeface="Arial"/>
+              <a:buChar char="•"/>
+            </a:pPr>
+            <a:r>
+              <a:rPr b="0" lang="en-IN" sz="2800" spc="-1" strike="noStrike">
+                <a:solidFill>
+                  <a:srgbClr val="000000"/>
+                </a:solidFill>
+                <a:latin typeface="Calibri"/>
+                <a:ea typeface="DejaVu Sans"/>
+              </a:rPr>
+              <a:t>K-nearest neighbour</a:t>
+            </a:r>
+            <a:endParaRPr b="0" lang="en-IN" sz="2800" spc="-1" strike="noStrike">
+              <a:latin typeface="Arial"/>
+            </a:endParaRPr>
+          </a:p>
+          <a:p>
+            <a:pPr lvl="1" marL="685800" indent="-226800">
+              <a:lnSpc>
+                <a:spcPct val="90000"/>
+              </a:lnSpc>
+              <a:spcBef>
+                <a:spcPts val="499"/>
+              </a:spcBef>
+              <a:buClr>
+                <a:srgbClr val="000000"/>
+              </a:buClr>
+              <a:buFont typeface="Arial"/>
+              <a:buChar char="•"/>
+            </a:pPr>
+            <a:r>
+              <a:rPr b="0" lang="en-IN" sz="2400" spc="-1" strike="noStrike">
+                <a:solidFill>
+                  <a:srgbClr val="000000"/>
+                </a:solidFill>
+                <a:latin typeface="Calibri"/>
+                <a:ea typeface="DejaVu Sans"/>
+              </a:rPr>
+              <a:t>Predicts multiple emotion for a given text based on its neighbours.</a:t>
+            </a:r>
+            <a:endParaRPr b="0" lang="en-IN" sz="2400" spc="-1" strike="noStrike">
+              <a:latin typeface="Arial"/>
+            </a:endParaRPr>
+          </a:p>
+          <a:p>
+            <a:pPr marL="457200">
+              <a:lnSpc>
+                <a:spcPct val="90000"/>
+              </a:lnSpc>
+              <a:spcBef>
+                <a:spcPts val="499"/>
+              </a:spcBef>
+            </a:pPr>
+            <a:endParaRPr b="0" lang="en-IN" sz="2400" spc="-1" strike="noStrike">
+              <a:latin typeface="Arial"/>
+            </a:endParaRPr>
+          </a:p>
+        </p:txBody>
+      </p:sp>
+    </p:spTree>
+  </p:cSld>
+  <p:timing>
+    <p:tnLst>
+      <p:par>
+        <p:cTn id="43" dur="indefinite" restart="never" nodeType="tmRoot">
+          <p:childTnLst>
+            <p:seq>
+              <p:cTn id="44" dur="indefinite" nodeType="mainSeq"/>
+              <p:prevCondLst>
+                <p:cond delay="0" evt="onPrev">
+                  <p:tgtEl>
+                    <p:sldTgt/>
+                  </p:tgtEl>
+                </p:cond>
+              </p:prevCondLst>
+              <p:nextCondLst>
+                <p:cond delay="0" evt="onNext">
+                  <p:tgtEl>
+                    <p:sldTgt/>
+                  </p:tgtEl>
+                </p:cond>
+              </p:nextCondLst>
+            </p:seq>
+          </p:childTnLst>
+        </p:cTn>
+      </p:par>
+    </p:tnLst>
+  </p:timing>
+</p:sld>
+</file>
+
+<file path=ppt/slides/slide23.xml><?xml version="1.0" encoding="utf-8"?>
+<p:sld xmlns:a="http://schemas.openxmlformats.org/drawingml/2006/main" xmlns:p="http://schemas.openxmlformats.org/presentationml/2006/main" xmlns:r="http://schemas.openxmlformats.org/officeDocument/2006/relationships" xmlns:p14="http://schemas.microsoft.com/office/powerpoint/2010/main" xmlns:p15="http://schemas.microsoft.com/office/powerpoint/2012/main" xmlns:mc="http://schemas.openxmlformats.org/markup-compatibility/2006">
+  <p:cSld>
+    <p:spTree>
+      <p:nvGrpSpPr>
+        <p:cNvPr id="1" name=""/>
+        <p:cNvGrpSpPr/>
+        <p:nvPr/>
+      </p:nvGrpSpPr>
+      <p:grpSpPr>
+        <a:xfrm>
+          <a:off x="0" y="0"/>
+          <a:ext cx="0" cy="0"/>
+          <a:chOff x="0" y="0"/>
+          <a:chExt cx="0" cy="0"/>
+        </a:xfrm>
+      </p:grpSpPr>
       <p:graphicFrame>
         <p:nvGraphicFramePr>
-          <p:cNvPr id="206" name="Table 1"/>
+          <p:cNvPr id="212" name="Table 1"/>
           <p:cNvGraphicFramePr/>
           <p:nvPr/>
         </p:nvGraphicFramePr>
@@ -7605,14 +8528,14 @@
       </p:graphicFrame>
       <p:sp>
         <p:nvSpPr>
-          <p:cNvPr id="207" name="CustomShape 2"/>
+          <p:cNvPr id="213" name="CustomShape 2"/>
           <p:cNvSpPr/>
           <p:nvPr/>
         </p:nvSpPr>
         <p:spPr>
           <a:xfrm>
             <a:off x="2664000" y="936000"/>
-            <a:ext cx="8939160" cy="562680"/>
+            <a:ext cx="8938440" cy="561960"/>
           </a:xfrm>
           <a:prstGeom prst="rect">
             <a:avLst/>
@@ -7642,6 +8565,7 @@
                   <a:srgbClr val="000000"/>
                 </a:solidFill>
                 <a:latin typeface="Calibri Light"/>
+                <a:ea typeface="DejaVu Sans"/>
               </a:rPr>
               <a:t>Performance of various models</a:t>
             </a:r>
@@ -7656,10 +8580,10 @@
   <p:timing>
     <p:tnLst>
       <p:par>
-        <p:cTn id="41" dur="indefinite" restart="never" nodeType="tmRoot">
+        <p:cTn id="45" dur="indefinite" restart="never" nodeType="tmRoot">
           <p:childTnLst>
             <p:seq>
-              <p:cTn id="42" dur="indefinite" nodeType="mainSeq"/>
+              <p:cTn id="46" dur="indefinite" nodeType="mainSeq"/>
               <p:prevCondLst>
                 <p:cond delay="0" evt="onPrev">
                   <p:tgtEl>
@@ -7683,7 +8607,7 @@
 </p:sld>
 </file>
 
-<file path=ppt/slides/slide22.xml><?xml version="1.0" encoding="utf-8"?>
+<file path=ppt/slides/slide24.xml><?xml version="1.0" encoding="utf-8"?>
 <p:sld xmlns:a="http://schemas.openxmlformats.org/drawingml/2006/main" xmlns:p="http://schemas.openxmlformats.org/presentationml/2006/main" xmlns:r="http://schemas.openxmlformats.org/officeDocument/2006/relationships" xmlns:p14="http://schemas.microsoft.com/office/powerpoint/2010/main" xmlns:p15="http://schemas.microsoft.com/office/powerpoint/2012/main" xmlns:mc="http://schemas.openxmlformats.org/markup-compatibility/2006">
   <p:cSld>
     <p:spTree>
@@ -7702,14 +8626,14 @@
       </p:grpSpPr>
       <p:sp>
         <p:nvSpPr>
-          <p:cNvPr id="208" name="CustomShape 1"/>
+          <p:cNvPr id="214" name="CustomShape 1"/>
           <p:cNvSpPr/>
           <p:nvPr/>
         </p:nvSpPr>
         <p:spPr>
           <a:xfrm>
             <a:off x="838080" y="365040"/>
-            <a:ext cx="10514520" cy="1324440"/>
+            <a:ext cx="10513800" cy="1323720"/>
           </a:xfrm>
           <a:prstGeom prst="rect">
             <a:avLst/>
@@ -7751,14 +8675,14 @@
       </p:sp>
       <p:sp>
         <p:nvSpPr>
-          <p:cNvPr id="209" name="CustomShape 2"/>
+          <p:cNvPr id="215" name="CustomShape 2"/>
           <p:cNvSpPr/>
           <p:nvPr/>
         </p:nvSpPr>
         <p:spPr>
           <a:xfrm>
             <a:off x="864000" y="1597680"/>
-            <a:ext cx="10171440" cy="3417120"/>
+            <a:ext cx="10170720" cy="3416400"/>
           </a:xfrm>
           <a:prstGeom prst="rect">
             <a:avLst/>
@@ -7983,10 +8907,10 @@
   <p:timing>
     <p:tnLst>
       <p:par>
-        <p:cTn id="43" dur="indefinite" restart="never" nodeType="tmRoot">
+        <p:cTn id="47" dur="indefinite" restart="never" nodeType="tmRoot">
           <p:childTnLst>
             <p:seq>
-              <p:cTn id="44" dur="indefinite" nodeType="mainSeq"/>
+              <p:cTn id="48" dur="indefinite" nodeType="mainSeq"/>
               <p:prevCondLst>
                 <p:cond delay="0" evt="onPrev">
                   <p:tgtEl>
@@ -8010,7 +8934,7 @@
 </p:sld>
 </file>
 
-<file path=ppt/slides/slide23.xml><?xml version="1.0" encoding="utf-8"?>
+<file path=ppt/slides/slide25.xml><?xml version="1.0" encoding="utf-8"?>
 <p:sld xmlns:a="http://schemas.openxmlformats.org/drawingml/2006/main" xmlns:p="http://schemas.openxmlformats.org/presentationml/2006/main" xmlns:r="http://schemas.openxmlformats.org/officeDocument/2006/relationships" xmlns:p14="http://schemas.microsoft.com/office/powerpoint/2010/main" xmlns:p15="http://schemas.microsoft.com/office/powerpoint/2012/main" xmlns:mc="http://schemas.openxmlformats.org/markup-compatibility/2006">
   <p:cSld>
     <p:spTree>
@@ -8029,7 +8953,7 @@
       </p:grpSpPr>
       <p:pic>
         <p:nvPicPr>
-          <p:cNvPr id="210" name="" descr=""/>
+          <p:cNvPr id="216" name="" descr=""/>
           <p:cNvPicPr/>
           <p:nvPr/>
         </p:nvPicPr>
@@ -8040,7 +8964,7 @@
         <p:spPr>
           <a:xfrm>
             <a:off x="1603800" y="36000"/>
-            <a:ext cx="8763480" cy="5831280"/>
+            <a:ext cx="8762760" cy="5830560"/>
           </a:xfrm>
           <a:prstGeom prst="rect">
             <a:avLst/>
@@ -8055,10 +8979,10 @@
   <p:timing>
     <p:tnLst>
       <p:par>
-        <p:cTn id="45" dur="indefinite" restart="never" nodeType="tmRoot">
+        <p:cTn id="49" dur="indefinite" restart="never" nodeType="tmRoot">
           <p:childTnLst>
             <p:seq>
-              <p:cTn id="46" dur="indefinite" nodeType="mainSeq"/>
+              <p:cTn id="50" dur="indefinite" nodeType="mainSeq"/>
               <p:prevCondLst>
                 <p:cond delay="0" evt="onPrev">
                   <p:tgtEl>
@@ -8108,7 +9032,7 @@
         <p:spPr>
           <a:xfrm>
             <a:off x="838080" y="365040"/>
-            <a:ext cx="10514520" cy="1324440"/>
+            <a:ext cx="10513800" cy="1323720"/>
           </a:xfrm>
           <a:prstGeom prst="rect">
             <a:avLst/>
@@ -8157,9 +9081,9 @@
         <p:grpSpPr>
           <a:xfrm>
             <a:off x="297360" y="3457440"/>
-            <a:ext cx="11675880" cy="1060560"/>
+            <a:ext cx="11675160" cy="1059840"/>
             <a:chOff x="297360" y="3457440"/>
-            <a:chExt cx="11675880" cy="1060560"/>
+            <a:chExt cx="11675160" cy="1059840"/>
           </a:xfrm>
         </p:grpSpPr>
         <p:sp>
@@ -8171,7 +9095,7 @@
           <p:spPr>
             <a:xfrm>
               <a:off x="297360" y="3457440"/>
-              <a:ext cx="1768320" cy="1060560"/>
+              <a:ext cx="1767600" cy="1059840"/>
             </a:xfrm>
             <a:prstGeom prst="roundRect">
               <a:avLst>
@@ -8240,7 +9164,7 @@
           <p:spPr>
             <a:xfrm>
               <a:off x="2243520" y="3768480"/>
-              <a:ext cx="374040" cy="437760"/>
+              <a:ext cx="373320" cy="437040"/>
             </a:xfrm>
             <a:prstGeom prst="rightArrow">
               <a:avLst>
@@ -8276,7 +9200,7 @@
           <p:spPr>
             <a:xfrm>
               <a:off x="2774160" y="3457440"/>
-              <a:ext cx="1768320" cy="1060560"/>
+              <a:ext cx="1767600" cy="1059840"/>
             </a:xfrm>
             <a:prstGeom prst="roundRect">
               <a:avLst>
@@ -8345,7 +9269,7 @@
           <p:spPr>
             <a:xfrm>
               <a:off x="4720320" y="3768480"/>
-              <a:ext cx="374040" cy="437760"/>
+              <a:ext cx="373320" cy="437040"/>
             </a:xfrm>
             <a:prstGeom prst="rightArrow">
               <a:avLst>
@@ -8381,7 +9305,7 @@
           <p:spPr>
             <a:xfrm>
               <a:off x="5250960" y="3457440"/>
-              <a:ext cx="1768320" cy="1060560"/>
+              <a:ext cx="1767600" cy="1059840"/>
             </a:xfrm>
             <a:prstGeom prst="roundRect">
               <a:avLst>
@@ -8450,7 +9374,7 @@
           <p:spPr>
             <a:xfrm>
               <a:off x="7197480" y="3768480"/>
-              <a:ext cx="374040" cy="437760"/>
+              <a:ext cx="373320" cy="437040"/>
             </a:xfrm>
             <a:prstGeom prst="rightArrow">
               <a:avLst>
@@ -8486,7 +9410,7 @@
           <p:spPr>
             <a:xfrm>
               <a:off x="7728120" y="3457440"/>
-              <a:ext cx="1768320" cy="1060560"/>
+              <a:ext cx="1767600" cy="1059840"/>
             </a:xfrm>
             <a:prstGeom prst="roundRect">
               <a:avLst>
@@ -8555,7 +9479,7 @@
           <p:spPr>
             <a:xfrm>
               <a:off x="9674280" y="3768480"/>
-              <a:ext cx="374040" cy="437760"/>
+              <a:ext cx="373320" cy="437040"/>
             </a:xfrm>
             <a:prstGeom prst="rightArrow">
               <a:avLst>
@@ -8591,7 +9515,7 @@
           <p:spPr>
             <a:xfrm>
               <a:off x="10204920" y="3457440"/>
-              <a:ext cx="1768320" cy="1060560"/>
+              <a:ext cx="1767600" cy="1059840"/>
             </a:xfrm>
             <a:prstGeom prst="roundRect">
               <a:avLst>
@@ -8724,8 +9648,332 @@
         </p:nvSpPr>
         <p:spPr>
           <a:xfrm>
+            <a:off x="1296000" y="792000"/>
+            <a:ext cx="6983640" cy="542520"/>
+          </a:xfrm>
+          <a:prstGeom prst="rect">
+            <a:avLst/>
+          </a:prstGeom>
+          <a:noFill/>
+          <a:ln>
+            <a:noFill/>
+          </a:ln>
+        </p:spPr>
+        <p:style>
+          <a:lnRef idx="0"/>
+          <a:fillRef idx="0"/>
+          <a:effectRef idx="0"/>
+          <a:fontRef idx="minor"/>
+        </p:style>
+        <p:txBody>
+          <a:bodyPr lIns="90000" rIns="90000" tIns="45000" bIns="45000"/>
+          <a:p>
+            <a:pPr>
+              <a:lnSpc>
+                <a:spcPct val="100000"/>
+              </a:lnSpc>
+            </a:pPr>
+            <a:r>
+              <a:rPr b="1" lang="en-IN" sz="3200" spc="-1" strike="noStrike">
+                <a:latin typeface="Arial"/>
+              </a:rPr>
+              <a:t>Dataset Visualization</a:t>
+            </a:r>
+            <a:endParaRPr b="0" lang="en-IN" sz="3200" spc="-1" strike="noStrike">
+              <a:latin typeface="Arial"/>
+            </a:endParaRPr>
+          </a:p>
+        </p:txBody>
+      </p:sp>
+      <p:pic>
+        <p:nvPicPr>
+          <p:cNvPr id="92" name="" descr=""/>
+          <p:cNvPicPr/>
+          <p:nvPr/>
+        </p:nvPicPr>
+        <p:blipFill>
+          <a:blip r:embed="rId1"/>
+          <a:stretch/>
+        </p:blipFill>
+        <p:spPr>
+          <a:xfrm>
+            <a:off x="2232000" y="1440000"/>
+            <a:ext cx="6983640" cy="4574160"/>
+          </a:xfrm>
+          <a:prstGeom prst="rect">
+            <a:avLst/>
+          </a:prstGeom>
+          <a:ln>
+            <a:noFill/>
+          </a:ln>
+        </p:spPr>
+      </p:pic>
+      <p:sp>
+        <p:nvSpPr>
+          <p:cNvPr id="93" name="CustomShape 2"/>
+          <p:cNvSpPr/>
+          <p:nvPr/>
+        </p:nvSpPr>
+        <p:spPr>
+          <a:xfrm>
+            <a:off x="3672000" y="5967000"/>
+            <a:ext cx="4967640" cy="656640"/>
+          </a:xfrm>
+          <a:prstGeom prst="rect">
+            <a:avLst/>
+          </a:prstGeom>
+          <a:noFill/>
+          <a:ln>
+            <a:noFill/>
+          </a:ln>
+        </p:spPr>
+        <p:style>
+          <a:lnRef idx="0"/>
+          <a:fillRef idx="0"/>
+          <a:effectRef idx="0"/>
+          <a:fontRef idx="minor"/>
+        </p:style>
+        <p:txBody>
+          <a:bodyPr lIns="90000" rIns="90000" tIns="45000" bIns="45000"/>
+          <a:p>
+            <a:pPr>
+              <a:lnSpc>
+                <a:spcPct val="100000"/>
+              </a:lnSpc>
+            </a:pPr>
+            <a:r>
+              <a:rPr b="0" lang="en-IN" sz="2000" spc="-1" strike="noStrike">
+                <a:latin typeface="Arial"/>
+              </a:rPr>
+              <a:t>Dataset for single emotion classification</a:t>
+            </a:r>
+            <a:endParaRPr b="0" lang="en-IN" sz="2000" spc="-1" strike="noStrike">
+              <a:latin typeface="Arial"/>
+            </a:endParaRPr>
+          </a:p>
+        </p:txBody>
+      </p:sp>
+    </p:spTree>
+  </p:cSld>
+  <p:timing>
+    <p:tnLst>
+      <p:par>
+        <p:cTn id="7" dur="indefinite" restart="never" nodeType="tmRoot">
+          <p:childTnLst>
+            <p:seq>
+              <p:cTn id="8" dur="indefinite" nodeType="mainSeq"/>
+              <p:prevCondLst>
+                <p:cond delay="0" evt="onPrev">
+                  <p:tgtEl>
+                    <p:sldTgt/>
+                  </p:tgtEl>
+                </p:cond>
+              </p:prevCondLst>
+              <p:nextCondLst>
+                <p:cond delay="0" evt="onNext">
+                  <p:tgtEl>
+                    <p:sldTgt/>
+                  </p:tgtEl>
+                </p:cond>
+              </p:nextCondLst>
+            </p:seq>
+          </p:childTnLst>
+        </p:cTn>
+      </p:par>
+    </p:tnLst>
+  </p:timing>
+</p:sld>
+</file>
+
+<file path=ppt/slides/slide5.xml><?xml version="1.0" encoding="utf-8"?>
+<p:sld xmlns:a="http://schemas.openxmlformats.org/drawingml/2006/main" xmlns:p="http://schemas.openxmlformats.org/presentationml/2006/main" xmlns:r="http://schemas.openxmlformats.org/officeDocument/2006/relationships" xmlns:p14="http://schemas.microsoft.com/office/powerpoint/2010/main" xmlns:p15="http://schemas.microsoft.com/office/powerpoint/2012/main" xmlns:mc="http://schemas.openxmlformats.org/markup-compatibility/2006">
+  <p:cSld>
+    <p:spTree>
+      <p:nvGrpSpPr>
+        <p:cNvPr id="1" name=""/>
+        <p:cNvGrpSpPr/>
+        <p:nvPr/>
+      </p:nvGrpSpPr>
+      <p:grpSpPr>
+        <a:xfrm>
+          <a:off x="0" y="0"/>
+          <a:ext cx="0" cy="0"/>
+          <a:chOff x="0" y="0"/>
+          <a:chExt cx="0" cy="0"/>
+        </a:xfrm>
+      </p:grpSpPr>
+      <p:pic>
+        <p:nvPicPr>
+          <p:cNvPr id="94" name="" descr=""/>
+          <p:cNvPicPr/>
+          <p:nvPr/>
+        </p:nvPicPr>
+        <p:blipFill>
+          <a:blip r:embed="rId1"/>
+          <a:stretch/>
+        </p:blipFill>
+        <p:spPr>
+          <a:xfrm>
+            <a:off x="2700000" y="1584000"/>
+            <a:ext cx="6515640" cy="4267440"/>
+          </a:xfrm>
+          <a:prstGeom prst="rect">
+            <a:avLst/>
+          </a:prstGeom>
+          <a:ln>
+            <a:noFill/>
+          </a:ln>
+        </p:spPr>
+      </p:pic>
+      <p:sp>
+        <p:nvSpPr>
+          <p:cNvPr id="95" name="CustomShape 1"/>
+          <p:cNvSpPr/>
+          <p:nvPr/>
+        </p:nvSpPr>
+        <p:spPr>
+          <a:xfrm>
+            <a:off x="3672000" y="5967360"/>
+            <a:ext cx="4967640" cy="656640"/>
+          </a:xfrm>
+          <a:prstGeom prst="rect">
+            <a:avLst/>
+          </a:prstGeom>
+          <a:noFill/>
+          <a:ln>
+            <a:noFill/>
+          </a:ln>
+        </p:spPr>
+        <p:style>
+          <a:lnRef idx="0"/>
+          <a:fillRef idx="0"/>
+          <a:effectRef idx="0"/>
+          <a:fontRef idx="minor"/>
+        </p:style>
+        <p:txBody>
+          <a:bodyPr lIns="90000" rIns="90000" tIns="45000" bIns="45000"/>
+          <a:p>
+            <a:pPr>
+              <a:lnSpc>
+                <a:spcPct val="100000"/>
+              </a:lnSpc>
+            </a:pPr>
+            <a:r>
+              <a:rPr b="0" lang="en-IN" sz="2000" spc="-1" strike="noStrike">
+                <a:latin typeface="Arial"/>
+              </a:rPr>
+              <a:t>Dataset for multiple emotion classification</a:t>
+            </a:r>
+            <a:endParaRPr b="0" lang="en-IN" sz="2000" spc="-1" strike="noStrike">
+              <a:latin typeface="Arial"/>
+            </a:endParaRPr>
+          </a:p>
+        </p:txBody>
+      </p:sp>
+      <p:sp>
+        <p:nvSpPr>
+          <p:cNvPr id="96" name="CustomShape 2"/>
+          <p:cNvSpPr/>
+          <p:nvPr/>
+        </p:nvSpPr>
+        <p:spPr>
+          <a:xfrm>
+            <a:off x="1152000" y="360000"/>
+            <a:ext cx="5039640" cy="935640"/>
+          </a:xfrm>
+          <a:prstGeom prst="rect">
+            <a:avLst/>
+          </a:prstGeom>
+          <a:noFill/>
+          <a:ln>
+            <a:noFill/>
+          </a:ln>
+        </p:spPr>
+        <p:style>
+          <a:lnRef idx="0"/>
+          <a:fillRef idx="0"/>
+          <a:effectRef idx="0"/>
+          <a:fontRef idx="minor"/>
+        </p:style>
+        <p:txBody>
+          <a:bodyPr lIns="90000" rIns="90000" tIns="45000" bIns="45000"/>
+          <a:p>
+            <a:pPr>
+              <a:lnSpc>
+                <a:spcPct val="100000"/>
+              </a:lnSpc>
+            </a:pPr>
+            <a:r>
+              <a:rPr b="1" lang="en-IN" sz="3200" spc="-1" strike="noStrike">
+                <a:latin typeface="Arial"/>
+              </a:rPr>
+              <a:t>Dataset Visualization</a:t>
+            </a:r>
+            <a:endParaRPr b="0" lang="en-IN" sz="3200" spc="-1" strike="noStrike">
+              <a:latin typeface="Arial"/>
+            </a:endParaRPr>
+          </a:p>
+        </p:txBody>
+      </p:sp>
+    </p:spTree>
+  </p:cSld>
+  <p:timing>
+    <p:tnLst>
+      <p:par>
+        <p:cTn id="9" dur="indefinite" restart="never" nodeType="tmRoot">
+          <p:childTnLst>
+            <p:seq>
+              <p:cTn id="10" dur="indefinite" nodeType="mainSeq"/>
+              <p:prevCondLst>
+                <p:cond delay="0" evt="onPrev">
+                  <p:tgtEl>
+                    <p:sldTgt/>
+                  </p:tgtEl>
+                </p:cond>
+              </p:prevCondLst>
+              <p:nextCondLst>
+                <p:cond delay="0" evt="onNext">
+                  <p:tgtEl>
+                    <p:sldTgt/>
+                  </p:tgtEl>
+                </p:cond>
+              </p:nextCondLst>
+            </p:seq>
+          </p:childTnLst>
+        </p:cTn>
+      </p:par>
+    </p:tnLst>
+  </p:timing>
+</p:sld>
+</file>
+
+<file path=ppt/slides/slide6.xml><?xml version="1.0" encoding="utf-8"?>
+<p:sld xmlns:a="http://schemas.openxmlformats.org/drawingml/2006/main" xmlns:p="http://schemas.openxmlformats.org/presentationml/2006/main" xmlns:r="http://schemas.openxmlformats.org/officeDocument/2006/relationships" xmlns:p14="http://schemas.microsoft.com/office/powerpoint/2010/main" xmlns:p15="http://schemas.microsoft.com/office/powerpoint/2012/main" xmlns:mc="http://schemas.openxmlformats.org/markup-compatibility/2006">
+  <p:cSld>
+    <p:spTree>
+      <p:nvGrpSpPr>
+        <p:cNvPr id="1" name=""/>
+        <p:cNvGrpSpPr/>
+        <p:nvPr/>
+      </p:nvGrpSpPr>
+      <p:grpSpPr>
+        <a:xfrm>
+          <a:off x="0" y="0"/>
+          <a:ext cx="0" cy="0"/>
+          <a:chOff x="0" y="0"/>
+          <a:chExt cx="0" cy="0"/>
+        </a:xfrm>
+      </p:grpSpPr>
+      <p:sp>
+        <p:nvSpPr>
+          <p:cNvPr id="97" name="CustomShape 1"/>
+          <p:cNvSpPr/>
+          <p:nvPr/>
+        </p:nvSpPr>
+        <p:spPr>
+          <a:xfrm>
             <a:off x="838080" y="365040"/>
-            <a:ext cx="10514520" cy="1324440"/>
+            <a:ext cx="10513800" cy="1323720"/>
           </a:xfrm>
           <a:prstGeom prst="rect">
             <a:avLst/>
@@ -8767,28 +10015,28 @@
       </p:sp>
       <p:grpSp>
         <p:nvGrpSpPr>
-          <p:cNvPr id="92" name="Group 2"/>
+          <p:cNvPr id="98" name="Group 2"/>
           <p:cNvGrpSpPr/>
           <p:nvPr/>
         </p:nvGrpSpPr>
         <p:grpSpPr>
           <a:xfrm>
             <a:off x="297360" y="3457440"/>
-            <a:ext cx="11675880" cy="1060560"/>
+            <a:ext cx="11675160" cy="1059840"/>
             <a:chOff x="297360" y="3457440"/>
-            <a:chExt cx="11675880" cy="1060560"/>
+            <a:chExt cx="11675160" cy="1059840"/>
           </a:xfrm>
         </p:grpSpPr>
         <p:sp>
           <p:nvSpPr>
-            <p:cNvPr id="93" name="CustomShape 3"/>
+            <p:cNvPr id="99" name="CustomShape 3"/>
             <p:cNvSpPr/>
             <p:nvPr/>
           </p:nvSpPr>
           <p:spPr>
             <a:xfrm>
               <a:off x="297360" y="3457440"/>
-              <a:ext cx="1768320" cy="1060560"/>
+              <a:ext cx="1767600" cy="1059840"/>
             </a:xfrm>
             <a:prstGeom prst="roundRect">
               <a:avLst>
@@ -8850,14 +10098,14 @@
         </p:sp>
         <p:sp>
           <p:nvSpPr>
-            <p:cNvPr id="94" name="CustomShape 4"/>
+            <p:cNvPr id="100" name="CustomShape 4"/>
             <p:cNvSpPr/>
             <p:nvPr/>
           </p:nvSpPr>
           <p:spPr>
             <a:xfrm>
               <a:off x="2243520" y="3768480"/>
-              <a:ext cx="374040" cy="437760"/>
+              <a:ext cx="373320" cy="437040"/>
             </a:xfrm>
             <a:prstGeom prst="rightArrow">
               <a:avLst>
@@ -8886,14 +10134,14 @@
         </p:sp>
         <p:sp>
           <p:nvSpPr>
-            <p:cNvPr id="95" name="CustomShape 5"/>
+            <p:cNvPr id="101" name="CustomShape 5"/>
             <p:cNvSpPr/>
             <p:nvPr/>
           </p:nvSpPr>
           <p:spPr>
             <a:xfrm>
               <a:off x="2774160" y="3457440"/>
-              <a:ext cx="1768320" cy="1060560"/>
+              <a:ext cx="1767600" cy="1059840"/>
             </a:xfrm>
             <a:prstGeom prst="roundRect">
               <a:avLst>
@@ -8955,14 +10203,14 @@
         </p:sp>
         <p:sp>
           <p:nvSpPr>
-            <p:cNvPr id="96" name="CustomShape 6"/>
+            <p:cNvPr id="102" name="CustomShape 6"/>
             <p:cNvSpPr/>
             <p:nvPr/>
           </p:nvSpPr>
           <p:spPr>
             <a:xfrm>
               <a:off x="4720320" y="3768480"/>
-              <a:ext cx="374040" cy="437760"/>
+              <a:ext cx="373320" cy="437040"/>
             </a:xfrm>
             <a:prstGeom prst="rightArrow">
               <a:avLst>
@@ -8991,14 +10239,14 @@
         </p:sp>
         <p:sp>
           <p:nvSpPr>
-            <p:cNvPr id="97" name="CustomShape 7"/>
+            <p:cNvPr id="103" name="CustomShape 7"/>
             <p:cNvSpPr/>
             <p:nvPr/>
           </p:nvSpPr>
           <p:spPr>
             <a:xfrm>
               <a:off x="5250960" y="3457440"/>
-              <a:ext cx="1768320" cy="1060560"/>
+              <a:ext cx="1767600" cy="1059840"/>
             </a:xfrm>
             <a:prstGeom prst="roundRect">
               <a:avLst>
@@ -9060,14 +10308,14 @@
         </p:sp>
         <p:sp>
           <p:nvSpPr>
-            <p:cNvPr id="98" name="CustomShape 8"/>
+            <p:cNvPr id="104" name="CustomShape 8"/>
             <p:cNvSpPr/>
             <p:nvPr/>
           </p:nvSpPr>
           <p:spPr>
             <a:xfrm>
               <a:off x="7197480" y="3768480"/>
-              <a:ext cx="374040" cy="437760"/>
+              <a:ext cx="373320" cy="437040"/>
             </a:xfrm>
             <a:prstGeom prst="rightArrow">
               <a:avLst>
@@ -9096,14 +10344,14 @@
         </p:sp>
         <p:sp>
           <p:nvSpPr>
-            <p:cNvPr id="99" name="CustomShape 9"/>
+            <p:cNvPr id="105" name="CustomShape 9"/>
             <p:cNvSpPr/>
             <p:nvPr/>
           </p:nvSpPr>
           <p:spPr>
             <a:xfrm>
               <a:off x="7728120" y="3457440"/>
-              <a:ext cx="1768320" cy="1060560"/>
+              <a:ext cx="1767600" cy="1059840"/>
             </a:xfrm>
             <a:prstGeom prst="roundRect">
               <a:avLst>
@@ -9165,14 +10413,14 @@
         </p:sp>
         <p:sp>
           <p:nvSpPr>
-            <p:cNvPr id="100" name="CustomShape 10"/>
+            <p:cNvPr id="106" name="CustomShape 10"/>
             <p:cNvSpPr/>
             <p:nvPr/>
           </p:nvSpPr>
           <p:spPr>
             <a:xfrm>
               <a:off x="9674280" y="3768480"/>
-              <a:ext cx="374040" cy="437760"/>
+              <a:ext cx="373320" cy="437040"/>
             </a:xfrm>
             <a:prstGeom prst="rightArrow">
               <a:avLst>
@@ -9201,14 +10449,14 @@
         </p:sp>
         <p:sp>
           <p:nvSpPr>
-            <p:cNvPr id="101" name="CustomShape 11"/>
+            <p:cNvPr id="107" name="CustomShape 11"/>
             <p:cNvSpPr/>
             <p:nvPr/>
           </p:nvSpPr>
           <p:spPr>
             <a:xfrm>
               <a:off x="10204920" y="3457440"/>
-              <a:ext cx="1768320" cy="1060560"/>
+              <a:ext cx="1767600" cy="1059840"/>
             </a:xfrm>
             <a:prstGeom prst="roundRect">
               <a:avLst>
@@ -9271,7 +10519,7 @@
       </p:grpSp>
       <p:grpSp>
         <p:nvGrpSpPr>
-          <p:cNvPr id="102" name="Group 12"/>
+          <p:cNvPr id="108" name="Group 12"/>
           <p:cNvGrpSpPr/>
           <p:nvPr/>
         </p:nvGrpSpPr>
@@ -9286,14 +10534,14 @@
       </p:grpSp>
       <p:sp>
         <p:nvSpPr>
-          <p:cNvPr id="103" name="CustomShape 13"/>
+          <p:cNvPr id="109" name="CustomShape 13"/>
           <p:cNvSpPr/>
           <p:nvPr/>
         </p:nvSpPr>
         <p:spPr>
           <a:xfrm>
             <a:off x="2703600" y="3326400"/>
-            <a:ext cx="1960200" cy="1310760"/>
+            <a:ext cx="1959480" cy="1310040"/>
           </a:xfrm>
           <a:prstGeom prst="rect">
             <a:avLst/>
@@ -9326,10 +10574,10 @@
   <p:timing>
     <p:tnLst>
       <p:par>
-        <p:cTn id="7" dur="indefinite" restart="never" nodeType="tmRoot">
+        <p:cTn id="11" dur="indefinite" restart="never" nodeType="tmRoot">
           <p:childTnLst>
             <p:seq>
-              <p:cTn id="8" dur="indefinite" nodeType="mainSeq"/>
+              <p:cTn id="12" dur="indefinite" nodeType="mainSeq"/>
               <p:prevCondLst>
                 <p:cond delay="0" evt="onPrev">
                   <p:tgtEl>
@@ -9353,7 +10601,7 @@
 </p:sld>
 </file>
 
-<file path=ppt/slides/slide5.xml><?xml version="1.0" encoding="utf-8"?>
+<file path=ppt/slides/slide7.xml><?xml version="1.0" encoding="utf-8"?>
 <p:sld xmlns:a="http://schemas.openxmlformats.org/drawingml/2006/main" xmlns:p="http://schemas.openxmlformats.org/presentationml/2006/main" xmlns:r="http://schemas.openxmlformats.org/officeDocument/2006/relationships" xmlns:p14="http://schemas.microsoft.com/office/powerpoint/2010/main" xmlns:p15="http://schemas.microsoft.com/office/powerpoint/2012/main" xmlns:mc="http://schemas.openxmlformats.org/markup-compatibility/2006">
   <p:cSld>
     <p:spTree>
@@ -9372,14 +10620,14 @@
       </p:grpSpPr>
       <p:sp>
         <p:nvSpPr>
-          <p:cNvPr id="104" name="CustomShape 1"/>
+          <p:cNvPr id="110" name="CustomShape 1"/>
           <p:cNvSpPr/>
           <p:nvPr/>
         </p:nvSpPr>
         <p:spPr>
           <a:xfrm>
             <a:off x="838080" y="365040"/>
-            <a:ext cx="10514520" cy="1324440"/>
+            <a:ext cx="10513800" cy="1323720"/>
           </a:xfrm>
           <a:prstGeom prst="rect">
             <a:avLst/>
@@ -9421,14 +10669,14 @@
       </p:sp>
       <p:sp>
         <p:nvSpPr>
-          <p:cNvPr id="105" name="CustomShape 2"/>
+          <p:cNvPr id="111" name="CustomShape 2"/>
           <p:cNvSpPr/>
           <p:nvPr/>
         </p:nvSpPr>
         <p:spPr>
           <a:xfrm>
             <a:off x="838080" y="1537200"/>
-            <a:ext cx="11352600" cy="5207040"/>
+            <a:ext cx="11351880" cy="5206320"/>
           </a:xfrm>
           <a:prstGeom prst="rect">
             <a:avLst/>
@@ -9449,7 +10697,7 @@
             <a:normAutofit/>
           </a:bodyPr>
           <a:p>
-            <a:pPr marL="228600" indent="-227520">
+            <a:pPr marL="228600" indent="-226800">
               <a:lnSpc>
                 <a:spcPct val="90000"/>
               </a:lnSpc>
@@ -9477,7 +10725,7 @@
             </a:endParaRPr>
           </a:p>
           <a:p>
-            <a:pPr marL="228600" indent="-227520">
+            <a:pPr marL="228600" indent="-226800">
               <a:lnSpc>
                 <a:spcPct val="90000"/>
               </a:lnSpc>
@@ -9712,10 +10960,10 @@
   <p:timing>
     <p:tnLst>
       <p:par>
-        <p:cTn id="9" dur="indefinite" restart="never" nodeType="tmRoot">
+        <p:cTn id="13" dur="indefinite" restart="never" nodeType="tmRoot">
           <p:childTnLst>
             <p:seq>
-              <p:cTn id="10" dur="indefinite" nodeType="mainSeq"/>
+              <p:cTn id="14" dur="indefinite" nodeType="mainSeq"/>
               <p:prevCondLst>
                 <p:cond delay="0" evt="onPrev">
                   <p:tgtEl>
@@ -9739,7 +10987,7 @@
 </p:sld>
 </file>
 
-<file path=ppt/slides/slide6.xml><?xml version="1.0" encoding="utf-8"?>
+<file path=ppt/slides/slide8.xml><?xml version="1.0" encoding="utf-8"?>
 <p:sld xmlns:a="http://schemas.openxmlformats.org/drawingml/2006/main" xmlns:p="http://schemas.openxmlformats.org/presentationml/2006/main" xmlns:r="http://schemas.openxmlformats.org/officeDocument/2006/relationships" xmlns:p14="http://schemas.microsoft.com/office/powerpoint/2010/main" xmlns:p15="http://schemas.microsoft.com/office/powerpoint/2012/main" xmlns:mc="http://schemas.openxmlformats.org/markup-compatibility/2006">
   <p:cSld>
     <p:spTree>
@@ -9758,14 +11006,14 @@
       </p:grpSpPr>
       <p:sp>
         <p:nvSpPr>
-          <p:cNvPr id="106" name="CustomShape 1"/>
+          <p:cNvPr id="112" name="CustomShape 1"/>
           <p:cNvSpPr/>
           <p:nvPr/>
         </p:nvSpPr>
         <p:spPr>
           <a:xfrm>
             <a:off x="838080" y="365040"/>
-            <a:ext cx="10514520" cy="1324440"/>
+            <a:ext cx="10513800" cy="1323720"/>
           </a:xfrm>
           <a:prstGeom prst="rect">
             <a:avLst/>
@@ -9807,14 +11055,14 @@
       </p:sp>
       <p:sp>
         <p:nvSpPr>
-          <p:cNvPr id="107" name="CustomShape 2"/>
+          <p:cNvPr id="113" name="CustomShape 2"/>
           <p:cNvSpPr/>
           <p:nvPr/>
         </p:nvSpPr>
         <p:spPr>
           <a:xfrm>
             <a:off x="838080" y="1825560"/>
-            <a:ext cx="10514520" cy="4350240"/>
+            <a:ext cx="10513800" cy="4349520"/>
           </a:xfrm>
           <a:prstGeom prst="rect">
             <a:avLst/>
@@ -9833,7 +11081,7 @@
         <p:txBody>
           <a:bodyPr lIns="90000" rIns="90000" tIns="45000" bIns="45000"/>
           <a:p>
-            <a:pPr marL="228600" indent="-227520">
+            <a:pPr marL="228600" indent="-226800">
               <a:lnSpc>
                 <a:spcPct val="90000"/>
               </a:lnSpc>
@@ -9877,28 +11125,28 @@
       </p:sp>
       <p:grpSp>
         <p:nvGrpSpPr>
-          <p:cNvPr id="108" name="Group 3"/>
+          <p:cNvPr id="114" name="Group 3"/>
           <p:cNvGrpSpPr/>
           <p:nvPr/>
         </p:nvGrpSpPr>
         <p:grpSpPr>
           <a:xfrm>
             <a:off x="2005920" y="3232440"/>
-            <a:ext cx="6721560" cy="771480"/>
+            <a:ext cx="6720840" cy="770760"/>
             <a:chOff x="2005920" y="3232440"/>
-            <a:chExt cx="6721560" cy="771480"/>
+            <a:chExt cx="6720840" cy="770760"/>
           </a:xfrm>
         </p:grpSpPr>
         <p:sp>
           <p:nvSpPr>
-            <p:cNvPr id="109" name="CustomShape 4"/>
+            <p:cNvPr id="115" name="CustomShape 4"/>
             <p:cNvSpPr/>
             <p:nvPr/>
           </p:nvSpPr>
           <p:spPr>
             <a:xfrm>
               <a:off x="2005920" y="3239280"/>
-              <a:ext cx="2866320" cy="757440"/>
+              <a:ext cx="2865600" cy="756720"/>
             </a:xfrm>
             <a:prstGeom prst="roundRect">
               <a:avLst>
@@ -9960,14 +11208,14 @@
         </p:sp>
         <p:sp>
           <p:nvSpPr>
-            <p:cNvPr id="110" name="CustomShape 5"/>
+            <p:cNvPr id="116" name="CustomShape 5"/>
             <p:cNvSpPr/>
             <p:nvPr/>
           </p:nvSpPr>
           <p:spPr>
             <a:xfrm>
               <a:off x="5120280" y="3263040"/>
-              <a:ext cx="522360" cy="709920"/>
+              <a:ext cx="521640" cy="709200"/>
             </a:xfrm>
             <a:prstGeom prst="rightArrow">
               <a:avLst>
@@ -9997,14 +11245,14 @@
         </p:sp>
         <p:sp>
           <p:nvSpPr>
-            <p:cNvPr id="111" name="CustomShape 6"/>
+            <p:cNvPr id="117" name="CustomShape 6"/>
             <p:cNvSpPr/>
             <p:nvPr/>
           </p:nvSpPr>
           <p:spPr>
             <a:xfrm>
               <a:off x="5861160" y="3232440"/>
-              <a:ext cx="2866320" cy="771480"/>
+              <a:ext cx="2865600" cy="770760"/>
             </a:xfrm>
             <a:prstGeom prst="roundRect">
               <a:avLst>
@@ -10067,7 +11315,7 @@
       </p:grpSp>
       <p:grpSp>
         <p:nvGrpSpPr>
-          <p:cNvPr id="112" name="Group 7"/>
+          <p:cNvPr id="118" name="Group 7"/>
           <p:cNvGrpSpPr/>
           <p:nvPr/>
         </p:nvGrpSpPr>
@@ -10082,28 +11330,28 @@
       </p:grpSp>
       <p:grpSp>
         <p:nvGrpSpPr>
-          <p:cNvPr id="113" name="Group 8"/>
+          <p:cNvPr id="119" name="Group 8"/>
           <p:cNvGrpSpPr/>
           <p:nvPr/>
         </p:nvGrpSpPr>
         <p:grpSpPr>
           <a:xfrm>
             <a:off x="2072160" y="4645800"/>
-            <a:ext cx="6655320" cy="771480"/>
+            <a:ext cx="6654600" cy="770760"/>
             <a:chOff x="2072160" y="4645800"/>
-            <a:chExt cx="6655320" cy="771480"/>
+            <a:chExt cx="6654600" cy="770760"/>
           </a:xfrm>
         </p:grpSpPr>
         <p:sp>
           <p:nvSpPr>
-            <p:cNvPr id="114" name="CustomShape 9"/>
+            <p:cNvPr id="120" name="CustomShape 9"/>
             <p:cNvSpPr/>
             <p:nvPr/>
           </p:nvSpPr>
           <p:spPr>
             <a:xfrm>
               <a:off x="2072160" y="4653000"/>
-              <a:ext cx="2866320" cy="757440"/>
+              <a:ext cx="2865600" cy="756720"/>
             </a:xfrm>
             <a:prstGeom prst="roundRect">
               <a:avLst>
@@ -10165,14 +11413,14 @@
         </p:sp>
         <p:sp>
           <p:nvSpPr>
-            <p:cNvPr id="115" name="CustomShape 10"/>
+            <p:cNvPr id="121" name="CustomShape 10"/>
             <p:cNvSpPr/>
             <p:nvPr/>
           </p:nvSpPr>
           <p:spPr>
             <a:xfrm>
               <a:off x="5169960" y="4676760"/>
-              <a:ext cx="487440" cy="709920"/>
+              <a:ext cx="486720" cy="709200"/>
             </a:xfrm>
             <a:prstGeom prst="rightArrow">
               <a:avLst>
@@ -10202,14 +11450,14 @@
         </p:sp>
         <p:sp>
           <p:nvSpPr>
-            <p:cNvPr id="116" name="CustomShape 11"/>
+            <p:cNvPr id="122" name="CustomShape 11"/>
             <p:cNvSpPr/>
             <p:nvPr/>
           </p:nvSpPr>
           <p:spPr>
             <a:xfrm>
               <a:off x="5861160" y="4645800"/>
-              <a:ext cx="2866320" cy="771480"/>
+              <a:ext cx="2865600" cy="770760"/>
             </a:xfrm>
             <a:prstGeom prst="roundRect">
               <a:avLst>
@@ -10272,7 +11520,7 @@
       </p:grpSp>
       <p:grpSp>
         <p:nvGrpSpPr>
-          <p:cNvPr id="117" name="Group 12"/>
+          <p:cNvPr id="123" name="Group 12"/>
           <p:cNvGrpSpPr/>
           <p:nvPr/>
         </p:nvGrpSpPr>
@@ -10290,10 +11538,10 @@
   <p:timing>
     <p:tnLst>
       <p:par>
-        <p:cTn id="11" dur="indefinite" restart="never" nodeType="tmRoot">
+        <p:cTn id="15" dur="indefinite" restart="never" nodeType="tmRoot">
           <p:childTnLst>
             <p:seq>
-              <p:cTn id="12" dur="indefinite" nodeType="mainSeq"/>
+              <p:cTn id="16" dur="indefinite" nodeType="mainSeq"/>
               <p:prevCondLst>
                 <p:cond delay="0" evt="onPrev">
                   <p:tgtEl>
@@ -10317,7 +11565,7 @@
 </p:sld>
 </file>
 
-<file path=ppt/slides/slide7.xml><?xml version="1.0" encoding="utf-8"?>
+<file path=ppt/slides/slide9.xml><?xml version="1.0" encoding="utf-8"?>
 <p:sld xmlns:a="http://schemas.openxmlformats.org/drawingml/2006/main" xmlns:p="http://schemas.openxmlformats.org/presentationml/2006/main" xmlns:r="http://schemas.openxmlformats.org/officeDocument/2006/relationships" xmlns:p14="http://schemas.microsoft.com/office/powerpoint/2010/main" xmlns:p15="http://schemas.microsoft.com/office/powerpoint/2012/main" xmlns:mc="http://schemas.openxmlformats.org/markup-compatibility/2006">
   <p:cSld>
     <p:spTree>
@@ -10336,14 +11584,14 @@
       </p:grpSpPr>
       <p:sp>
         <p:nvSpPr>
-          <p:cNvPr id="118" name="CustomShape 1"/>
+          <p:cNvPr id="124" name="CustomShape 1"/>
           <p:cNvSpPr/>
           <p:nvPr/>
         </p:nvSpPr>
         <p:spPr>
           <a:xfrm>
             <a:off x="838080" y="365040"/>
-            <a:ext cx="10514520" cy="906120"/>
+            <a:ext cx="10513800" cy="905400"/>
           </a:xfrm>
           <a:prstGeom prst="rect">
             <a:avLst/>
@@ -10385,28 +11633,28 @@
       </p:sp>
       <p:grpSp>
         <p:nvGrpSpPr>
-          <p:cNvPr id="119" name="Group 2"/>
+          <p:cNvPr id="125" name="Group 2"/>
           <p:cNvGrpSpPr/>
           <p:nvPr/>
         </p:nvGrpSpPr>
         <p:grpSpPr>
           <a:xfrm>
             <a:off x="1908720" y="1416240"/>
-            <a:ext cx="8519400" cy="4587120"/>
+            <a:ext cx="8518680" cy="4586400"/>
             <a:chOff x="1908720" y="1416240"/>
-            <a:chExt cx="8519400" cy="4587120"/>
+            <a:chExt cx="8518680" cy="4586400"/>
           </a:xfrm>
         </p:grpSpPr>
         <p:sp>
           <p:nvSpPr>
-            <p:cNvPr id="120" name="CustomShape 3"/>
+            <p:cNvPr id="126" name="CustomShape 3"/>
             <p:cNvSpPr/>
             <p:nvPr/>
           </p:nvSpPr>
           <p:spPr>
             <a:xfrm>
               <a:off x="1908720" y="3300480"/>
-              <a:ext cx="1637640" cy="818280"/>
+              <a:ext cx="1636920" cy="817560"/>
             </a:xfrm>
             <a:prstGeom prst="roundRect">
               <a:avLst>
@@ -10468,14 +11716,14 @@
         </p:sp>
         <p:sp>
           <p:nvSpPr>
-            <p:cNvPr id="121" name="CustomShape 4"/>
+            <p:cNvPr id="127" name="CustomShape 4"/>
             <p:cNvSpPr/>
             <p:nvPr/>
           </p:nvSpPr>
           <p:spPr>
             <a:xfrm rot="17351400">
-              <a:off x="2876400" y="2754720"/>
-              <a:ext cx="1994040" cy="25560"/>
+              <a:off x="2876400" y="2755080"/>
+              <a:ext cx="1993320" cy="24840"/>
             </a:xfrm>
             <a:custGeom>
               <a:avLst/>
@@ -10515,14 +11763,14 @@
         </p:sp>
         <p:sp>
           <p:nvSpPr>
-            <p:cNvPr id="122" name="CustomShape 5"/>
+            <p:cNvPr id="128" name="CustomShape 5"/>
             <p:cNvSpPr/>
             <p:nvPr/>
           </p:nvSpPr>
           <p:spPr>
             <a:xfrm>
               <a:off x="4202640" y="1416240"/>
-              <a:ext cx="1637640" cy="818280"/>
+              <a:ext cx="1636920" cy="817560"/>
             </a:xfrm>
             <a:prstGeom prst="roundRect">
               <a:avLst>
@@ -10584,14 +11832,14 @@
         </p:sp>
         <p:sp>
           <p:nvSpPr>
-            <p:cNvPr id="123" name="CustomShape 6"/>
+            <p:cNvPr id="129" name="CustomShape 6"/>
             <p:cNvSpPr/>
             <p:nvPr/>
           </p:nvSpPr>
           <p:spPr>
             <a:xfrm rot="18289200">
-              <a:off x="3300480" y="3225960"/>
-              <a:ext cx="1146600" cy="25560"/>
+              <a:off x="3299760" y="3226320"/>
+              <a:ext cx="1145880" cy="24840"/>
             </a:xfrm>
             <a:custGeom>
               <a:avLst/>
@@ -10631,14 +11879,14 @@
         </p:sp>
         <p:sp>
           <p:nvSpPr>
-            <p:cNvPr id="124" name="CustomShape 7"/>
+            <p:cNvPr id="130" name="CustomShape 7"/>
             <p:cNvSpPr/>
             <p:nvPr/>
           </p:nvSpPr>
           <p:spPr>
             <a:xfrm>
               <a:off x="4202640" y="2358360"/>
-              <a:ext cx="1637640" cy="818280"/>
+              <a:ext cx="1636920" cy="817560"/>
             </a:xfrm>
             <a:prstGeom prst="roundRect">
               <a:avLst>
@@ -10700,14 +11948,14 @@
         </p:sp>
         <p:sp>
           <p:nvSpPr>
-            <p:cNvPr id="125" name="CustomShape 8"/>
+            <p:cNvPr id="131" name="CustomShape 8"/>
             <p:cNvSpPr/>
             <p:nvPr/>
           </p:nvSpPr>
           <p:spPr>
             <a:xfrm>
               <a:off x="3547080" y="3696840"/>
-              <a:ext cx="654480" cy="25560"/>
+              <a:ext cx="653760" cy="24840"/>
             </a:xfrm>
             <a:custGeom>
               <a:avLst/>
@@ -10747,14 +11995,14 @@
         </p:sp>
         <p:sp>
           <p:nvSpPr>
-            <p:cNvPr id="126" name="CustomShape 9"/>
+            <p:cNvPr id="132" name="CustomShape 9"/>
             <p:cNvSpPr/>
             <p:nvPr/>
           </p:nvSpPr>
           <p:spPr>
             <a:xfrm>
               <a:off x="4202640" y="3300480"/>
-              <a:ext cx="1637640" cy="818280"/>
+              <a:ext cx="1636920" cy="817560"/>
             </a:xfrm>
             <a:prstGeom prst="roundRect">
               <a:avLst>
@@ -10816,14 +12064,14 @@
         </p:sp>
         <p:sp>
           <p:nvSpPr>
-            <p:cNvPr id="127" name="CustomShape 10"/>
+            <p:cNvPr id="133" name="CustomShape 10"/>
             <p:cNvSpPr/>
             <p:nvPr/>
           </p:nvSpPr>
           <p:spPr>
             <a:xfrm rot="3310800">
-              <a:off x="3301200" y="4167360"/>
-              <a:ext cx="1146600" cy="25560"/>
+              <a:off x="3301200" y="4166640"/>
+              <a:ext cx="1145880" cy="24840"/>
             </a:xfrm>
             <a:custGeom>
               <a:avLst/>
@@ -10863,14 +12111,14 @@
         </p:sp>
         <p:sp>
           <p:nvSpPr>
-            <p:cNvPr id="128" name="CustomShape 11"/>
+            <p:cNvPr id="134" name="CustomShape 11"/>
             <p:cNvSpPr/>
             <p:nvPr/>
           </p:nvSpPr>
           <p:spPr>
             <a:xfrm>
               <a:off x="4202640" y="4242960"/>
-              <a:ext cx="1637640" cy="818280"/>
+              <a:ext cx="1636920" cy="817560"/>
             </a:xfrm>
             <a:prstGeom prst="roundRect">
               <a:avLst>
@@ -10932,14 +12180,14 @@
         </p:sp>
         <p:sp>
           <p:nvSpPr>
-            <p:cNvPr id="129" name="CustomShape 12"/>
+            <p:cNvPr id="135" name="CustomShape 12"/>
             <p:cNvSpPr/>
             <p:nvPr/>
           </p:nvSpPr>
           <p:spPr>
             <a:xfrm>
               <a:off x="5841000" y="4639320"/>
-              <a:ext cx="654480" cy="25560"/>
+              <a:ext cx="653760" cy="24840"/>
             </a:xfrm>
             <a:custGeom>
               <a:avLst/>
@@ -10979,14 +12227,14 @@
         </p:sp>
         <p:sp>
           <p:nvSpPr>
-            <p:cNvPr id="130" name="CustomShape 13"/>
+            <p:cNvPr id="136" name="CustomShape 13"/>
             <p:cNvSpPr/>
             <p:nvPr/>
           </p:nvSpPr>
           <p:spPr>
             <a:xfrm>
               <a:off x="6496560" y="4242960"/>
-              <a:ext cx="1637640" cy="818280"/>
+              <a:ext cx="1636920" cy="817560"/>
             </a:xfrm>
             <a:prstGeom prst="roundRect">
               <a:avLst>
@@ -11048,14 +12296,14 @@
         </p:sp>
         <p:sp>
           <p:nvSpPr>
-            <p:cNvPr id="131" name="CustomShape 14"/>
+            <p:cNvPr id="137" name="CustomShape 14"/>
             <p:cNvSpPr/>
             <p:nvPr/>
           </p:nvSpPr>
           <p:spPr>
             <a:xfrm>
               <a:off x="8135280" y="4639320"/>
-              <a:ext cx="654480" cy="25560"/>
+              <a:ext cx="653760" cy="24840"/>
             </a:xfrm>
             <a:custGeom>
               <a:avLst/>
@@ -11095,14 +12343,14 @@
         </p:sp>
         <p:sp>
           <p:nvSpPr>
-            <p:cNvPr id="132" name="CustomShape 15"/>
+            <p:cNvPr id="138" name="CustomShape 15"/>
             <p:cNvSpPr/>
             <p:nvPr/>
           </p:nvSpPr>
           <p:spPr>
             <a:xfrm>
               <a:off x="8790480" y="4242960"/>
-              <a:ext cx="1637640" cy="818280"/>
+              <a:ext cx="1636920" cy="817560"/>
             </a:xfrm>
             <a:prstGeom prst="roundRect">
               <a:avLst>
@@ -11164,14 +12412,14 @@
         </p:sp>
         <p:sp>
           <p:nvSpPr>
-            <p:cNvPr id="133" name="CustomShape 16"/>
+            <p:cNvPr id="139" name="CustomShape 16"/>
             <p:cNvSpPr/>
             <p:nvPr/>
           </p:nvSpPr>
           <p:spPr>
             <a:xfrm rot="4249200">
-              <a:off x="2877840" y="4638600"/>
-              <a:ext cx="1994040" cy="25560"/>
+              <a:off x="2877840" y="4637880"/>
+              <a:ext cx="1993320" cy="24840"/>
             </a:xfrm>
             <a:custGeom>
               <a:avLst/>
@@ -11211,14 +12459,14 @@
         </p:sp>
         <p:sp>
           <p:nvSpPr>
-            <p:cNvPr id="134" name="CustomShape 17"/>
+            <p:cNvPr id="140" name="CustomShape 17"/>
             <p:cNvSpPr/>
             <p:nvPr/>
           </p:nvSpPr>
           <p:spPr>
             <a:xfrm>
               <a:off x="4202640" y="5185080"/>
-              <a:ext cx="1637640" cy="818280"/>
+              <a:ext cx="1636920" cy="817560"/>
             </a:xfrm>
             <a:prstGeom prst="roundRect">
               <a:avLst>
@@ -11280,14 +12528,14 @@
         </p:sp>
         <p:sp>
           <p:nvSpPr>
-            <p:cNvPr id="135" name="CustomShape 18"/>
+            <p:cNvPr id="141" name="CustomShape 18"/>
             <p:cNvSpPr/>
             <p:nvPr/>
           </p:nvSpPr>
           <p:spPr>
             <a:xfrm>
               <a:off x="5841000" y="5581440"/>
-              <a:ext cx="654480" cy="25560"/>
+              <a:ext cx="653760" cy="24840"/>
             </a:xfrm>
             <a:custGeom>
               <a:avLst/>
@@ -11327,14 +12575,14 @@
         </p:sp>
         <p:sp>
           <p:nvSpPr>
-            <p:cNvPr id="136" name="CustomShape 19"/>
+            <p:cNvPr id="142" name="CustomShape 19"/>
             <p:cNvSpPr/>
             <p:nvPr/>
           </p:nvSpPr>
           <p:spPr>
             <a:xfrm>
               <a:off x="6496560" y="5185080"/>
-              <a:ext cx="1637640" cy="818280"/>
+              <a:ext cx="1636920" cy="817560"/>
             </a:xfrm>
             <a:prstGeom prst="roundRect">
               <a:avLst>
@@ -11396,14 +12644,14 @@
         </p:sp>
         <p:sp>
           <p:nvSpPr>
-            <p:cNvPr id="137" name="CustomShape 20"/>
+            <p:cNvPr id="143" name="CustomShape 20"/>
             <p:cNvSpPr/>
             <p:nvPr/>
           </p:nvSpPr>
           <p:spPr>
             <a:xfrm>
               <a:off x="8135280" y="5581440"/>
-              <a:ext cx="654480" cy="25560"/>
+              <a:ext cx="653760" cy="24840"/>
             </a:xfrm>
             <a:custGeom>
               <a:avLst/>
@@ -11443,14 +12691,14 @@
         </p:sp>
         <p:sp>
           <p:nvSpPr>
-            <p:cNvPr id="138" name="CustomShape 21"/>
+            <p:cNvPr id="144" name="CustomShape 21"/>
             <p:cNvSpPr/>
             <p:nvPr/>
           </p:nvSpPr>
           <p:spPr>
             <a:xfrm>
               <a:off x="8790480" y="5185080"/>
-              <a:ext cx="1637640" cy="818280"/>
+              <a:ext cx="1636920" cy="817560"/>
             </a:xfrm>
             <a:prstGeom prst="roundRect">
               <a:avLst>
@@ -11513,7 +12761,7 @@
       </p:grpSp>
       <p:grpSp>
         <p:nvGrpSpPr>
-          <p:cNvPr id="139" name="Group 22"/>
+          <p:cNvPr id="145" name="Group 22"/>
           <p:cNvGrpSpPr/>
           <p:nvPr/>
         </p:nvGrpSpPr>
@@ -11528,14 +12776,14 @@
       </p:grpSp>
       <p:sp>
         <p:nvSpPr>
-          <p:cNvPr id="140" name="CustomShape 23"/>
+          <p:cNvPr id="146" name="CustomShape 23"/>
           <p:cNvSpPr/>
           <p:nvPr/>
         </p:nvSpPr>
         <p:spPr>
           <a:xfrm>
             <a:off x="2146680" y="4479120"/>
-            <a:ext cx="1218240" cy="637560"/>
+            <a:ext cx="1217520" cy="636840"/>
           </a:xfrm>
           <a:prstGeom prst="rect">
             <a:avLst/>
@@ -11577,14 +12825,14 @@
       </p:sp>
       <p:sp>
         <p:nvSpPr>
-          <p:cNvPr id="141" name="CustomShape 24"/>
+          <p:cNvPr id="147" name="CustomShape 24"/>
           <p:cNvSpPr/>
           <p:nvPr/>
         </p:nvSpPr>
         <p:spPr>
           <a:xfrm>
             <a:off x="4227480" y="6023160"/>
-            <a:ext cx="1555920" cy="637560"/>
+            <a:ext cx="1555200" cy="636840"/>
           </a:xfrm>
           <a:prstGeom prst="rect">
             <a:avLst/>
@@ -11626,14 +12874,14 @@
       </p:sp>
       <p:sp>
         <p:nvSpPr>
-          <p:cNvPr id="142" name="CustomShape 25"/>
+          <p:cNvPr id="148" name="CustomShape 25"/>
           <p:cNvSpPr/>
           <p:nvPr/>
         </p:nvSpPr>
         <p:spPr>
           <a:xfrm>
             <a:off x="6679080" y="6023160"/>
-            <a:ext cx="1426680" cy="911880"/>
+            <a:ext cx="1425960" cy="911160"/>
           </a:xfrm>
           <a:prstGeom prst="rect">
             <a:avLst/>
@@ -11675,14 +12923,14 @@
       </p:sp>
       <p:sp>
         <p:nvSpPr>
-          <p:cNvPr id="143" name="CustomShape 26"/>
+          <p:cNvPr id="149" name="CustomShape 26"/>
           <p:cNvSpPr/>
           <p:nvPr/>
         </p:nvSpPr>
         <p:spPr>
           <a:xfrm>
             <a:off x="8812800" y="6048000"/>
-            <a:ext cx="1788120" cy="637560"/>
+            <a:ext cx="1787400" cy="636840"/>
           </a:xfrm>
           <a:prstGeom prst="rect">
             <a:avLst/>
@@ -11717,1080 +12965,6 @@
               <a:t>Lemmatization</a:t>
             </a:r>
             <a:endParaRPr b="0" lang="en-IN" sz="1800" spc="-1" strike="noStrike">
-              <a:latin typeface="Arial"/>
-            </a:endParaRPr>
-          </a:p>
-        </p:txBody>
-      </p:sp>
-    </p:spTree>
-  </p:cSld>
-  <p:timing>
-    <p:tnLst>
-      <p:par>
-        <p:cTn id="13" dur="indefinite" restart="never" nodeType="tmRoot">
-          <p:childTnLst>
-            <p:seq>
-              <p:cTn id="14" dur="indefinite" nodeType="mainSeq"/>
-              <p:prevCondLst>
-                <p:cond delay="0" evt="onPrev">
-                  <p:tgtEl>
-                    <p:sldTgt/>
-                  </p:tgtEl>
-                </p:cond>
-              </p:prevCondLst>
-              <p:nextCondLst>
-                <p:cond delay="0" evt="onNext">
-                  <p:tgtEl>
-                    <p:sldTgt/>
-                  </p:tgtEl>
-                </p:cond>
-              </p:nextCondLst>
-            </p:seq>
-          </p:childTnLst>
-        </p:cTn>
-      </p:par>
-    </p:tnLst>
-  </p:timing>
-</p:sld>
-</file>
-
-<file path=ppt/slides/slide8.xml><?xml version="1.0" encoding="utf-8"?>
-<p:sld xmlns:a="http://schemas.openxmlformats.org/drawingml/2006/main" xmlns:p="http://schemas.openxmlformats.org/presentationml/2006/main" xmlns:r="http://schemas.openxmlformats.org/officeDocument/2006/relationships" xmlns:p14="http://schemas.microsoft.com/office/powerpoint/2010/main" xmlns:p15="http://schemas.microsoft.com/office/powerpoint/2012/main" xmlns:mc="http://schemas.openxmlformats.org/markup-compatibility/2006">
-  <p:cSld>
-    <p:spTree>
-      <p:nvGrpSpPr>
-        <p:cNvPr id="1" name=""/>
-        <p:cNvGrpSpPr/>
-        <p:nvPr/>
-      </p:nvGrpSpPr>
-      <p:grpSpPr>
-        <a:xfrm>
-          <a:off x="0" y="0"/>
-          <a:ext cx="0" cy="0"/>
-          <a:chOff x="0" y="0"/>
-          <a:chExt cx="0" cy="0"/>
-        </a:xfrm>
-      </p:grpSpPr>
-      <p:sp>
-        <p:nvSpPr>
-          <p:cNvPr id="144" name="CustomShape 1"/>
-          <p:cNvSpPr/>
-          <p:nvPr/>
-        </p:nvSpPr>
-        <p:spPr>
-          <a:xfrm>
-            <a:off x="838080" y="365040"/>
-            <a:ext cx="10514520" cy="1324440"/>
-          </a:xfrm>
-          <a:prstGeom prst="rect">
-            <a:avLst/>
-          </a:prstGeom>
-          <a:noFill/>
-          <a:ln>
-            <a:noFill/>
-          </a:ln>
-        </p:spPr>
-        <p:style>
-          <a:lnRef idx="0"/>
-          <a:fillRef idx="0"/>
-          <a:effectRef idx="0"/>
-          <a:fontRef idx="minor"/>
-        </p:style>
-        <p:txBody>
-          <a:bodyPr lIns="90000" rIns="90000" tIns="45000" bIns="45000" anchor="ctr"/>
-          <a:p>
-            <a:pPr>
-              <a:lnSpc>
-                <a:spcPct val="90000"/>
-              </a:lnSpc>
-            </a:pPr>
-            <a:r>
-              <a:rPr b="0" lang="en-IN" sz="4400" spc="-1" strike="noStrike">
-                <a:solidFill>
-                  <a:srgbClr val="000000"/>
-                </a:solidFill>
-                <a:latin typeface="Calibri Light"/>
-                <a:ea typeface="DejaVu Sans"/>
-              </a:rPr>
-              <a:t>Machine Learning approach for text classification</a:t>
-            </a:r>
-            <a:endParaRPr b="0" lang="en-IN" sz="4400" spc="-1" strike="noStrike">
-              <a:latin typeface="Arial"/>
-            </a:endParaRPr>
-          </a:p>
-        </p:txBody>
-      </p:sp>
-      <p:grpSp>
-        <p:nvGrpSpPr>
-          <p:cNvPr id="145" name="Group 2"/>
-          <p:cNvGrpSpPr/>
-          <p:nvPr/>
-        </p:nvGrpSpPr>
-        <p:grpSpPr>
-          <a:xfrm>
-            <a:off x="297360" y="3457440"/>
-            <a:ext cx="11675880" cy="1060560"/>
-            <a:chOff x="297360" y="3457440"/>
-            <a:chExt cx="11675880" cy="1060560"/>
-          </a:xfrm>
-        </p:grpSpPr>
-        <p:sp>
-          <p:nvSpPr>
-            <p:cNvPr id="146" name="CustomShape 3"/>
-            <p:cNvSpPr/>
-            <p:nvPr/>
-          </p:nvSpPr>
-          <p:spPr>
-            <a:xfrm>
-              <a:off x="297360" y="3457440"/>
-              <a:ext cx="1768320" cy="1060560"/>
-            </a:xfrm>
-            <a:prstGeom prst="roundRect">
-              <a:avLst>
-                <a:gd name="adj" fmla="val 10000"/>
-              </a:avLst>
-            </a:prstGeom>
-            <a:solidFill>
-              <a:schemeClr val="accent2">
-                <a:hueOff val="0"/>
-                <a:satOff val="0"/>
-                <a:lumOff val="0"/>
-                <a:alphaOff val="0"/>
-              </a:schemeClr>
-            </a:solidFill>
-            <a:ln>
-              <a:solidFill>
-                <a:schemeClr val="lt1">
-                  <a:hueOff val="0"/>
-                  <a:satOff val="0"/>
-                  <a:lumOff val="0"/>
-                  <a:alphaOff val="0"/>
-                </a:schemeClr>
-              </a:solidFill>
-              <a:round/>
-            </a:ln>
-          </p:spPr>
-          <p:style>
-            <a:lnRef idx="2"/>
-            <a:fillRef idx="0"/>
-            <a:effectRef idx="0"/>
-            <a:fontRef idx="minor"/>
-          </p:style>
-          <p:txBody>
-            <a:bodyPr lIns="107280" rIns="76320" tIns="107280" bIns="107640" anchor="ctr"/>
-            <a:p>
-              <a:pPr algn="ctr">
-                <a:lnSpc>
-                  <a:spcPct val="90000"/>
-                </a:lnSpc>
-                <a:spcAft>
-                  <a:spcPts val="700"/>
-                </a:spcAft>
-              </a:pPr>
-              <a:r>
-                <a:rPr b="0" lang="en-IN" sz="2000" spc="-1" strike="noStrike">
-                  <a:solidFill>
-                    <a:srgbClr val="ffffff"/>
-                  </a:solidFill>
-                  <a:latin typeface="Calibri"/>
-                  <a:ea typeface="DejaVu Sans"/>
-                </a:rPr>
-                <a:t>Input Text</a:t>
-              </a:r>
-              <a:endParaRPr b="0" lang="en-IN" sz="2000" spc="-1" strike="noStrike">
-                <a:latin typeface="Arial"/>
-              </a:endParaRPr>
-            </a:p>
-          </p:txBody>
-        </p:sp>
-        <p:sp>
-          <p:nvSpPr>
-            <p:cNvPr id="147" name="CustomShape 4"/>
-            <p:cNvSpPr/>
-            <p:nvPr/>
-          </p:nvSpPr>
-          <p:spPr>
-            <a:xfrm>
-              <a:off x="2243520" y="3768480"/>
-              <a:ext cx="374040" cy="437760"/>
-            </a:xfrm>
-            <a:prstGeom prst="rightArrow">
-              <a:avLst>
-                <a:gd name="adj1" fmla="val 60000"/>
-                <a:gd name="adj2" fmla="val 50000"/>
-              </a:avLst>
-            </a:prstGeom>
-            <a:solidFill>
-              <a:schemeClr val="accent2">
-                <a:hueOff val="0"/>
-                <a:satOff val="0"/>
-                <a:lumOff val="0"/>
-                <a:alphaOff val="0"/>
-              </a:schemeClr>
-            </a:solidFill>
-            <a:ln>
-              <a:noFill/>
-            </a:ln>
-          </p:spPr>
-          <p:style>
-            <a:lnRef idx="0"/>
-            <a:fillRef idx="0"/>
-            <a:effectRef idx="0"/>
-            <a:fontRef idx="minor"/>
-          </p:style>
-        </p:sp>
-        <p:sp>
-          <p:nvSpPr>
-            <p:cNvPr id="148" name="CustomShape 5"/>
-            <p:cNvSpPr/>
-            <p:nvPr/>
-          </p:nvSpPr>
-          <p:spPr>
-            <a:xfrm>
-              <a:off x="2774160" y="3457440"/>
-              <a:ext cx="1768320" cy="1060560"/>
-            </a:xfrm>
-            <a:prstGeom prst="roundRect">
-              <a:avLst>
-                <a:gd name="adj" fmla="val 10000"/>
-              </a:avLst>
-            </a:prstGeom>
-            <a:solidFill>
-              <a:schemeClr val="accent3">
-                <a:hueOff val="0"/>
-                <a:satOff val="0"/>
-                <a:lumOff val="0"/>
-                <a:alphaOff val="0"/>
-              </a:schemeClr>
-            </a:solidFill>
-            <a:ln>
-              <a:solidFill>
-                <a:schemeClr val="lt1">
-                  <a:hueOff val="0"/>
-                  <a:satOff val="0"/>
-                  <a:lumOff val="0"/>
-                  <a:alphaOff val="0"/>
-                </a:schemeClr>
-              </a:solidFill>
-              <a:round/>
-            </a:ln>
-          </p:spPr>
-          <p:style>
-            <a:lnRef idx="2"/>
-            <a:fillRef idx="0"/>
-            <a:effectRef idx="0"/>
-            <a:fontRef idx="minor"/>
-          </p:style>
-          <p:txBody>
-            <a:bodyPr lIns="107280" rIns="76320" tIns="107280" bIns="107640" anchor="ctr"/>
-            <a:p>
-              <a:pPr algn="ctr">
-                <a:lnSpc>
-                  <a:spcPct val="90000"/>
-                </a:lnSpc>
-                <a:spcAft>
-                  <a:spcPts val="700"/>
-                </a:spcAft>
-              </a:pPr>
-              <a:r>
-                <a:rPr b="0" lang="en-IN" sz="2000" spc="-1" strike="noStrike">
-                  <a:solidFill>
-                    <a:srgbClr val="ffffff"/>
-                  </a:solidFill>
-                  <a:latin typeface="Calibri"/>
-                  <a:ea typeface="DejaVu Sans"/>
-                </a:rPr>
-                <a:t>Pre-processing</a:t>
-              </a:r>
-              <a:endParaRPr b="0" lang="en-IN" sz="2000" spc="-1" strike="noStrike">
-                <a:latin typeface="Arial"/>
-              </a:endParaRPr>
-            </a:p>
-          </p:txBody>
-        </p:sp>
-        <p:sp>
-          <p:nvSpPr>
-            <p:cNvPr id="149" name="CustomShape 6"/>
-            <p:cNvSpPr/>
-            <p:nvPr/>
-          </p:nvSpPr>
-          <p:spPr>
-            <a:xfrm>
-              <a:off x="4720320" y="3768480"/>
-              <a:ext cx="374040" cy="437760"/>
-            </a:xfrm>
-            <a:prstGeom prst="rightArrow">
-              <a:avLst>
-                <a:gd name="adj1" fmla="val 60000"/>
-                <a:gd name="adj2" fmla="val 50000"/>
-              </a:avLst>
-            </a:prstGeom>
-            <a:solidFill>
-              <a:schemeClr val="accent3">
-                <a:hueOff val="0"/>
-                <a:satOff val="0"/>
-                <a:lumOff val="0"/>
-                <a:alphaOff val="0"/>
-              </a:schemeClr>
-            </a:solidFill>
-            <a:ln>
-              <a:noFill/>
-            </a:ln>
-          </p:spPr>
-          <p:style>
-            <a:lnRef idx="0"/>
-            <a:fillRef idx="0"/>
-            <a:effectRef idx="0"/>
-            <a:fontRef idx="minor"/>
-          </p:style>
-        </p:sp>
-        <p:sp>
-          <p:nvSpPr>
-            <p:cNvPr id="150" name="CustomShape 7"/>
-            <p:cNvSpPr/>
-            <p:nvPr/>
-          </p:nvSpPr>
-          <p:spPr>
-            <a:xfrm>
-              <a:off x="5250960" y="3457440"/>
-              <a:ext cx="1768320" cy="1060560"/>
-            </a:xfrm>
-            <a:prstGeom prst="roundRect">
-              <a:avLst>
-                <a:gd name="adj" fmla="val 10000"/>
-              </a:avLst>
-            </a:prstGeom>
-            <a:solidFill>
-              <a:schemeClr val="accent4">
-                <a:hueOff val="0"/>
-                <a:satOff val="0"/>
-                <a:lumOff val="0"/>
-                <a:alphaOff val="0"/>
-              </a:schemeClr>
-            </a:solidFill>
-            <a:ln>
-              <a:solidFill>
-                <a:schemeClr val="lt1">
-                  <a:hueOff val="0"/>
-                  <a:satOff val="0"/>
-                  <a:lumOff val="0"/>
-                  <a:alphaOff val="0"/>
-                </a:schemeClr>
-              </a:solidFill>
-              <a:round/>
-            </a:ln>
-          </p:spPr>
-          <p:style>
-            <a:lnRef idx="2"/>
-            <a:fillRef idx="0"/>
-            <a:effectRef idx="0"/>
-            <a:fontRef idx="minor"/>
-          </p:style>
-          <p:txBody>
-            <a:bodyPr lIns="107280" rIns="76320" tIns="107280" bIns="107640" anchor="ctr"/>
-            <a:p>
-              <a:pPr algn="ctr">
-                <a:lnSpc>
-                  <a:spcPct val="90000"/>
-                </a:lnSpc>
-                <a:spcAft>
-                  <a:spcPts val="700"/>
-                </a:spcAft>
-              </a:pPr>
-              <a:r>
-                <a:rPr b="0" lang="en-IN" sz="2000" spc="-1" strike="noStrike">
-                  <a:solidFill>
-                    <a:srgbClr val="ffffff"/>
-                  </a:solidFill>
-                  <a:latin typeface="Calibri"/>
-                  <a:ea typeface="DejaVu Sans"/>
-                </a:rPr>
-                <a:t>Word Embedding</a:t>
-              </a:r>
-              <a:endParaRPr b="0" lang="en-IN" sz="2000" spc="-1" strike="noStrike">
-                <a:latin typeface="Arial"/>
-              </a:endParaRPr>
-            </a:p>
-          </p:txBody>
-        </p:sp>
-        <p:sp>
-          <p:nvSpPr>
-            <p:cNvPr id="151" name="CustomShape 8"/>
-            <p:cNvSpPr/>
-            <p:nvPr/>
-          </p:nvSpPr>
-          <p:spPr>
-            <a:xfrm>
-              <a:off x="7197480" y="3768480"/>
-              <a:ext cx="374040" cy="437760"/>
-            </a:xfrm>
-            <a:prstGeom prst="rightArrow">
-              <a:avLst>
-                <a:gd name="adj1" fmla="val 60000"/>
-                <a:gd name="adj2" fmla="val 50000"/>
-              </a:avLst>
-            </a:prstGeom>
-            <a:solidFill>
-              <a:schemeClr val="accent4">
-                <a:hueOff val="0"/>
-                <a:satOff val="0"/>
-                <a:lumOff val="0"/>
-                <a:alphaOff val="0"/>
-              </a:schemeClr>
-            </a:solidFill>
-            <a:ln>
-              <a:noFill/>
-            </a:ln>
-          </p:spPr>
-          <p:style>
-            <a:lnRef idx="0"/>
-            <a:fillRef idx="0"/>
-            <a:effectRef idx="0"/>
-            <a:fontRef idx="minor"/>
-          </p:style>
-        </p:sp>
-        <p:sp>
-          <p:nvSpPr>
-            <p:cNvPr id="152" name="CustomShape 9"/>
-            <p:cNvSpPr/>
-            <p:nvPr/>
-          </p:nvSpPr>
-          <p:spPr>
-            <a:xfrm>
-              <a:off x="7728120" y="3457440"/>
-              <a:ext cx="1768320" cy="1060560"/>
-            </a:xfrm>
-            <a:prstGeom prst="roundRect">
-              <a:avLst>
-                <a:gd name="adj" fmla="val 10000"/>
-              </a:avLst>
-            </a:prstGeom>
-            <a:solidFill>
-              <a:schemeClr val="accent5">
-                <a:hueOff val="0"/>
-                <a:satOff val="0"/>
-                <a:lumOff val="0"/>
-                <a:alphaOff val="0"/>
-              </a:schemeClr>
-            </a:solidFill>
-            <a:ln>
-              <a:solidFill>
-                <a:schemeClr val="lt1">
-                  <a:hueOff val="0"/>
-                  <a:satOff val="0"/>
-                  <a:lumOff val="0"/>
-                  <a:alphaOff val="0"/>
-                </a:schemeClr>
-              </a:solidFill>
-              <a:round/>
-            </a:ln>
-          </p:spPr>
-          <p:style>
-            <a:lnRef idx="2"/>
-            <a:fillRef idx="0"/>
-            <a:effectRef idx="0"/>
-            <a:fontRef idx="minor"/>
-          </p:style>
-          <p:txBody>
-            <a:bodyPr lIns="107280" rIns="76320" tIns="107280" bIns="107640" anchor="ctr"/>
-            <a:p>
-              <a:pPr algn="ctr">
-                <a:lnSpc>
-                  <a:spcPct val="90000"/>
-                </a:lnSpc>
-                <a:spcAft>
-                  <a:spcPts val="700"/>
-                </a:spcAft>
-              </a:pPr>
-              <a:r>
-                <a:rPr b="0" lang="en-IN" sz="2000" spc="-1" strike="noStrike">
-                  <a:solidFill>
-                    <a:srgbClr val="ffffff"/>
-                  </a:solidFill>
-                  <a:latin typeface="Calibri"/>
-                  <a:ea typeface="DejaVu Sans"/>
-                </a:rPr>
-                <a:t>Machine Learning Model</a:t>
-              </a:r>
-              <a:endParaRPr b="0" lang="en-IN" sz="2000" spc="-1" strike="noStrike">
-                <a:latin typeface="Arial"/>
-              </a:endParaRPr>
-            </a:p>
-          </p:txBody>
-        </p:sp>
-        <p:sp>
-          <p:nvSpPr>
-            <p:cNvPr id="153" name="CustomShape 10"/>
-            <p:cNvSpPr/>
-            <p:nvPr/>
-          </p:nvSpPr>
-          <p:spPr>
-            <a:xfrm>
-              <a:off x="9674280" y="3768480"/>
-              <a:ext cx="374040" cy="437760"/>
-            </a:xfrm>
-            <a:prstGeom prst="rightArrow">
-              <a:avLst>
-                <a:gd name="adj1" fmla="val 60000"/>
-                <a:gd name="adj2" fmla="val 50000"/>
-              </a:avLst>
-            </a:prstGeom>
-            <a:solidFill>
-              <a:schemeClr val="accent5">
-                <a:hueOff val="0"/>
-                <a:satOff val="0"/>
-                <a:lumOff val="0"/>
-                <a:alphaOff val="0"/>
-              </a:schemeClr>
-            </a:solidFill>
-            <a:ln>
-              <a:noFill/>
-            </a:ln>
-          </p:spPr>
-          <p:style>
-            <a:lnRef idx="0"/>
-            <a:fillRef idx="0"/>
-            <a:effectRef idx="0"/>
-            <a:fontRef idx="minor"/>
-          </p:style>
-        </p:sp>
-        <p:sp>
-          <p:nvSpPr>
-            <p:cNvPr id="154" name="CustomShape 11"/>
-            <p:cNvSpPr/>
-            <p:nvPr/>
-          </p:nvSpPr>
-          <p:spPr>
-            <a:xfrm>
-              <a:off x="10204920" y="3457440"/>
-              <a:ext cx="1768320" cy="1060560"/>
-            </a:xfrm>
-            <a:prstGeom prst="roundRect">
-              <a:avLst>
-                <a:gd name="adj" fmla="val 10000"/>
-              </a:avLst>
-            </a:prstGeom>
-            <a:solidFill>
-              <a:schemeClr val="accent6">
-                <a:hueOff val="0"/>
-                <a:satOff val="0"/>
-                <a:lumOff val="0"/>
-                <a:alphaOff val="0"/>
-              </a:schemeClr>
-            </a:solidFill>
-            <a:ln>
-              <a:solidFill>
-                <a:schemeClr val="lt1">
-                  <a:hueOff val="0"/>
-                  <a:satOff val="0"/>
-                  <a:lumOff val="0"/>
-                  <a:alphaOff val="0"/>
-                </a:schemeClr>
-              </a:solidFill>
-              <a:round/>
-            </a:ln>
-          </p:spPr>
-          <p:style>
-            <a:lnRef idx="2"/>
-            <a:fillRef idx="0"/>
-            <a:effectRef idx="0"/>
-            <a:fontRef idx="minor"/>
-          </p:style>
-          <p:txBody>
-            <a:bodyPr lIns="107280" rIns="76320" tIns="107280" bIns="107640" anchor="ctr"/>
-            <a:p>
-              <a:pPr algn="ctr">
-                <a:lnSpc>
-                  <a:spcPct val="90000"/>
-                </a:lnSpc>
-                <a:spcAft>
-                  <a:spcPts val="700"/>
-                </a:spcAft>
-              </a:pPr>
-              <a:r>
-                <a:rPr b="0" lang="en-IN" sz="2000" spc="-1" strike="noStrike">
-                  <a:solidFill>
-                    <a:srgbClr val="ffffff"/>
-                  </a:solidFill>
-                  <a:latin typeface="Calibri"/>
-                  <a:ea typeface="DejaVu Sans"/>
-                </a:rPr>
-                <a:t>Emotion</a:t>
-              </a:r>
-              <a:endParaRPr b="0" lang="en-IN" sz="2000" spc="-1" strike="noStrike">
-                <a:latin typeface="Arial"/>
-              </a:endParaRPr>
-            </a:p>
-          </p:txBody>
-        </p:sp>
-      </p:grpSp>
-      <p:grpSp>
-        <p:nvGrpSpPr>
-          <p:cNvPr id="155" name="Group 12"/>
-          <p:cNvGrpSpPr/>
-          <p:nvPr/>
-        </p:nvGrpSpPr>
-        <p:grpSpPr>
-          <a:xfrm>
-            <a:off x="0" y="0"/>
-            <a:ext cx="36000" cy="36000"/>
-            <a:chOff x="0" y="0"/>
-            <a:chExt cx="36000" cy="36000"/>
-          </a:xfrm>
-        </p:grpSpPr>
-      </p:grpSp>
-      <p:sp>
-        <p:nvSpPr>
-          <p:cNvPr id="156" name="CustomShape 13"/>
-          <p:cNvSpPr/>
-          <p:nvPr/>
-        </p:nvSpPr>
-        <p:spPr>
-          <a:xfrm>
-            <a:off x="5155200" y="3332160"/>
-            <a:ext cx="1960200" cy="1310760"/>
-          </a:xfrm>
-          <a:prstGeom prst="rect">
-            <a:avLst/>
-          </a:prstGeom>
-          <a:noFill/>
-          <a:ln w="76320">
-            <a:solidFill>
-              <a:srgbClr val="ff0000"/>
-            </a:solidFill>
-            <a:round/>
-          </a:ln>
-        </p:spPr>
-        <p:style>
-          <a:lnRef idx="2">
-            <a:schemeClr val="accent1">
-              <a:shade val="50000"/>
-            </a:schemeClr>
-          </a:lnRef>
-          <a:fillRef idx="1">
-            <a:schemeClr val="accent1"/>
-          </a:fillRef>
-          <a:effectRef idx="0">
-            <a:schemeClr val="accent1"/>
-          </a:effectRef>
-          <a:fontRef idx="minor"/>
-        </p:style>
-      </p:sp>
-    </p:spTree>
-  </p:cSld>
-  <p:timing>
-    <p:tnLst>
-      <p:par>
-        <p:cTn id="15" dur="indefinite" restart="never" nodeType="tmRoot">
-          <p:childTnLst>
-            <p:seq>
-              <p:cTn id="16" dur="indefinite" nodeType="mainSeq"/>
-              <p:prevCondLst>
-                <p:cond delay="0" evt="onPrev">
-                  <p:tgtEl>
-                    <p:sldTgt/>
-                  </p:tgtEl>
-                </p:cond>
-              </p:prevCondLst>
-              <p:nextCondLst>
-                <p:cond delay="0" evt="onNext">
-                  <p:tgtEl>
-                    <p:sldTgt/>
-                  </p:tgtEl>
-                </p:cond>
-              </p:nextCondLst>
-            </p:seq>
-          </p:childTnLst>
-        </p:cTn>
-      </p:par>
-    </p:tnLst>
-  </p:timing>
-</p:sld>
-</file>
-
-<file path=ppt/slides/slide9.xml><?xml version="1.0" encoding="utf-8"?>
-<p:sld xmlns:a="http://schemas.openxmlformats.org/drawingml/2006/main" xmlns:p="http://schemas.openxmlformats.org/presentationml/2006/main" xmlns:r="http://schemas.openxmlformats.org/officeDocument/2006/relationships" xmlns:p14="http://schemas.microsoft.com/office/powerpoint/2010/main" xmlns:p15="http://schemas.microsoft.com/office/powerpoint/2012/main" xmlns:mc="http://schemas.openxmlformats.org/markup-compatibility/2006">
-  <p:cSld>
-    <p:spTree>
-      <p:nvGrpSpPr>
-        <p:cNvPr id="1" name=""/>
-        <p:cNvGrpSpPr/>
-        <p:nvPr/>
-      </p:nvGrpSpPr>
-      <p:grpSpPr>
-        <a:xfrm>
-          <a:off x="0" y="0"/>
-          <a:ext cx="0" cy="0"/>
-          <a:chOff x="0" y="0"/>
-          <a:chExt cx="0" cy="0"/>
-        </a:xfrm>
-      </p:grpSpPr>
-      <p:sp>
-        <p:nvSpPr>
-          <p:cNvPr id="157" name="CustomShape 1"/>
-          <p:cNvSpPr/>
-          <p:nvPr/>
-        </p:nvSpPr>
-        <p:spPr>
-          <a:xfrm>
-            <a:off x="838080" y="365040"/>
-            <a:ext cx="10514520" cy="1324440"/>
-          </a:xfrm>
-          <a:prstGeom prst="rect">
-            <a:avLst/>
-          </a:prstGeom>
-          <a:noFill/>
-          <a:ln>
-            <a:noFill/>
-          </a:ln>
-        </p:spPr>
-        <p:style>
-          <a:lnRef idx="0"/>
-          <a:fillRef idx="0"/>
-          <a:effectRef idx="0"/>
-          <a:fontRef idx="minor"/>
-        </p:style>
-        <p:txBody>
-          <a:bodyPr lIns="90000" rIns="90000" tIns="45000" bIns="45000" anchor="ctr"/>
-          <a:p>
-            <a:pPr>
-              <a:lnSpc>
-                <a:spcPct val="90000"/>
-              </a:lnSpc>
-            </a:pPr>
-            <a:r>
-              <a:rPr b="0" lang="en-IN" sz="4400" spc="-1" strike="noStrike">
-                <a:solidFill>
-                  <a:srgbClr val="000000"/>
-                </a:solidFill>
-                <a:latin typeface="Calibri Light"/>
-                <a:ea typeface="DejaVu Sans"/>
-              </a:rPr>
-              <a:t>Word Embedding</a:t>
-            </a:r>
-            <a:endParaRPr b="0" lang="en-IN" sz="4400" spc="-1" strike="noStrike">
-              <a:latin typeface="Arial"/>
-            </a:endParaRPr>
-          </a:p>
-        </p:txBody>
-      </p:sp>
-      <p:sp>
-        <p:nvSpPr>
-          <p:cNvPr id="158" name="CustomShape 2"/>
-          <p:cNvSpPr/>
-          <p:nvPr/>
-        </p:nvSpPr>
-        <p:spPr>
-          <a:xfrm>
-            <a:off x="838080" y="1825560"/>
-            <a:ext cx="10514520" cy="4350240"/>
-          </a:xfrm>
-          <a:prstGeom prst="rect">
-            <a:avLst/>
-          </a:prstGeom>
-          <a:noFill/>
-          <a:ln>
-            <a:noFill/>
-          </a:ln>
-        </p:spPr>
-        <p:style>
-          <a:lnRef idx="0"/>
-          <a:fillRef idx="0"/>
-          <a:effectRef idx="0"/>
-          <a:fontRef idx="minor"/>
-        </p:style>
-        <p:txBody>
-          <a:bodyPr lIns="90000" rIns="90000" tIns="45000" bIns="45000"/>
-          <a:p>
-            <a:pPr marL="228600" indent="-227520">
-              <a:lnSpc>
-                <a:spcPct val="90000"/>
-              </a:lnSpc>
-              <a:spcBef>
-                <a:spcPts val="1001"/>
-              </a:spcBef>
-              <a:buClr>
-                <a:srgbClr val="000000"/>
-              </a:buClr>
-              <a:buFont typeface="Arial"/>
-              <a:buChar char="•"/>
-            </a:pPr>
-            <a:r>
-              <a:rPr b="0" lang="en-IN" sz="2800" spc="-1" strike="noStrike">
-                <a:solidFill>
-                  <a:srgbClr val="000000"/>
-                </a:solidFill>
-                <a:latin typeface="Calibri"/>
-                <a:ea typeface="DejaVu Sans"/>
-              </a:rPr>
-              <a:t>Word Representation</a:t>
-            </a:r>
-            <a:endParaRPr b="0" lang="en-IN" sz="2800" spc="-1" strike="noStrike">
-              <a:latin typeface="Arial"/>
-            </a:endParaRPr>
-          </a:p>
-          <a:p>
-            <a:pPr marL="228600" indent="-227520">
-              <a:lnSpc>
-                <a:spcPct val="90000"/>
-              </a:lnSpc>
-              <a:spcBef>
-                <a:spcPts val="1001"/>
-              </a:spcBef>
-              <a:buClr>
-                <a:srgbClr val="000000"/>
-              </a:buClr>
-              <a:buFont typeface="Arial"/>
-              <a:buChar char="•"/>
-            </a:pPr>
-            <a:r>
-              <a:rPr b="0" lang="en-IN" sz="2800" spc="-1" strike="noStrike">
-                <a:solidFill>
-                  <a:srgbClr val="000000"/>
-                </a:solidFill>
-                <a:latin typeface="Calibri"/>
-                <a:ea typeface="DejaVu Sans"/>
-              </a:rPr>
-              <a:t>Similar representation for similar words</a:t>
-            </a:r>
-            <a:endParaRPr b="0" lang="en-IN" sz="2800" spc="-1" strike="noStrike">
-              <a:latin typeface="Arial"/>
-            </a:endParaRPr>
-          </a:p>
-          <a:p>
-            <a:pPr marL="228600" indent="-227520">
-              <a:lnSpc>
-                <a:spcPct val="90000"/>
-              </a:lnSpc>
-              <a:spcBef>
-                <a:spcPts val="1001"/>
-              </a:spcBef>
-              <a:buClr>
-                <a:srgbClr val="000000"/>
-              </a:buClr>
-              <a:buFont typeface="Arial"/>
-              <a:buChar char="•"/>
-            </a:pPr>
-            <a:r>
-              <a:rPr b="0" lang="en-IN" sz="2800" spc="-1" strike="noStrike">
-                <a:solidFill>
-                  <a:srgbClr val="000000"/>
-                </a:solidFill>
-                <a:latin typeface="Calibri"/>
-                <a:ea typeface="DejaVu Sans"/>
-              </a:rPr>
-              <a:t>Words represented as a vector in predefined vector space</a:t>
-            </a:r>
-            <a:endParaRPr b="0" lang="en-IN" sz="2800" spc="-1" strike="noStrike">
-              <a:latin typeface="Arial"/>
-            </a:endParaRPr>
-          </a:p>
-          <a:p>
-            <a:pPr marL="228600" indent="-227520">
-              <a:lnSpc>
-                <a:spcPct val="90000"/>
-              </a:lnSpc>
-              <a:spcBef>
-                <a:spcPts val="1001"/>
-              </a:spcBef>
-              <a:buClr>
-                <a:srgbClr val="000000"/>
-              </a:buClr>
-              <a:buFont typeface="Arial"/>
-              <a:buChar char="•"/>
-            </a:pPr>
-            <a:r>
-              <a:rPr b="0" lang="en-IN" sz="2800" spc="-1" strike="noStrike">
-                <a:solidFill>
-                  <a:srgbClr val="000000"/>
-                </a:solidFill>
-                <a:latin typeface="Calibri"/>
-                <a:ea typeface="DejaVu Sans"/>
-              </a:rPr>
-              <a:t>Types of word embedding</a:t>
-            </a:r>
-            <a:endParaRPr b="0" lang="en-IN" sz="2800" spc="-1" strike="noStrike">
-              <a:latin typeface="Arial"/>
-            </a:endParaRPr>
-          </a:p>
-          <a:p>
-            <a:pPr lvl="1" marL="685800" indent="-227520">
-              <a:lnSpc>
-                <a:spcPct val="90000"/>
-              </a:lnSpc>
-              <a:spcBef>
-                <a:spcPts val="499"/>
-              </a:spcBef>
-              <a:buClr>
-                <a:srgbClr val="000000"/>
-              </a:buClr>
-              <a:buFont typeface="Arial"/>
-              <a:buChar char="•"/>
-            </a:pPr>
-            <a:r>
-              <a:rPr b="0" lang="en-IN" sz="2400" spc="-1" strike="noStrike">
-                <a:solidFill>
-                  <a:srgbClr val="000000"/>
-                </a:solidFill>
-                <a:latin typeface="Calibri"/>
-                <a:ea typeface="DejaVu Sans"/>
-              </a:rPr>
-              <a:t>Sparse: </a:t>
-            </a:r>
-            <a:endParaRPr b="0" lang="en-IN" sz="2400" spc="-1" strike="noStrike">
-              <a:latin typeface="Arial"/>
-            </a:endParaRPr>
-          </a:p>
-          <a:p>
-            <a:pPr lvl="2" marL="1143000" indent="-227520">
-              <a:lnSpc>
-                <a:spcPct val="90000"/>
-              </a:lnSpc>
-              <a:spcBef>
-                <a:spcPts val="499"/>
-              </a:spcBef>
-              <a:buClr>
-                <a:srgbClr val="000000"/>
-              </a:buClr>
-              <a:buFont typeface="Arial"/>
-              <a:buChar char="•"/>
-            </a:pPr>
-            <a:r>
-              <a:rPr b="0" lang="en-IN" sz="2000" spc="-1" strike="noStrike">
-                <a:solidFill>
-                  <a:srgbClr val="000000"/>
-                </a:solidFill>
-                <a:latin typeface="Calibri"/>
-                <a:ea typeface="DejaVu Sans"/>
-              </a:rPr>
-              <a:t>Bag of words(TF-IDF)</a:t>
-            </a:r>
-            <a:endParaRPr b="0" lang="en-IN" sz="2000" spc="-1" strike="noStrike">
-              <a:latin typeface="Arial"/>
-            </a:endParaRPr>
-          </a:p>
-          <a:p>
-            <a:pPr lvl="1" marL="685800" indent="-227520">
-              <a:lnSpc>
-                <a:spcPct val="90000"/>
-              </a:lnSpc>
-              <a:spcBef>
-                <a:spcPts val="499"/>
-              </a:spcBef>
-              <a:buClr>
-                <a:srgbClr val="000000"/>
-              </a:buClr>
-              <a:buFont typeface="Arial"/>
-              <a:buChar char="•"/>
-            </a:pPr>
-            <a:r>
-              <a:rPr b="0" lang="en-IN" sz="2400" spc="-1" strike="noStrike">
-                <a:solidFill>
-                  <a:srgbClr val="000000"/>
-                </a:solidFill>
-                <a:latin typeface="Calibri"/>
-                <a:ea typeface="DejaVu Sans"/>
-              </a:rPr>
-              <a:t>Dense: </a:t>
-            </a:r>
-            <a:endParaRPr b="0" lang="en-IN" sz="2400" spc="-1" strike="noStrike">
-              <a:latin typeface="Arial"/>
-            </a:endParaRPr>
-          </a:p>
-          <a:p>
-            <a:pPr lvl="2" marL="1143000" indent="-227520">
-              <a:lnSpc>
-                <a:spcPct val="90000"/>
-              </a:lnSpc>
-              <a:spcBef>
-                <a:spcPts val="499"/>
-              </a:spcBef>
-              <a:buClr>
-                <a:srgbClr val="000000"/>
-              </a:buClr>
-              <a:buFont typeface="Arial"/>
-              <a:buChar char="•"/>
-            </a:pPr>
-            <a:r>
-              <a:rPr b="0" lang="en-IN" sz="2000" spc="-1" strike="noStrike">
-                <a:solidFill>
-                  <a:srgbClr val="000000"/>
-                </a:solidFill>
-                <a:latin typeface="Calibri"/>
-                <a:ea typeface="DejaVu Sans"/>
-              </a:rPr>
-              <a:t>Tokenizer API by Keras</a:t>
-            </a:r>
-            <a:endParaRPr b="0" lang="en-IN" sz="2000" spc="-1" strike="noStrike">
-              <a:latin typeface="Arial"/>
-            </a:endParaRPr>
-          </a:p>
-          <a:p>
-            <a:pPr lvl="2" marL="1143000" indent="-227520">
-              <a:lnSpc>
-                <a:spcPct val="90000"/>
-              </a:lnSpc>
-              <a:spcBef>
-                <a:spcPts val="499"/>
-              </a:spcBef>
-              <a:buClr>
-                <a:srgbClr val="000000"/>
-              </a:buClr>
-              <a:buFont typeface="Arial"/>
-              <a:buChar char="•"/>
-            </a:pPr>
-            <a:r>
-              <a:rPr b="0" lang="en-IN" sz="2000" spc="-1" strike="noStrike">
-                <a:solidFill>
-                  <a:srgbClr val="000000"/>
-                </a:solidFill>
-                <a:latin typeface="Calibri"/>
-                <a:ea typeface="DejaVu Sans"/>
-              </a:rPr>
-              <a:t>GloVe(Global Vectors for Word Representation)</a:t>
-            </a:r>
-            <a:endParaRPr b="0" lang="en-IN" sz="2000" spc="-1" strike="noStrike">
-              <a:latin typeface="Arial"/>
-            </a:endParaRPr>
-          </a:p>
-          <a:p>
-            <a:pPr lvl="2" marL="1143000" indent="-227520">
-              <a:lnSpc>
-                <a:spcPct val="90000"/>
-              </a:lnSpc>
-              <a:spcBef>
-                <a:spcPts val="499"/>
-              </a:spcBef>
-              <a:buClr>
-                <a:srgbClr val="000000"/>
-              </a:buClr>
-              <a:buFont typeface="Arial"/>
-              <a:buChar char="•"/>
-            </a:pPr>
-            <a:r>
-              <a:rPr b="0" lang="en-IN" sz="2000" spc="-1" strike="noStrike">
-                <a:solidFill>
-                  <a:srgbClr val="000000"/>
-                </a:solidFill>
-                <a:latin typeface="Calibri"/>
-                <a:ea typeface="DejaVu Sans"/>
-              </a:rPr>
-              <a:t>etc </a:t>
-            </a:r>
-            <a:endParaRPr b="0" lang="en-IN" sz="2000" spc="-1" strike="noStrike">
-              <a:latin typeface="Arial"/>
-            </a:endParaRPr>
-          </a:p>
-          <a:p>
-            <a:pPr marL="457200">
-              <a:lnSpc>
-                <a:spcPct val="90000"/>
-              </a:lnSpc>
-              <a:spcBef>
-                <a:spcPts val="499"/>
-              </a:spcBef>
-            </a:pPr>
-            <a:endParaRPr b="0" lang="en-IN" sz="2000" spc="-1" strike="noStrike">
               <a:latin typeface="Arial"/>
             </a:endParaRPr>
           </a:p>

--- a/Emotion From Text.pptx
+++ b/Emotion From Text.pptx
@@ -3010,7 +3010,25 @@
               <a:rPr b="0" lang="en-IN" sz="4400" spc="-1" strike="noStrike">
                 <a:latin typeface="Arial"/>
               </a:rPr>
-              <a:t>Click to edit the title text format</a:t>
+              <a:t>Click to </a:t>
+            </a:r>
+            <a:r>
+              <a:rPr b="0" lang="en-IN" sz="4400" spc="-1" strike="noStrike">
+                <a:latin typeface="Arial"/>
+              </a:rPr>
+              <a:t>edit the </a:t>
+            </a:r>
+            <a:r>
+              <a:rPr b="0" lang="en-IN" sz="4400" spc="-1" strike="noStrike">
+                <a:latin typeface="Arial"/>
+              </a:rPr>
+              <a:t>title text </a:t>
+            </a:r>
+            <a:r>
+              <a:rPr b="0" lang="en-IN" sz="4400" spc="-1" strike="noStrike">
+                <a:latin typeface="Arial"/>
+              </a:rPr>
+              <a:t>format</a:t>
             </a:r>
             <a:endParaRPr b="0" lang="en-IN" sz="4400" spc="-1" strike="noStrike">
               <a:latin typeface="Arial"/>
@@ -3243,7 +3261,7 @@
         <p:spPr>
           <a:xfrm>
             <a:off x="1728000" y="1122480"/>
-            <a:ext cx="8938080" cy="1541520"/>
+            <a:ext cx="8937720" cy="1541160"/>
           </a:xfrm>
           <a:prstGeom prst="rect">
             <a:avLst/>
@@ -3285,14 +3303,14 @@
       </p:sp>
       <p:sp>
         <p:nvSpPr>
-          <p:cNvPr id="77" name="TextShape 2"/>
-          <p:cNvSpPr txBox="1"/>
+          <p:cNvPr id="77" name="CustomShape 2"/>
+          <p:cNvSpPr/>
           <p:nvPr/>
         </p:nvSpPr>
         <p:spPr>
           <a:xfrm>
             <a:off x="504000" y="4821840"/>
-            <a:ext cx="7992000" cy="1370160"/>
+            <a:ext cx="7991640" cy="1369800"/>
           </a:xfrm>
           <a:prstGeom prst="rect">
             <a:avLst/>
@@ -3302,9 +3320,20 @@
             <a:noFill/>
           </a:ln>
         </p:spPr>
+        <p:style>
+          <a:lnRef idx="0"/>
+          <a:fillRef idx="0"/>
+          <a:effectRef idx="0"/>
+          <a:fontRef idx="minor"/>
+        </p:style>
         <p:txBody>
           <a:bodyPr lIns="90000" rIns="90000" tIns="45000" bIns="45000"/>
           <a:p>
+            <a:pPr>
+              <a:lnSpc>
+                <a:spcPct val="100000"/>
+              </a:lnSpc>
+            </a:pPr>
             <a:r>
               <a:rPr b="1" lang="en-IN" sz="1800" spc="-1" strike="noStrike">
                 <a:latin typeface="Arial"/>
@@ -3316,6 +3345,11 @@
             </a:endParaRPr>
           </a:p>
           <a:p>
+            <a:pPr>
+              <a:lnSpc>
+                <a:spcPct val="100000"/>
+              </a:lnSpc>
+            </a:pPr>
             <a:r>
               <a:rPr b="0" lang="en-IN" sz="1800" spc="-1" strike="noStrike">
                 <a:latin typeface="Arial"/>
@@ -3327,6 +3361,11 @@
             </a:endParaRPr>
           </a:p>
           <a:p>
+            <a:pPr>
+              <a:lnSpc>
+                <a:spcPct val="100000"/>
+              </a:lnSpc>
+            </a:pPr>
             <a:r>
               <a:rPr b="0" lang="en-IN" sz="1800" spc="-1" strike="noStrike">
                 <a:latin typeface="Arial"/>
@@ -3338,6 +3377,11 @@
             </a:endParaRPr>
           </a:p>
           <a:p>
+            <a:pPr>
+              <a:lnSpc>
+                <a:spcPct val="100000"/>
+              </a:lnSpc>
+            </a:pPr>
             <a:r>
               <a:rPr b="0" lang="en-IN" sz="1800" spc="-1" strike="noStrike">
                 <a:latin typeface="Arial"/>
@@ -3349,6 +3393,11 @@
             </a:endParaRPr>
           </a:p>
           <a:p>
+            <a:pPr>
+              <a:lnSpc>
+                <a:spcPct val="100000"/>
+              </a:lnSpc>
+            </a:pPr>
             <a:r>
               <a:rPr b="0" lang="en-IN" sz="1800" spc="-1" strike="noStrike">
                 <a:latin typeface="Arial"/>
@@ -3419,7 +3468,7 @@
         <p:spPr>
           <a:xfrm>
             <a:off x="838080" y="365040"/>
-            <a:ext cx="10513800" cy="1323720"/>
+            <a:ext cx="10513440" cy="1323360"/>
           </a:xfrm>
           <a:prstGeom prst="rect">
             <a:avLst/>
@@ -3468,9 +3517,9 @@
         <p:grpSpPr>
           <a:xfrm>
             <a:off x="297360" y="3457440"/>
-            <a:ext cx="11675160" cy="1059840"/>
+            <a:ext cx="11674800" cy="1059480"/>
             <a:chOff x="297360" y="3457440"/>
-            <a:chExt cx="11675160" cy="1059840"/>
+            <a:chExt cx="11674800" cy="1059480"/>
           </a:xfrm>
         </p:grpSpPr>
         <p:sp>
@@ -3482,7 +3531,7 @@
           <p:spPr>
             <a:xfrm>
               <a:off x="297360" y="3457440"/>
-              <a:ext cx="1767600" cy="1059840"/>
+              <a:ext cx="1767240" cy="1059480"/>
             </a:xfrm>
             <a:prstGeom prst="roundRect">
               <a:avLst>
@@ -3551,7 +3600,7 @@
           <p:spPr>
             <a:xfrm>
               <a:off x="2243520" y="3768480"/>
-              <a:ext cx="373320" cy="437040"/>
+              <a:ext cx="372960" cy="436680"/>
             </a:xfrm>
             <a:prstGeom prst="rightArrow">
               <a:avLst>
@@ -3587,7 +3636,7 @@
           <p:spPr>
             <a:xfrm>
               <a:off x="2774160" y="3457440"/>
-              <a:ext cx="1767600" cy="1059840"/>
+              <a:ext cx="1767240" cy="1059480"/>
             </a:xfrm>
             <a:prstGeom prst="roundRect">
               <a:avLst>
@@ -3656,7 +3705,7 @@
           <p:spPr>
             <a:xfrm>
               <a:off x="4720320" y="3768480"/>
-              <a:ext cx="373320" cy="437040"/>
+              <a:ext cx="372960" cy="436680"/>
             </a:xfrm>
             <a:prstGeom prst="rightArrow">
               <a:avLst>
@@ -3692,7 +3741,7 @@
           <p:spPr>
             <a:xfrm>
               <a:off x="5250960" y="3457440"/>
-              <a:ext cx="1767600" cy="1059840"/>
+              <a:ext cx="1767240" cy="1059480"/>
             </a:xfrm>
             <a:prstGeom prst="roundRect">
               <a:avLst>
@@ -3761,7 +3810,7 @@
           <p:spPr>
             <a:xfrm>
               <a:off x="7197480" y="3768480"/>
-              <a:ext cx="373320" cy="437040"/>
+              <a:ext cx="372960" cy="436680"/>
             </a:xfrm>
             <a:prstGeom prst="rightArrow">
               <a:avLst>
@@ -3797,7 +3846,7 @@
           <p:spPr>
             <a:xfrm>
               <a:off x="7728120" y="3457440"/>
-              <a:ext cx="1767600" cy="1059840"/>
+              <a:ext cx="1767240" cy="1059480"/>
             </a:xfrm>
             <a:prstGeom prst="roundRect">
               <a:avLst>
@@ -3866,7 +3915,7 @@
           <p:spPr>
             <a:xfrm>
               <a:off x="9674280" y="3768480"/>
-              <a:ext cx="373320" cy="437040"/>
+              <a:ext cx="372960" cy="436680"/>
             </a:xfrm>
             <a:prstGeom prst="rightArrow">
               <a:avLst>
@@ -3902,7 +3951,7 @@
           <p:spPr>
             <a:xfrm>
               <a:off x="10204920" y="3457440"/>
-              <a:ext cx="1767600" cy="1059840"/>
+              <a:ext cx="1767240" cy="1059480"/>
             </a:xfrm>
             <a:prstGeom prst="roundRect">
               <a:avLst>
@@ -3987,7 +4036,7 @@
         <p:spPr>
           <a:xfrm>
             <a:off x="5155200" y="3332160"/>
-            <a:ext cx="1959480" cy="1310040"/>
+            <a:ext cx="1959120" cy="1309680"/>
           </a:xfrm>
           <a:prstGeom prst="rect">
             <a:avLst/>
@@ -4073,7 +4122,7 @@
         <p:spPr>
           <a:xfrm>
             <a:off x="838080" y="365040"/>
-            <a:ext cx="10513800" cy="1323720"/>
+            <a:ext cx="10513440" cy="1323360"/>
           </a:xfrm>
           <a:prstGeom prst="rect">
             <a:avLst/>
@@ -4122,7 +4171,7 @@
         <p:spPr>
           <a:xfrm>
             <a:off x="838080" y="1825560"/>
-            <a:ext cx="10513800" cy="4349520"/>
+            <a:ext cx="10513440" cy="4349160"/>
           </a:xfrm>
           <a:prstGeom prst="rect">
             <a:avLst/>
@@ -4141,7 +4190,7 @@
         <p:txBody>
           <a:bodyPr lIns="90000" rIns="90000" tIns="45000" bIns="45000"/>
           <a:p>
-            <a:pPr marL="228600" indent="-226800">
+            <a:pPr marL="228600" indent="-226440">
               <a:lnSpc>
                 <a:spcPct val="90000"/>
               </a:lnSpc>
@@ -4169,7 +4218,7 @@
             </a:endParaRPr>
           </a:p>
           <a:p>
-            <a:pPr marL="228600" indent="-226800">
+            <a:pPr marL="228600" indent="-226440">
               <a:lnSpc>
                 <a:spcPct val="90000"/>
               </a:lnSpc>
@@ -4197,7 +4246,7 @@
             </a:endParaRPr>
           </a:p>
           <a:p>
-            <a:pPr marL="228600" indent="-226800">
+            <a:pPr marL="228600" indent="-226440">
               <a:lnSpc>
                 <a:spcPct val="90000"/>
               </a:lnSpc>
@@ -4225,7 +4274,7 @@
             </a:endParaRPr>
           </a:p>
           <a:p>
-            <a:pPr marL="228600" indent="-226800">
+            <a:pPr marL="228600" indent="-226440">
               <a:lnSpc>
                 <a:spcPct val="90000"/>
               </a:lnSpc>
@@ -4253,7 +4302,7 @@
             </a:endParaRPr>
           </a:p>
           <a:p>
-            <a:pPr lvl="1" marL="685800" indent="-226800">
+            <a:pPr lvl="1" marL="685800" indent="-226440">
               <a:lnSpc>
                 <a:spcPct val="90000"/>
               </a:lnSpc>
@@ -4281,7 +4330,7 @@
             </a:endParaRPr>
           </a:p>
           <a:p>
-            <a:pPr lvl="2" marL="1143000" indent="-226800">
+            <a:pPr lvl="2" marL="1143000" indent="-226440">
               <a:lnSpc>
                 <a:spcPct val="90000"/>
               </a:lnSpc>
@@ -4302,14 +4351,42 @@
                 <a:latin typeface="Calibri"/>
                 <a:ea typeface="DejaVu Sans"/>
               </a:rPr>
-              <a:t>Bag of words(TF-IDF)</a:t>
+              <a:t>Bag of words(Tokenizer API by keras)</a:t>
             </a:r>
             <a:endParaRPr b="0" lang="en-IN" sz="2000" spc="-1" strike="noStrike">
               <a:latin typeface="Arial"/>
             </a:endParaRPr>
           </a:p>
           <a:p>
-            <a:pPr lvl="1" marL="685800" indent="-226800">
+            <a:pPr lvl="2" marL="1143000" indent="-226440">
+              <a:lnSpc>
+                <a:spcPct val="90000"/>
+              </a:lnSpc>
+              <a:spcBef>
+                <a:spcPts val="499"/>
+              </a:spcBef>
+              <a:buClr>
+                <a:srgbClr val="000000"/>
+              </a:buClr>
+              <a:buFont typeface="Arial"/>
+              <a:buChar char="•"/>
+            </a:pPr>
+            <a:r>
+              <a:rPr b="0" lang="en-IN" sz="2000" spc="-1" strike="noStrike">
+                <a:solidFill>
+                  <a:srgbClr val="000000"/>
+                </a:solidFill>
+                <a:latin typeface="Calibri"/>
+                <a:ea typeface="DejaVu Sans"/>
+              </a:rPr>
+              <a:t>TF-IDF</a:t>
+            </a:r>
+            <a:endParaRPr b="0" lang="en-IN" sz="2000" spc="-1" strike="noStrike">
+              <a:latin typeface="Arial"/>
+            </a:endParaRPr>
+          </a:p>
+          <a:p>
+            <a:pPr lvl="1" marL="685800" indent="-226440">
               <a:lnSpc>
                 <a:spcPct val="90000"/>
               </a:lnSpc>
@@ -4337,35 +4414,7 @@
             </a:endParaRPr>
           </a:p>
           <a:p>
-            <a:pPr lvl="2" marL="1143000" indent="-226800">
-              <a:lnSpc>
-                <a:spcPct val="90000"/>
-              </a:lnSpc>
-              <a:spcBef>
-                <a:spcPts val="499"/>
-              </a:spcBef>
-              <a:buClr>
-                <a:srgbClr val="000000"/>
-              </a:buClr>
-              <a:buFont typeface="Arial"/>
-              <a:buChar char="•"/>
-            </a:pPr>
-            <a:r>
-              <a:rPr b="0" lang="en-IN" sz="2000" spc="-1" strike="noStrike">
-                <a:solidFill>
-                  <a:srgbClr val="000000"/>
-                </a:solidFill>
-                <a:latin typeface="Calibri"/>
-                <a:ea typeface="DejaVu Sans"/>
-              </a:rPr>
-              <a:t>Tokenizer API by Keras</a:t>
-            </a:r>
-            <a:endParaRPr b="0" lang="en-IN" sz="2000" spc="-1" strike="noStrike">
-              <a:latin typeface="Arial"/>
-            </a:endParaRPr>
-          </a:p>
-          <a:p>
-            <a:pPr lvl="2" marL="1143000" indent="-226800">
+            <a:pPr lvl="2" marL="1143000" indent="-226440">
               <a:lnSpc>
                 <a:spcPct val="90000"/>
               </a:lnSpc>
@@ -4393,7 +4442,7 @@
             </a:endParaRPr>
           </a:p>
           <a:p>
-            <a:pPr lvl="2" marL="1143000" indent="-226800">
+            <a:pPr lvl="2" marL="1143000" indent="-226440">
               <a:lnSpc>
                 <a:spcPct val="90000"/>
               </a:lnSpc>
@@ -4493,7 +4542,7 @@
         <p:spPr>
           <a:xfrm>
             <a:off x="838080" y="365040"/>
-            <a:ext cx="10513800" cy="1323720"/>
+            <a:ext cx="10513440" cy="1323360"/>
           </a:xfrm>
           <a:prstGeom prst="rect">
             <a:avLst/>
@@ -4546,7 +4595,7 @@
         <p:spPr>
           <a:xfrm>
             <a:off x="1311840" y="1770120"/>
-            <a:ext cx="9324000" cy="4310640"/>
+            <a:ext cx="9323640" cy="4310280"/>
           </a:xfrm>
           <a:prstGeom prst="rect">
             <a:avLst/>
@@ -4614,7 +4663,7 @@
         <p:spPr>
           <a:xfrm>
             <a:off x="838080" y="365040"/>
-            <a:ext cx="10513800" cy="1323720"/>
+            <a:ext cx="10513440" cy="1323360"/>
           </a:xfrm>
           <a:prstGeom prst="rect">
             <a:avLst/>
@@ -4667,7 +4716,7 @@
         <p:spPr>
           <a:xfrm>
             <a:off x="1272240" y="1690560"/>
-            <a:ext cx="8360280" cy="4800240"/>
+            <a:ext cx="8359920" cy="4799880"/>
           </a:xfrm>
           <a:prstGeom prst="rect">
             <a:avLst/>
@@ -4735,7 +4784,7 @@
         <p:spPr>
           <a:xfrm>
             <a:off x="838080" y="365040"/>
-            <a:ext cx="10513800" cy="1323720"/>
+            <a:ext cx="10513440" cy="1323360"/>
           </a:xfrm>
           <a:prstGeom prst="rect">
             <a:avLst/>
@@ -4788,7 +4837,7 @@
         <p:spPr>
           <a:xfrm>
             <a:off x="1285560" y="1783080"/>
-            <a:ext cx="8114760" cy="3980160"/>
+            <a:ext cx="8114400" cy="3979800"/>
           </a:xfrm>
           <a:prstGeom prst="rect">
             <a:avLst/>
@@ -4856,7 +4905,7 @@
         <p:spPr>
           <a:xfrm>
             <a:off x="838080" y="365040"/>
-            <a:ext cx="10513800" cy="1323720"/>
+            <a:ext cx="10513440" cy="1323360"/>
           </a:xfrm>
           <a:prstGeom prst="rect">
             <a:avLst/>
@@ -4905,9 +4954,9 @@
         <p:grpSpPr>
           <a:xfrm>
             <a:off x="297360" y="3457440"/>
-            <a:ext cx="11675160" cy="1059840"/>
+            <a:ext cx="11674800" cy="1059480"/>
             <a:chOff x="297360" y="3457440"/>
-            <a:chExt cx="11675160" cy="1059840"/>
+            <a:chExt cx="11674800" cy="1059480"/>
           </a:xfrm>
         </p:grpSpPr>
         <p:sp>
@@ -4919,7 +4968,7 @@
           <p:spPr>
             <a:xfrm>
               <a:off x="297360" y="3457440"/>
-              <a:ext cx="1767600" cy="1059840"/>
+              <a:ext cx="1767240" cy="1059480"/>
             </a:xfrm>
             <a:prstGeom prst="roundRect">
               <a:avLst>
@@ -4988,7 +5037,7 @@
           <p:spPr>
             <a:xfrm>
               <a:off x="2243520" y="3768480"/>
-              <a:ext cx="373320" cy="437040"/>
+              <a:ext cx="372960" cy="436680"/>
             </a:xfrm>
             <a:prstGeom prst="rightArrow">
               <a:avLst>
@@ -5024,7 +5073,7 @@
           <p:spPr>
             <a:xfrm>
               <a:off x="2774160" y="3457440"/>
-              <a:ext cx="1767600" cy="1059840"/>
+              <a:ext cx="1767240" cy="1059480"/>
             </a:xfrm>
             <a:prstGeom prst="roundRect">
               <a:avLst>
@@ -5093,7 +5142,7 @@
           <p:spPr>
             <a:xfrm>
               <a:off x="4720320" y="3768480"/>
-              <a:ext cx="373320" cy="437040"/>
+              <a:ext cx="372960" cy="436680"/>
             </a:xfrm>
             <a:prstGeom prst="rightArrow">
               <a:avLst>
@@ -5129,7 +5178,7 @@
           <p:spPr>
             <a:xfrm>
               <a:off x="5250960" y="3457440"/>
-              <a:ext cx="1767600" cy="1059840"/>
+              <a:ext cx="1767240" cy="1059480"/>
             </a:xfrm>
             <a:prstGeom prst="roundRect">
               <a:avLst>
@@ -5198,7 +5247,7 @@
           <p:spPr>
             <a:xfrm>
               <a:off x="7197480" y="3768480"/>
-              <a:ext cx="373320" cy="437040"/>
+              <a:ext cx="372960" cy="436680"/>
             </a:xfrm>
             <a:prstGeom prst="rightArrow">
               <a:avLst>
@@ -5234,7 +5283,7 @@
           <p:spPr>
             <a:xfrm>
               <a:off x="7728120" y="3457440"/>
-              <a:ext cx="1767600" cy="1059840"/>
+              <a:ext cx="1767240" cy="1059480"/>
             </a:xfrm>
             <a:prstGeom prst="roundRect">
               <a:avLst>
@@ -5303,7 +5352,7 @@
           <p:spPr>
             <a:xfrm>
               <a:off x="9674280" y="3768480"/>
-              <a:ext cx="373320" cy="437040"/>
+              <a:ext cx="372960" cy="436680"/>
             </a:xfrm>
             <a:prstGeom prst="rightArrow">
               <a:avLst>
@@ -5339,7 +5388,7 @@
           <p:spPr>
             <a:xfrm>
               <a:off x="10204920" y="3457440"/>
-              <a:ext cx="1767600" cy="1059840"/>
+              <a:ext cx="1767240" cy="1059480"/>
             </a:xfrm>
             <a:prstGeom prst="roundRect">
               <a:avLst>
@@ -5424,7 +5473,7 @@
         <p:spPr>
           <a:xfrm>
             <a:off x="7646400" y="3332160"/>
-            <a:ext cx="1959480" cy="1310040"/>
+            <a:ext cx="1959120" cy="1309680"/>
           </a:xfrm>
           <a:prstGeom prst="rect">
             <a:avLst/>
@@ -5510,7 +5559,7 @@
         <p:spPr>
           <a:xfrm>
             <a:off x="838080" y="365040"/>
-            <a:ext cx="10513800" cy="1323720"/>
+            <a:ext cx="10513440" cy="1323360"/>
           </a:xfrm>
           <a:prstGeom prst="rect">
             <a:avLst/>
@@ -5559,7 +5608,7 @@
         <p:spPr>
           <a:xfrm>
             <a:off x="838080" y="1825560"/>
-            <a:ext cx="10513800" cy="4349520"/>
+            <a:ext cx="10513440" cy="4349160"/>
           </a:xfrm>
           <a:prstGeom prst="rect">
             <a:avLst/>
@@ -5585,9 +5634,9 @@
         <p:grpSpPr>
           <a:xfrm>
             <a:off x="-5080680" y="478080"/>
-            <a:ext cx="16786440" cy="7044480"/>
+            <a:ext cx="16786080" cy="7044120"/>
             <a:chOff x="-5080680" y="478080"/>
-            <a:chExt cx="16786440" cy="7044480"/>
+            <a:chExt cx="16786080" cy="7044120"/>
           </a:xfrm>
         </p:grpSpPr>
         <p:sp>
@@ -5599,7 +5648,7 @@
           <p:spPr>
             <a:xfrm>
               <a:off x="-5080680" y="478080"/>
-              <a:ext cx="7044480" cy="7044480"/>
+              <a:ext cx="7044120" cy="7044120"/>
             </a:xfrm>
             <a:prstGeom prst="blockArc">
               <a:avLst>
@@ -5638,7 +5687,7 @@
           <p:spPr>
             <a:xfrm>
               <a:off x="1330920" y="1711080"/>
-              <a:ext cx="10374840" cy="652680"/>
+              <a:ext cx="10374480" cy="652320"/>
             </a:xfrm>
             <a:prstGeom prst="rect">
               <a:avLst/>
@@ -5705,7 +5754,7 @@
           <p:spPr>
             <a:xfrm>
               <a:off x="921960" y="1629360"/>
-              <a:ext cx="816480" cy="816480"/>
+              <a:ext cx="816120" cy="816120"/>
             </a:xfrm>
             <a:prstGeom prst="ellipse">
               <a:avLst/>
@@ -5746,7 +5795,7 @@
           <p:spPr>
             <a:xfrm>
               <a:off x="1800000" y="2692440"/>
-              <a:ext cx="9905760" cy="652680"/>
+              <a:ext cx="9905400" cy="652320"/>
             </a:xfrm>
             <a:prstGeom prst="rect">
               <a:avLst/>
@@ -5813,7 +5862,7 @@
           <p:spPr>
             <a:xfrm>
               <a:off x="1390680" y="2610720"/>
-              <a:ext cx="816480" cy="816480"/>
+              <a:ext cx="816120" cy="816120"/>
             </a:xfrm>
             <a:prstGeom prst="ellipse">
               <a:avLst/>
@@ -5854,7 +5903,7 @@
           <p:spPr>
             <a:xfrm>
               <a:off x="1944000" y="3674160"/>
-              <a:ext cx="9761760" cy="652680"/>
+              <a:ext cx="9761400" cy="652320"/>
             </a:xfrm>
             <a:prstGeom prst="rect">
               <a:avLst/>
@@ -5921,7 +5970,7 @@
           <p:spPr>
             <a:xfrm>
               <a:off x="1534680" y="3592080"/>
-              <a:ext cx="816480" cy="816480"/>
+              <a:ext cx="816120" cy="816120"/>
             </a:xfrm>
             <a:prstGeom prst="ellipse">
               <a:avLst/>
@@ -5962,7 +6011,7 @@
           <p:spPr>
             <a:xfrm>
               <a:off x="1800000" y="4655520"/>
-              <a:ext cx="9905760" cy="652680"/>
+              <a:ext cx="9905400" cy="652320"/>
             </a:xfrm>
             <a:prstGeom prst="rect">
               <a:avLst/>
@@ -6029,7 +6078,7 @@
           <p:spPr>
             <a:xfrm>
               <a:off x="1390680" y="4573800"/>
-              <a:ext cx="816480" cy="816480"/>
+              <a:ext cx="816120" cy="816120"/>
             </a:xfrm>
             <a:prstGeom prst="ellipse">
               <a:avLst/>
@@ -6070,7 +6119,7 @@
           <p:spPr>
             <a:xfrm>
               <a:off x="1330920" y="5636880"/>
-              <a:ext cx="10374840" cy="652680"/>
+              <a:ext cx="10374480" cy="652320"/>
             </a:xfrm>
             <a:prstGeom prst="rect">
               <a:avLst/>
@@ -6137,7 +6186,7 @@
           <p:spPr>
             <a:xfrm>
               <a:off x="921960" y="5555160"/>
-              <a:ext cx="816480" cy="816480"/>
+              <a:ext cx="816120" cy="816120"/>
             </a:xfrm>
             <a:prstGeom prst="ellipse">
               <a:avLst/>
@@ -6243,7 +6292,7 @@
         <p:spPr>
           <a:xfrm>
             <a:off x="838080" y="365040"/>
-            <a:ext cx="10513800" cy="1323720"/>
+            <a:ext cx="10513440" cy="1323360"/>
           </a:xfrm>
           <a:prstGeom prst="rect">
             <a:avLst/>
@@ -6292,7 +6341,7 @@
         <p:spPr>
           <a:xfrm>
             <a:off x="838080" y="1825560"/>
-            <a:ext cx="10513800" cy="4349520"/>
+            <a:ext cx="10513440" cy="4349160"/>
           </a:xfrm>
           <a:prstGeom prst="rect">
             <a:avLst/>
@@ -6311,7 +6360,7 @@
         <p:txBody>
           <a:bodyPr lIns="90000" rIns="90000" tIns="45000" bIns="45000"/>
           <a:p>
-            <a:pPr marL="228600" indent="-226800">
+            <a:pPr marL="228600" indent="-226440">
               <a:lnSpc>
                 <a:spcPct val="90000"/>
               </a:lnSpc>
@@ -6352,7 +6401,7 @@
             </a:endParaRPr>
           </a:p>
           <a:p>
-            <a:pPr marL="228600" indent="-226800">
+            <a:pPr marL="228600" indent="-226440">
               <a:lnSpc>
                 <a:spcPct val="90000"/>
               </a:lnSpc>
@@ -6393,7 +6442,7 @@
             </a:endParaRPr>
           </a:p>
           <a:p>
-            <a:pPr marL="228600" indent="-226800">
+            <a:pPr marL="228600" indent="-226440">
               <a:lnSpc>
                 <a:spcPct val="90000"/>
               </a:lnSpc>
@@ -6434,7 +6483,7 @@
             </a:endParaRPr>
           </a:p>
           <a:p>
-            <a:pPr marL="228600" indent="-226800">
+            <a:pPr marL="228600" indent="-226440">
               <a:lnSpc>
                 <a:spcPct val="90000"/>
               </a:lnSpc>
@@ -6547,7 +6596,7 @@
         <p:spPr>
           <a:xfrm>
             <a:off x="838080" y="365040"/>
-            <a:ext cx="10513800" cy="1323720"/>
+            <a:ext cx="10513440" cy="1323360"/>
           </a:xfrm>
           <a:prstGeom prst="rect">
             <a:avLst/>
@@ -6596,7 +6645,7 @@
         <p:spPr>
           <a:xfrm>
             <a:off x="838080" y="1825560"/>
-            <a:ext cx="4169160" cy="4349520"/>
+            <a:ext cx="4168800" cy="4349160"/>
           </a:xfrm>
           <a:prstGeom prst="rect">
             <a:avLst/>
@@ -6615,7 +6664,7 @@
         <p:txBody>
           <a:bodyPr lIns="90000" rIns="90000" tIns="45000" bIns="45000"/>
           <a:p>
-            <a:pPr marL="228600" indent="-226800">
+            <a:pPr marL="228600" indent="-226440">
               <a:lnSpc>
                 <a:spcPct val="90000"/>
               </a:lnSpc>
@@ -6643,7 +6692,7 @@
             </a:endParaRPr>
           </a:p>
           <a:p>
-            <a:pPr marL="228600" indent="-226800">
+            <a:pPr marL="228600" indent="-226440">
               <a:lnSpc>
                 <a:spcPct val="90000"/>
               </a:lnSpc>
@@ -6671,7 +6720,7 @@
             </a:endParaRPr>
           </a:p>
           <a:p>
-            <a:pPr marL="228600" indent="-226800">
+            <a:pPr marL="228600" indent="-226440">
               <a:lnSpc>
                 <a:spcPct val="90000"/>
               </a:lnSpc>
@@ -6752,7 +6801,7 @@
         <p:spPr>
           <a:xfrm>
             <a:off x="5103720" y="1690560"/>
-            <a:ext cx="6833520" cy="4072320"/>
+            <a:ext cx="6833160" cy="4071960"/>
           </a:xfrm>
           <a:prstGeom prst="rect">
             <a:avLst/>
@@ -6820,7 +6869,7 @@
         <p:spPr>
           <a:xfrm>
             <a:off x="838080" y="365040"/>
-            <a:ext cx="10513800" cy="1323720"/>
+            <a:ext cx="10513440" cy="1323360"/>
           </a:xfrm>
           <a:prstGeom prst="rect">
             <a:avLst/>
@@ -6869,7 +6918,7 @@
         <p:spPr>
           <a:xfrm>
             <a:off x="838080" y="1825560"/>
-            <a:ext cx="10513800" cy="4349520"/>
+            <a:ext cx="10513440" cy="4349160"/>
           </a:xfrm>
           <a:prstGeom prst="rect">
             <a:avLst/>
@@ -6888,7 +6937,7 @@
         <p:txBody>
           <a:bodyPr lIns="90000" rIns="90000" tIns="45000" bIns="45000"/>
           <a:p>
-            <a:pPr marL="228600" indent="-226800">
+            <a:pPr marL="228600" indent="-226440">
               <a:lnSpc>
                 <a:spcPct val="90000"/>
               </a:lnSpc>
@@ -6929,7 +6978,7 @@
             </a:endParaRPr>
           </a:p>
           <a:p>
-            <a:pPr marL="228600" indent="-226800">
+            <a:pPr marL="228600" indent="-226440">
               <a:lnSpc>
                 <a:spcPct val="90000"/>
               </a:lnSpc>
@@ -6970,7 +7019,7 @@
             </a:endParaRPr>
           </a:p>
           <a:p>
-            <a:pPr marL="228600" indent="-226800">
+            <a:pPr marL="228600" indent="-226440">
               <a:lnSpc>
                 <a:spcPct val="90000"/>
               </a:lnSpc>
@@ -7074,7 +7123,7 @@
         <p:spPr>
           <a:xfrm>
             <a:off x="1947960" y="451440"/>
-            <a:ext cx="8525880" cy="6139440"/>
+            <a:ext cx="8525520" cy="6139080"/>
           </a:xfrm>
           <a:prstGeom prst="rect">
             <a:avLst/>
@@ -7142,7 +7191,7 @@
         <p:spPr>
           <a:xfrm>
             <a:off x="838080" y="365040"/>
-            <a:ext cx="10513800" cy="1323720"/>
+            <a:ext cx="10513440" cy="1323360"/>
           </a:xfrm>
           <a:prstGeom prst="rect">
             <a:avLst/>
@@ -7195,7 +7244,7 @@
         <p:spPr>
           <a:xfrm>
             <a:off x="1508400" y="1690560"/>
-            <a:ext cx="8805960" cy="5141160"/>
+            <a:ext cx="8805600" cy="5140800"/>
           </a:xfrm>
           <a:prstGeom prst="rect">
             <a:avLst/>
@@ -7263,7 +7312,7 @@
         <p:spPr>
           <a:xfrm>
             <a:off x="838080" y="365040"/>
-            <a:ext cx="10513800" cy="1323720"/>
+            <a:ext cx="10513440" cy="1323360"/>
           </a:xfrm>
           <a:prstGeom prst="rect">
             <a:avLst/>
@@ -7316,7 +7365,7 @@
         <p:spPr>
           <a:xfrm>
             <a:off x="1169640" y="1521360"/>
-            <a:ext cx="9218520" cy="5464800"/>
+            <a:ext cx="9218160" cy="5464440"/>
           </a:xfrm>
           <a:prstGeom prst="rect">
             <a:avLst/>
@@ -7384,7 +7433,7 @@
         <p:spPr>
           <a:xfrm>
             <a:off x="838080" y="365040"/>
-            <a:ext cx="10513800" cy="1323720"/>
+            <a:ext cx="10513440" cy="1323360"/>
           </a:xfrm>
           <a:prstGeom prst="rect">
             <a:avLst/>
@@ -7433,7 +7482,7 @@
         <p:spPr>
           <a:xfrm>
             <a:off x="838080" y="1825560"/>
-            <a:ext cx="10513800" cy="4349520"/>
+            <a:ext cx="10513440" cy="4349160"/>
           </a:xfrm>
           <a:prstGeom prst="rect">
             <a:avLst/>
@@ -7465,7 +7514,7 @@
             </a:endParaRPr>
           </a:p>
           <a:p>
-            <a:pPr marL="228600" indent="-226800">
+            <a:pPr marL="228600" indent="-226440">
               <a:lnSpc>
                 <a:spcPct val="90000"/>
               </a:lnSpc>
@@ -7493,7 +7542,7 @@
             </a:endParaRPr>
           </a:p>
           <a:p>
-            <a:pPr lvl="1" marL="685800" indent="-226800">
+            <a:pPr lvl="1" marL="685800" indent="-226440">
               <a:lnSpc>
                 <a:spcPct val="90000"/>
               </a:lnSpc>
@@ -7534,7 +7583,7 @@
             </a:endParaRPr>
           </a:p>
           <a:p>
-            <a:pPr marL="228600" indent="-226800">
+            <a:pPr marL="228600" indent="-226440">
               <a:lnSpc>
                 <a:spcPct val="90000"/>
               </a:lnSpc>
@@ -7562,7 +7611,7 @@
             </a:endParaRPr>
           </a:p>
           <a:p>
-            <a:pPr lvl="1" marL="685800" indent="-226800">
+            <a:pPr lvl="1" marL="685800" indent="-226440">
               <a:lnSpc>
                 <a:spcPct val="90000"/>
               </a:lnSpc>
@@ -8198,7 +8247,7 @@
                         <a:rPr b="0" lang="en-IN" sz="1800" spc="-1" strike="noStrike">
                           <a:latin typeface="Arial"/>
                         </a:rPr>
-                        <a:t>49.11%</a:t>
+                        <a:t>53.11%</a:t>
                       </a:r>
                       <a:endParaRPr b="0" lang="en-IN" sz="1800" spc="-1" strike="noStrike">
                         <a:latin typeface="Arial"/>
@@ -8338,7 +8387,7 @@
                         <a:rPr b="0" lang="en-IN" sz="1800" spc="-1" strike="noStrike">
                           <a:latin typeface="Arial"/>
                         </a:rPr>
-                        <a:t>48.0%</a:t>
+                        <a:t>51.0%</a:t>
                       </a:r>
                       <a:endParaRPr b="0" lang="en-IN" sz="1800" spc="-1" strike="noStrike">
                         <a:latin typeface="Arial"/>
@@ -8535,7 +8584,7 @@
         <p:spPr>
           <a:xfrm>
             <a:off x="2664000" y="936000"/>
-            <a:ext cx="8938440" cy="561960"/>
+            <a:ext cx="8938080" cy="561600"/>
           </a:xfrm>
           <a:prstGeom prst="rect">
             <a:avLst/>
@@ -8633,7 +8682,7 @@
         <p:spPr>
           <a:xfrm>
             <a:off x="838080" y="365040"/>
-            <a:ext cx="10513800" cy="1323720"/>
+            <a:ext cx="10513440" cy="1323360"/>
           </a:xfrm>
           <a:prstGeom prst="rect">
             <a:avLst/>
@@ -8682,7 +8731,7 @@
         <p:spPr>
           <a:xfrm>
             <a:off x="864000" y="1597680"/>
-            <a:ext cx="10170720" cy="3416400"/>
+            <a:ext cx="10170360" cy="3416040"/>
           </a:xfrm>
           <a:prstGeom prst="rect">
             <a:avLst/>
@@ -8964,7 +9013,7 @@
         <p:spPr>
           <a:xfrm>
             <a:off x="1603800" y="36000"/>
-            <a:ext cx="8762760" cy="5830560"/>
+            <a:ext cx="8762400" cy="5830200"/>
           </a:xfrm>
           <a:prstGeom prst="rect">
             <a:avLst/>
@@ -9032,7 +9081,7 @@
         <p:spPr>
           <a:xfrm>
             <a:off x="838080" y="365040"/>
-            <a:ext cx="10513800" cy="1323720"/>
+            <a:ext cx="10513440" cy="1323360"/>
           </a:xfrm>
           <a:prstGeom prst="rect">
             <a:avLst/>
@@ -9081,9 +9130,9 @@
         <p:grpSpPr>
           <a:xfrm>
             <a:off x="297360" y="3457440"/>
-            <a:ext cx="11675160" cy="1059840"/>
+            <a:ext cx="11674800" cy="1059480"/>
             <a:chOff x="297360" y="3457440"/>
-            <a:chExt cx="11675160" cy="1059840"/>
+            <a:chExt cx="11674800" cy="1059480"/>
           </a:xfrm>
         </p:grpSpPr>
         <p:sp>
@@ -9095,7 +9144,7 @@
           <p:spPr>
             <a:xfrm>
               <a:off x="297360" y="3457440"/>
-              <a:ext cx="1767600" cy="1059840"/>
+              <a:ext cx="1767240" cy="1059480"/>
             </a:xfrm>
             <a:prstGeom prst="roundRect">
               <a:avLst>
@@ -9164,7 +9213,7 @@
           <p:spPr>
             <a:xfrm>
               <a:off x="2243520" y="3768480"/>
-              <a:ext cx="373320" cy="437040"/>
+              <a:ext cx="372960" cy="436680"/>
             </a:xfrm>
             <a:prstGeom prst="rightArrow">
               <a:avLst>
@@ -9200,7 +9249,7 @@
           <p:spPr>
             <a:xfrm>
               <a:off x="2774160" y="3457440"/>
-              <a:ext cx="1767600" cy="1059840"/>
+              <a:ext cx="1767240" cy="1059480"/>
             </a:xfrm>
             <a:prstGeom prst="roundRect">
               <a:avLst>
@@ -9269,7 +9318,7 @@
           <p:spPr>
             <a:xfrm>
               <a:off x="4720320" y="3768480"/>
-              <a:ext cx="373320" cy="437040"/>
+              <a:ext cx="372960" cy="436680"/>
             </a:xfrm>
             <a:prstGeom prst="rightArrow">
               <a:avLst>
@@ -9305,7 +9354,7 @@
           <p:spPr>
             <a:xfrm>
               <a:off x="5250960" y="3457440"/>
-              <a:ext cx="1767600" cy="1059840"/>
+              <a:ext cx="1767240" cy="1059480"/>
             </a:xfrm>
             <a:prstGeom prst="roundRect">
               <a:avLst>
@@ -9374,7 +9423,7 @@
           <p:spPr>
             <a:xfrm>
               <a:off x="7197480" y="3768480"/>
-              <a:ext cx="373320" cy="437040"/>
+              <a:ext cx="372960" cy="436680"/>
             </a:xfrm>
             <a:prstGeom prst="rightArrow">
               <a:avLst>
@@ -9410,7 +9459,7 @@
           <p:spPr>
             <a:xfrm>
               <a:off x="7728120" y="3457440"/>
-              <a:ext cx="1767600" cy="1059840"/>
+              <a:ext cx="1767240" cy="1059480"/>
             </a:xfrm>
             <a:prstGeom prst="roundRect">
               <a:avLst>
@@ -9479,7 +9528,7 @@
           <p:spPr>
             <a:xfrm>
               <a:off x="9674280" y="3768480"/>
-              <a:ext cx="373320" cy="437040"/>
+              <a:ext cx="372960" cy="436680"/>
             </a:xfrm>
             <a:prstGeom prst="rightArrow">
               <a:avLst>
@@ -9515,7 +9564,7 @@
           <p:spPr>
             <a:xfrm>
               <a:off x="10204920" y="3457440"/>
-              <a:ext cx="1767600" cy="1059840"/>
+              <a:ext cx="1767240" cy="1059480"/>
             </a:xfrm>
             <a:prstGeom prst="roundRect">
               <a:avLst>
@@ -9649,7 +9698,7 @@
         <p:spPr>
           <a:xfrm>
             <a:off x="1296000" y="792000"/>
-            <a:ext cx="6983640" cy="542520"/>
+            <a:ext cx="6983280" cy="542160"/>
           </a:xfrm>
           <a:prstGeom prst="rect">
             <a:avLst/>
@@ -9675,7 +9724,11 @@
             </a:pPr>
             <a:r>
               <a:rPr b="1" lang="en-IN" sz="3200" spc="-1" strike="noStrike">
+                <a:solidFill>
+                  <a:srgbClr val="000000"/>
+                </a:solidFill>
                 <a:latin typeface="Arial"/>
+                <a:ea typeface="DejaVu Sans"/>
               </a:rPr>
               <a:t>Dataset Visualization</a:t>
             </a:r>
@@ -9698,7 +9751,7 @@
         <p:spPr>
           <a:xfrm>
             <a:off x="2232000" y="1440000"/>
-            <a:ext cx="6983640" cy="4574160"/>
+            <a:ext cx="6983280" cy="4573800"/>
           </a:xfrm>
           <a:prstGeom prst="rect">
             <a:avLst/>
@@ -9717,7 +9770,7 @@
         <p:spPr>
           <a:xfrm>
             <a:off x="3672000" y="5967000"/>
-            <a:ext cx="4967640" cy="656640"/>
+            <a:ext cx="4967280" cy="656280"/>
           </a:xfrm>
           <a:prstGeom prst="rect">
             <a:avLst/>
@@ -9743,7 +9796,11 @@
             </a:pPr>
             <a:r>
               <a:rPr b="0" lang="en-IN" sz="2000" spc="-1" strike="noStrike">
+                <a:solidFill>
+                  <a:srgbClr val="000000"/>
+                </a:solidFill>
                 <a:latin typeface="Arial"/>
+                <a:ea typeface="DejaVu Sans"/>
               </a:rPr>
               <a:t>Dataset for single emotion classification</a:t>
             </a:r>
@@ -9815,7 +9872,7 @@
         <p:spPr>
           <a:xfrm>
             <a:off x="2700000" y="1584000"/>
-            <a:ext cx="6515640" cy="4267440"/>
+            <a:ext cx="6515280" cy="4267080"/>
           </a:xfrm>
           <a:prstGeom prst="rect">
             <a:avLst/>
@@ -9834,7 +9891,7 @@
         <p:spPr>
           <a:xfrm>
             <a:off x="3672000" y="5967360"/>
-            <a:ext cx="4967640" cy="656640"/>
+            <a:ext cx="4967280" cy="656280"/>
           </a:xfrm>
           <a:prstGeom prst="rect">
             <a:avLst/>
@@ -9860,7 +9917,11 @@
             </a:pPr>
             <a:r>
               <a:rPr b="0" lang="en-IN" sz="2000" spc="-1" strike="noStrike">
+                <a:solidFill>
+                  <a:srgbClr val="000000"/>
+                </a:solidFill>
                 <a:latin typeface="Arial"/>
+                <a:ea typeface="DejaVu Sans"/>
               </a:rPr>
               <a:t>Dataset for multiple emotion classification</a:t>
             </a:r>
@@ -9879,7 +9940,7 @@
         <p:spPr>
           <a:xfrm>
             <a:off x="1152000" y="360000"/>
-            <a:ext cx="5039640" cy="935640"/>
+            <a:ext cx="5039280" cy="935280"/>
           </a:xfrm>
           <a:prstGeom prst="rect">
             <a:avLst/>
@@ -9905,7 +9966,11 @@
             </a:pPr>
             <a:r>
               <a:rPr b="1" lang="en-IN" sz="3200" spc="-1" strike="noStrike">
+                <a:solidFill>
+                  <a:srgbClr val="000000"/>
+                </a:solidFill>
                 <a:latin typeface="Arial"/>
+                <a:ea typeface="DejaVu Sans"/>
               </a:rPr>
               <a:t>Dataset Visualization</a:t>
             </a:r>
@@ -9973,7 +10038,7 @@
         <p:spPr>
           <a:xfrm>
             <a:off x="838080" y="365040"/>
-            <a:ext cx="10513800" cy="1323720"/>
+            <a:ext cx="10513440" cy="1323360"/>
           </a:xfrm>
           <a:prstGeom prst="rect">
             <a:avLst/>
@@ -10022,9 +10087,9 @@
         <p:grpSpPr>
           <a:xfrm>
             <a:off x="297360" y="3457440"/>
-            <a:ext cx="11675160" cy="1059840"/>
+            <a:ext cx="11674800" cy="1059480"/>
             <a:chOff x="297360" y="3457440"/>
-            <a:chExt cx="11675160" cy="1059840"/>
+            <a:chExt cx="11674800" cy="1059480"/>
           </a:xfrm>
         </p:grpSpPr>
         <p:sp>
@@ -10036,7 +10101,7 @@
           <p:spPr>
             <a:xfrm>
               <a:off x="297360" y="3457440"/>
-              <a:ext cx="1767600" cy="1059840"/>
+              <a:ext cx="1767240" cy="1059480"/>
             </a:xfrm>
             <a:prstGeom prst="roundRect">
               <a:avLst>
@@ -10105,7 +10170,7 @@
           <p:spPr>
             <a:xfrm>
               <a:off x="2243520" y="3768480"/>
-              <a:ext cx="373320" cy="437040"/>
+              <a:ext cx="372960" cy="436680"/>
             </a:xfrm>
             <a:prstGeom prst="rightArrow">
               <a:avLst>
@@ -10141,7 +10206,7 @@
           <p:spPr>
             <a:xfrm>
               <a:off x="2774160" y="3457440"/>
-              <a:ext cx="1767600" cy="1059840"/>
+              <a:ext cx="1767240" cy="1059480"/>
             </a:xfrm>
             <a:prstGeom prst="roundRect">
               <a:avLst>
@@ -10210,7 +10275,7 @@
           <p:spPr>
             <a:xfrm>
               <a:off x="4720320" y="3768480"/>
-              <a:ext cx="373320" cy="437040"/>
+              <a:ext cx="372960" cy="436680"/>
             </a:xfrm>
             <a:prstGeom prst="rightArrow">
               <a:avLst>
@@ -10246,7 +10311,7 @@
           <p:spPr>
             <a:xfrm>
               <a:off x="5250960" y="3457440"/>
-              <a:ext cx="1767600" cy="1059840"/>
+              <a:ext cx="1767240" cy="1059480"/>
             </a:xfrm>
             <a:prstGeom prst="roundRect">
               <a:avLst>
@@ -10315,7 +10380,7 @@
           <p:spPr>
             <a:xfrm>
               <a:off x="7197480" y="3768480"/>
-              <a:ext cx="373320" cy="437040"/>
+              <a:ext cx="372960" cy="436680"/>
             </a:xfrm>
             <a:prstGeom prst="rightArrow">
               <a:avLst>
@@ -10351,7 +10416,7 @@
           <p:spPr>
             <a:xfrm>
               <a:off x="7728120" y="3457440"/>
-              <a:ext cx="1767600" cy="1059840"/>
+              <a:ext cx="1767240" cy="1059480"/>
             </a:xfrm>
             <a:prstGeom prst="roundRect">
               <a:avLst>
@@ -10420,7 +10485,7 @@
           <p:spPr>
             <a:xfrm>
               <a:off x="9674280" y="3768480"/>
-              <a:ext cx="373320" cy="437040"/>
+              <a:ext cx="372960" cy="436680"/>
             </a:xfrm>
             <a:prstGeom prst="rightArrow">
               <a:avLst>
@@ -10456,7 +10521,7 @@
           <p:spPr>
             <a:xfrm>
               <a:off x="10204920" y="3457440"/>
-              <a:ext cx="1767600" cy="1059840"/>
+              <a:ext cx="1767240" cy="1059480"/>
             </a:xfrm>
             <a:prstGeom prst="roundRect">
               <a:avLst>
@@ -10541,7 +10606,7 @@
         <p:spPr>
           <a:xfrm>
             <a:off x="2703600" y="3326400"/>
-            <a:ext cx="1959480" cy="1310040"/>
+            <a:ext cx="1959120" cy="1309680"/>
           </a:xfrm>
           <a:prstGeom prst="rect">
             <a:avLst/>
@@ -10627,7 +10692,7 @@
         <p:spPr>
           <a:xfrm>
             <a:off x="838080" y="365040"/>
-            <a:ext cx="10513800" cy="1323720"/>
+            <a:ext cx="10513440" cy="1323360"/>
           </a:xfrm>
           <a:prstGeom prst="rect">
             <a:avLst/>
@@ -10676,7 +10741,7 @@
         <p:spPr>
           <a:xfrm>
             <a:off x="838080" y="1537200"/>
-            <a:ext cx="11351880" cy="5206320"/>
+            <a:ext cx="11351520" cy="5205960"/>
           </a:xfrm>
           <a:prstGeom prst="rect">
             <a:avLst/>
@@ -10697,7 +10762,7 @@
             <a:normAutofit/>
           </a:bodyPr>
           <a:p>
-            <a:pPr marL="228600" indent="-226800">
+            <a:pPr marL="228600" indent="-226440">
               <a:lnSpc>
                 <a:spcPct val="90000"/>
               </a:lnSpc>
@@ -10725,7 +10790,7 @@
             </a:endParaRPr>
           </a:p>
           <a:p>
-            <a:pPr marL="228600" indent="-226800">
+            <a:pPr marL="228600" indent="-226440">
               <a:lnSpc>
                 <a:spcPct val="90000"/>
               </a:lnSpc>
@@ -11013,7 +11078,7 @@
         <p:spPr>
           <a:xfrm>
             <a:off x="838080" y="365040"/>
-            <a:ext cx="10513800" cy="1323720"/>
+            <a:ext cx="10513440" cy="1323360"/>
           </a:xfrm>
           <a:prstGeom prst="rect">
             <a:avLst/>
@@ -11062,7 +11127,7 @@
         <p:spPr>
           <a:xfrm>
             <a:off x="838080" y="1825560"/>
-            <a:ext cx="10513800" cy="4349520"/>
+            <a:ext cx="10513440" cy="4349160"/>
           </a:xfrm>
           <a:prstGeom prst="rect">
             <a:avLst/>
@@ -11081,7 +11146,7 @@
         <p:txBody>
           <a:bodyPr lIns="90000" rIns="90000" tIns="45000" bIns="45000"/>
           <a:p>
-            <a:pPr marL="228600" indent="-226800">
+            <a:pPr marL="228600" indent="-226440">
               <a:lnSpc>
                 <a:spcPct val="90000"/>
               </a:lnSpc>
@@ -11132,9 +11197,9 @@
         <p:grpSpPr>
           <a:xfrm>
             <a:off x="2005920" y="3232440"/>
-            <a:ext cx="6720840" cy="770760"/>
+            <a:ext cx="6720480" cy="770400"/>
             <a:chOff x="2005920" y="3232440"/>
-            <a:chExt cx="6720840" cy="770760"/>
+            <a:chExt cx="6720480" cy="770400"/>
           </a:xfrm>
         </p:grpSpPr>
         <p:sp>
@@ -11146,7 +11211,7 @@
           <p:spPr>
             <a:xfrm>
               <a:off x="2005920" y="3239280"/>
-              <a:ext cx="2865600" cy="756720"/>
+              <a:ext cx="2865240" cy="756360"/>
             </a:xfrm>
             <a:prstGeom prst="roundRect">
               <a:avLst>
@@ -11215,7 +11280,7 @@
           <p:spPr>
             <a:xfrm>
               <a:off x="5120280" y="3263040"/>
-              <a:ext cx="521640" cy="709200"/>
+              <a:ext cx="521280" cy="708840"/>
             </a:xfrm>
             <a:prstGeom prst="rightArrow">
               <a:avLst>
@@ -11252,7 +11317,7 @@
           <p:spPr>
             <a:xfrm>
               <a:off x="5861160" y="3232440"/>
-              <a:ext cx="2865600" cy="770760"/>
+              <a:ext cx="2865240" cy="770400"/>
             </a:xfrm>
             <a:prstGeom prst="roundRect">
               <a:avLst>
@@ -11337,9 +11402,9 @@
         <p:grpSpPr>
           <a:xfrm>
             <a:off x="2072160" y="4645800"/>
-            <a:ext cx="6654600" cy="770760"/>
+            <a:ext cx="6654240" cy="770400"/>
             <a:chOff x="2072160" y="4645800"/>
-            <a:chExt cx="6654600" cy="770760"/>
+            <a:chExt cx="6654240" cy="770400"/>
           </a:xfrm>
         </p:grpSpPr>
         <p:sp>
@@ -11351,7 +11416,7 @@
           <p:spPr>
             <a:xfrm>
               <a:off x="2072160" y="4653000"/>
-              <a:ext cx="2865600" cy="756720"/>
+              <a:ext cx="2865240" cy="756360"/>
             </a:xfrm>
             <a:prstGeom prst="roundRect">
               <a:avLst>
@@ -11420,7 +11485,7 @@
           <p:spPr>
             <a:xfrm>
               <a:off x="5169960" y="4676760"/>
-              <a:ext cx="486720" cy="709200"/>
+              <a:ext cx="486360" cy="708840"/>
             </a:xfrm>
             <a:prstGeom prst="rightArrow">
               <a:avLst>
@@ -11457,7 +11522,7 @@
           <p:spPr>
             <a:xfrm>
               <a:off x="5861160" y="4645800"/>
-              <a:ext cx="2865600" cy="770760"/>
+              <a:ext cx="2865240" cy="770400"/>
             </a:xfrm>
             <a:prstGeom prst="roundRect">
               <a:avLst>
@@ -11591,7 +11656,7 @@
         <p:spPr>
           <a:xfrm>
             <a:off x="838080" y="365040"/>
-            <a:ext cx="10513800" cy="905400"/>
+            <a:ext cx="10513440" cy="905040"/>
           </a:xfrm>
           <a:prstGeom prst="rect">
             <a:avLst/>
@@ -11640,9 +11705,9 @@
         <p:grpSpPr>
           <a:xfrm>
             <a:off x="1908720" y="1416240"/>
-            <a:ext cx="8518680" cy="4586400"/>
+            <a:ext cx="8518320" cy="4586040"/>
             <a:chOff x="1908720" y="1416240"/>
-            <a:chExt cx="8518680" cy="4586400"/>
+            <a:chExt cx="8518320" cy="4586040"/>
           </a:xfrm>
         </p:grpSpPr>
         <p:sp>
@@ -11654,7 +11719,7 @@
           <p:spPr>
             <a:xfrm>
               <a:off x="1908720" y="3300480"/>
-              <a:ext cx="1636920" cy="817560"/>
+              <a:ext cx="1636560" cy="817200"/>
             </a:xfrm>
             <a:prstGeom prst="roundRect">
               <a:avLst>
@@ -11722,8 +11787,8 @@
           </p:nvSpPr>
           <p:spPr>
             <a:xfrm rot="17351400">
-              <a:off x="2876400" y="2755080"/>
-              <a:ext cx="1993320" cy="24840"/>
+              <a:off x="2876040" y="2755080"/>
+              <a:ext cx="1992960" cy="24480"/>
             </a:xfrm>
             <a:custGeom>
               <a:avLst/>
@@ -11770,7 +11835,7 @@
           <p:spPr>
             <a:xfrm>
               <a:off x="4202640" y="1416240"/>
-              <a:ext cx="1636920" cy="817560"/>
+              <a:ext cx="1636560" cy="817200"/>
             </a:xfrm>
             <a:prstGeom prst="roundRect">
               <a:avLst>
@@ -11838,8 +11903,8 @@
           </p:nvSpPr>
           <p:spPr>
             <a:xfrm rot="18289200">
-              <a:off x="3299760" y="3226320"/>
-              <a:ext cx="1145880" cy="24840"/>
+              <a:off x="3299400" y="3226320"/>
+              <a:ext cx="1145520" cy="24480"/>
             </a:xfrm>
             <a:custGeom>
               <a:avLst/>
@@ -11886,7 +11951,7 @@
           <p:spPr>
             <a:xfrm>
               <a:off x="4202640" y="2358360"/>
-              <a:ext cx="1636920" cy="817560"/>
+              <a:ext cx="1636560" cy="817200"/>
             </a:xfrm>
             <a:prstGeom prst="roundRect">
               <a:avLst>
@@ -11955,7 +12020,7 @@
           <p:spPr>
             <a:xfrm>
               <a:off x="3547080" y="3696840"/>
-              <a:ext cx="653760" cy="24840"/>
+              <a:ext cx="653400" cy="24480"/>
             </a:xfrm>
             <a:custGeom>
               <a:avLst/>
@@ -12002,7 +12067,7 @@
           <p:spPr>
             <a:xfrm>
               <a:off x="4202640" y="3300480"/>
-              <a:ext cx="1636920" cy="817560"/>
+              <a:ext cx="1636560" cy="817200"/>
             </a:xfrm>
             <a:prstGeom prst="roundRect">
               <a:avLst>
@@ -12070,8 +12135,8 @@
           </p:nvSpPr>
           <p:spPr>
             <a:xfrm rot="3310800">
-              <a:off x="3301200" y="4166640"/>
-              <a:ext cx="1145880" cy="24840"/>
+              <a:off x="3301200" y="4166280"/>
+              <a:ext cx="1145520" cy="24480"/>
             </a:xfrm>
             <a:custGeom>
               <a:avLst/>
@@ -12118,7 +12183,7 @@
           <p:spPr>
             <a:xfrm>
               <a:off x="4202640" y="4242960"/>
-              <a:ext cx="1636920" cy="817560"/>
+              <a:ext cx="1636560" cy="817200"/>
             </a:xfrm>
             <a:prstGeom prst="roundRect">
               <a:avLst>
@@ -12187,7 +12252,7 @@
           <p:spPr>
             <a:xfrm>
               <a:off x="5841000" y="4639320"/>
-              <a:ext cx="653760" cy="24840"/>
+              <a:ext cx="653400" cy="24480"/>
             </a:xfrm>
             <a:custGeom>
               <a:avLst/>
@@ -12234,7 +12299,7 @@
           <p:spPr>
             <a:xfrm>
               <a:off x="6496560" y="4242960"/>
-              <a:ext cx="1636920" cy="817560"/>
+              <a:ext cx="1636560" cy="817200"/>
             </a:xfrm>
             <a:prstGeom prst="roundRect">
               <a:avLst>
@@ -12303,7 +12368,7 @@
           <p:spPr>
             <a:xfrm>
               <a:off x="8135280" y="4639320"/>
-              <a:ext cx="653760" cy="24840"/>
+              <a:ext cx="653400" cy="24480"/>
             </a:xfrm>
             <a:custGeom>
               <a:avLst/>
@@ -12350,7 +12415,7 @@
           <p:spPr>
             <a:xfrm>
               <a:off x="8790480" y="4242960"/>
-              <a:ext cx="1636920" cy="817560"/>
+              <a:ext cx="1636560" cy="817200"/>
             </a:xfrm>
             <a:prstGeom prst="roundRect">
               <a:avLst>
@@ -12418,8 +12483,8 @@
           </p:nvSpPr>
           <p:spPr>
             <a:xfrm rot="4249200">
-              <a:off x="2877840" y="4637880"/>
-              <a:ext cx="1993320" cy="24840"/>
+              <a:off x="2878200" y="4637520"/>
+              <a:ext cx="1992960" cy="24480"/>
             </a:xfrm>
             <a:custGeom>
               <a:avLst/>
@@ -12466,7 +12531,7 @@
           <p:spPr>
             <a:xfrm>
               <a:off x="4202640" y="5185080"/>
-              <a:ext cx="1636920" cy="817560"/>
+              <a:ext cx="1636560" cy="817200"/>
             </a:xfrm>
             <a:prstGeom prst="roundRect">
               <a:avLst>
@@ -12535,7 +12600,7 @@
           <p:spPr>
             <a:xfrm>
               <a:off x="5841000" y="5581440"/>
-              <a:ext cx="653760" cy="24840"/>
+              <a:ext cx="653400" cy="24480"/>
             </a:xfrm>
             <a:custGeom>
               <a:avLst/>
@@ -12582,7 +12647,7 @@
           <p:spPr>
             <a:xfrm>
               <a:off x="6496560" y="5185080"/>
-              <a:ext cx="1636920" cy="817560"/>
+              <a:ext cx="1636560" cy="817200"/>
             </a:xfrm>
             <a:prstGeom prst="roundRect">
               <a:avLst>
@@ -12651,7 +12716,7 @@
           <p:spPr>
             <a:xfrm>
               <a:off x="8135280" y="5581440"/>
-              <a:ext cx="653760" cy="24840"/>
+              <a:ext cx="653400" cy="24480"/>
             </a:xfrm>
             <a:custGeom>
               <a:avLst/>
@@ -12698,7 +12763,7 @@
           <p:spPr>
             <a:xfrm>
               <a:off x="8790480" y="5185080"/>
-              <a:ext cx="1636920" cy="817560"/>
+              <a:ext cx="1636560" cy="817200"/>
             </a:xfrm>
             <a:prstGeom prst="roundRect">
               <a:avLst>
@@ -12783,7 +12848,7 @@
         <p:spPr>
           <a:xfrm>
             <a:off x="2146680" y="4479120"/>
-            <a:ext cx="1217520" cy="636840"/>
+            <a:ext cx="1217160" cy="636480"/>
           </a:xfrm>
           <a:prstGeom prst="rect">
             <a:avLst/>
@@ -12832,7 +12897,7 @@
         <p:spPr>
           <a:xfrm>
             <a:off x="4227480" y="6023160"/>
-            <a:ext cx="1555200" cy="636840"/>
+            <a:ext cx="1554840" cy="636480"/>
           </a:xfrm>
           <a:prstGeom prst="rect">
             <a:avLst/>
@@ -12881,7 +12946,7 @@
         <p:spPr>
           <a:xfrm>
             <a:off x="6679080" y="6023160"/>
-            <a:ext cx="1425960" cy="911160"/>
+            <a:ext cx="1425600" cy="910800"/>
           </a:xfrm>
           <a:prstGeom prst="rect">
             <a:avLst/>
@@ -12930,7 +12995,7 @@
         <p:spPr>
           <a:xfrm>
             <a:off x="8812800" y="6048000"/>
-            <a:ext cx="1787400" cy="636840"/>
+            <a:ext cx="1787040" cy="636480"/>
           </a:xfrm>
           <a:prstGeom prst="rect">
             <a:avLst/>
